--- a/aula classe em python.pptx
+++ b/aula classe em python.pptx
@@ -31,32 +31,43 @@
     <p:sldId id="284" r:id="rId25"/>
     <p:sldId id="301" r:id="rId26"/>
     <p:sldId id="289" r:id="rId27"/>
-    <p:sldId id="290" r:id="rId28"/>
-    <p:sldId id="271" r:id="rId29"/>
-    <p:sldId id="285" r:id="rId30"/>
-    <p:sldId id="305" r:id="rId31"/>
-    <p:sldId id="272" r:id="rId32"/>
-    <p:sldId id="286" r:id="rId33"/>
-    <p:sldId id="287" r:id="rId34"/>
-    <p:sldId id="282" r:id="rId35"/>
-    <p:sldId id="260" r:id="rId36"/>
-    <p:sldId id="268" r:id="rId37"/>
-    <p:sldId id="269" r:id="rId38"/>
-    <p:sldId id="288" r:id="rId39"/>
-    <p:sldId id="283" r:id="rId40"/>
-    <p:sldId id="261" r:id="rId41"/>
-    <p:sldId id="262" r:id="rId42"/>
-    <p:sldId id="306" r:id="rId43"/>
-    <p:sldId id="307" r:id="rId44"/>
-    <p:sldId id="265" r:id="rId45"/>
-    <p:sldId id="292" r:id="rId46"/>
-    <p:sldId id="293" r:id="rId47"/>
-    <p:sldId id="308" r:id="rId48"/>
-    <p:sldId id="313" r:id="rId49"/>
-    <p:sldId id="309" r:id="rId50"/>
-    <p:sldId id="310" r:id="rId51"/>
-    <p:sldId id="311" r:id="rId52"/>
-    <p:sldId id="312" r:id="rId53"/>
+    <p:sldId id="316" r:id="rId28"/>
+    <p:sldId id="315" r:id="rId29"/>
+    <p:sldId id="314" r:id="rId30"/>
+    <p:sldId id="271" r:id="rId31"/>
+    <p:sldId id="285" r:id="rId32"/>
+    <p:sldId id="305" r:id="rId33"/>
+    <p:sldId id="272" r:id="rId34"/>
+    <p:sldId id="286" r:id="rId35"/>
+    <p:sldId id="287" r:id="rId36"/>
+    <p:sldId id="282" r:id="rId37"/>
+    <p:sldId id="260" r:id="rId38"/>
+    <p:sldId id="268" r:id="rId39"/>
+    <p:sldId id="269" r:id="rId40"/>
+    <p:sldId id="288" r:id="rId41"/>
+    <p:sldId id="283" r:id="rId42"/>
+    <p:sldId id="261" r:id="rId43"/>
+    <p:sldId id="262" r:id="rId44"/>
+    <p:sldId id="306" r:id="rId45"/>
+    <p:sldId id="307" r:id="rId46"/>
+    <p:sldId id="327" r:id="rId47"/>
+    <p:sldId id="328" r:id="rId48"/>
+    <p:sldId id="265" r:id="rId49"/>
+    <p:sldId id="292" r:id="rId50"/>
+    <p:sldId id="317" r:id="rId51"/>
+    <p:sldId id="318" r:id="rId52"/>
+    <p:sldId id="293" r:id="rId53"/>
+    <p:sldId id="308" r:id="rId54"/>
+    <p:sldId id="323" r:id="rId55"/>
+    <p:sldId id="329" r:id="rId56"/>
+    <p:sldId id="330" r:id="rId57"/>
+    <p:sldId id="319" r:id="rId58"/>
+    <p:sldId id="320" r:id="rId59"/>
+    <p:sldId id="321" r:id="rId60"/>
+    <p:sldId id="322" r:id="rId61"/>
+    <p:sldId id="324" r:id="rId62"/>
+    <p:sldId id="325" r:id="rId63"/>
+    <p:sldId id="313" r:id="rId64"/>
   </p:sldIdLst>
   <p:sldSz cx="12192000" cy="6858000"/>
   <p:notesSz cx="6858000" cy="9144000"/>
@@ -186,7 +197,9 @@
             <p14:sldId id="284"/>
             <p14:sldId id="301"/>
             <p14:sldId id="289"/>
-            <p14:sldId id="290"/>
+            <p14:sldId id="316"/>
+            <p14:sldId id="315"/>
+            <p14:sldId id="314"/>
             <p14:sldId id="271"/>
             <p14:sldId id="285"/>
             <p14:sldId id="305"/>
@@ -203,15 +216,24 @@
             <p14:sldId id="262"/>
             <p14:sldId id="306"/>
             <p14:sldId id="307"/>
+            <p14:sldId id="327"/>
+            <p14:sldId id="328"/>
             <p14:sldId id="265"/>
             <p14:sldId id="292"/>
+            <p14:sldId id="317"/>
+            <p14:sldId id="318"/>
             <p14:sldId id="293"/>
             <p14:sldId id="308"/>
+            <p14:sldId id="323"/>
+            <p14:sldId id="329"/>
+            <p14:sldId id="330"/>
+            <p14:sldId id="319"/>
+            <p14:sldId id="320"/>
+            <p14:sldId id="321"/>
+            <p14:sldId id="322"/>
+            <p14:sldId id="324"/>
+            <p14:sldId id="325"/>
             <p14:sldId id="313"/>
-            <p14:sldId id="309"/>
-            <p14:sldId id="310"/>
-            <p14:sldId id="311"/>
-            <p14:sldId id="312"/>
           </p14:sldIdLst>
         </p14:section>
       </p14:sectionLst>
@@ -370,7 +392,7 @@
           <a:p>
             <a:fld id="{00FE2B4F-40B5-44A7-9EC0-EB4A0472018E}" type="datetimeFigureOut">
               <a:rPr lang="pt-BR" smtClean="0"/>
-              <a:t>09/01/2023</a:t>
+              <a:t>10/01/2023</a:t>
             </a:fld>
             <a:endParaRPr lang="pt-BR"/>
           </a:p>
@@ -568,7 +590,7 @@
           <a:p>
             <a:fld id="{00FE2B4F-40B5-44A7-9EC0-EB4A0472018E}" type="datetimeFigureOut">
               <a:rPr lang="pt-BR" smtClean="0"/>
-              <a:t>09/01/2023</a:t>
+              <a:t>10/01/2023</a:t>
             </a:fld>
             <a:endParaRPr lang="pt-BR"/>
           </a:p>
@@ -776,7 +798,7 @@
           <a:p>
             <a:fld id="{00FE2B4F-40B5-44A7-9EC0-EB4A0472018E}" type="datetimeFigureOut">
               <a:rPr lang="pt-BR" smtClean="0"/>
-              <a:t>09/01/2023</a:t>
+              <a:t>10/01/2023</a:t>
             </a:fld>
             <a:endParaRPr lang="pt-BR"/>
           </a:p>
@@ -974,7 +996,7 @@
           <a:p>
             <a:fld id="{00FE2B4F-40B5-44A7-9EC0-EB4A0472018E}" type="datetimeFigureOut">
               <a:rPr lang="pt-BR" smtClean="0"/>
-              <a:t>09/01/2023</a:t>
+              <a:t>10/01/2023</a:t>
             </a:fld>
             <a:endParaRPr lang="pt-BR"/>
           </a:p>
@@ -1249,7 +1271,7 @@
           <a:p>
             <a:fld id="{00FE2B4F-40B5-44A7-9EC0-EB4A0472018E}" type="datetimeFigureOut">
               <a:rPr lang="pt-BR" smtClean="0"/>
-              <a:t>09/01/2023</a:t>
+              <a:t>10/01/2023</a:t>
             </a:fld>
             <a:endParaRPr lang="pt-BR"/>
           </a:p>
@@ -1514,7 +1536,7 @@
           <a:p>
             <a:fld id="{00FE2B4F-40B5-44A7-9EC0-EB4A0472018E}" type="datetimeFigureOut">
               <a:rPr lang="pt-BR" smtClean="0"/>
-              <a:t>09/01/2023</a:t>
+              <a:t>10/01/2023</a:t>
             </a:fld>
             <a:endParaRPr lang="pt-BR"/>
           </a:p>
@@ -1926,7 +1948,7 @@
           <a:p>
             <a:fld id="{00FE2B4F-40B5-44A7-9EC0-EB4A0472018E}" type="datetimeFigureOut">
               <a:rPr lang="pt-BR" smtClean="0"/>
-              <a:t>09/01/2023</a:t>
+              <a:t>10/01/2023</a:t>
             </a:fld>
             <a:endParaRPr lang="pt-BR"/>
           </a:p>
@@ -2067,7 +2089,7 @@
           <a:p>
             <a:fld id="{00FE2B4F-40B5-44A7-9EC0-EB4A0472018E}" type="datetimeFigureOut">
               <a:rPr lang="pt-BR" smtClean="0"/>
-              <a:t>09/01/2023</a:t>
+              <a:t>10/01/2023</a:t>
             </a:fld>
             <a:endParaRPr lang="pt-BR"/>
           </a:p>
@@ -2180,7 +2202,7 @@
           <a:p>
             <a:fld id="{00FE2B4F-40B5-44A7-9EC0-EB4A0472018E}" type="datetimeFigureOut">
               <a:rPr lang="pt-BR" smtClean="0"/>
-              <a:t>09/01/2023</a:t>
+              <a:t>10/01/2023</a:t>
             </a:fld>
             <a:endParaRPr lang="pt-BR"/>
           </a:p>
@@ -2491,7 +2513,7 @@
           <a:p>
             <a:fld id="{00FE2B4F-40B5-44A7-9EC0-EB4A0472018E}" type="datetimeFigureOut">
               <a:rPr lang="pt-BR" smtClean="0"/>
-              <a:t>09/01/2023</a:t>
+              <a:t>10/01/2023</a:t>
             </a:fld>
             <a:endParaRPr lang="pt-BR"/>
           </a:p>
@@ -2779,7 +2801,7 @@
           <a:p>
             <a:fld id="{00FE2B4F-40B5-44A7-9EC0-EB4A0472018E}" type="datetimeFigureOut">
               <a:rPr lang="pt-BR" smtClean="0"/>
-              <a:t>09/01/2023</a:t>
+              <a:t>10/01/2023</a:t>
             </a:fld>
             <a:endParaRPr lang="pt-BR"/>
           </a:p>
@@ -3020,7 +3042,7 @@
           <a:p>
             <a:fld id="{00FE2B4F-40B5-44A7-9EC0-EB4A0472018E}" type="datetimeFigureOut">
               <a:rPr lang="pt-BR" smtClean="0"/>
-              <a:t>09/01/2023</a:t>
+              <a:t>10/01/2023</a:t>
             </a:fld>
             <a:endParaRPr lang="pt-BR"/>
           </a:p>
@@ -5712,6 +5734,10 @@
               <a:buNone/>
             </a:pPr>
             <a:r>
+              <a:rPr lang="pt-BR" dirty="0"/>
+              <a:t>    </a:t>
+            </a:r>
+            <a:r>
               <a:rPr lang="pt-BR" dirty="0" err="1"/>
               <a:t>def</a:t>
             </a:r>
@@ -5734,7 +5760,7 @@
             </a:pPr>
             <a:r>
               <a:rPr lang="pt-BR" dirty="0"/>
-              <a:t>  </a:t>
+              <a:t>         </a:t>
             </a:r>
             <a:r>
               <a:rPr lang="pt-BR" dirty="0" err="1"/>
@@ -5751,7 +5777,7 @@
             </a:pPr>
             <a:r>
               <a:rPr lang="pt-BR" dirty="0"/>
-              <a:t>  </a:t>
+              <a:t>         </a:t>
             </a:r>
             <a:r>
               <a:rPr lang="pt-BR" dirty="0" err="1"/>
@@ -7190,7 +7216,7 @@
         <p:spPr/>
         <p:txBody>
           <a:bodyPr>
-            <a:normAutofit fontScale="85000" lnSpcReduction="20000"/>
+            <a:normAutofit fontScale="92500" lnSpcReduction="10000"/>
           </a:bodyPr>
           <a:lstStyle/>
           <a:p>
@@ -7212,7 +7238,7 @@
             </a:pPr>
             <a:r>
               <a:rPr lang="pt-BR" dirty="0"/>
-              <a:t>    </a:t>
+              <a:t>  </a:t>
             </a:r>
             <a:r>
               <a:rPr lang="pt-BR" dirty="0" err="1"/>
@@ -7228,42 +7254,28 @@
             </a:r>
             <a:r>
               <a:rPr lang="pt-BR" dirty="0"/>
-              <a:t>__(self, i):</a:t>
-            </a:r>
-          </a:p>
-          <a:p>
-            <a:pPr marL="0" indent="0">
-              <a:buNone/>
-            </a:pPr>
-            <a:r>
-              <a:rPr lang="pt-BR" dirty="0"/>
-              <a:t>        </a:t>
-            </a:r>
-            <a:r>
-              <a:rPr lang="pt-BR" dirty="0" err="1"/>
-              <a:t>self.empregado_id</a:t>
-            </a:r>
-            <a:r>
-              <a:rPr lang="pt-BR" dirty="0"/>
-              <a:t> = i</a:t>
-            </a:r>
-          </a:p>
-          <a:p>
-            <a:pPr marL="0" indent="0">
-              <a:buNone/>
-            </a:pPr>
-            <a:r>
-              <a:rPr lang="pt-BR" dirty="0"/>
-              <a:t> </a:t>
-            </a:r>
-          </a:p>
-          <a:p>
-            <a:pPr marL="0" indent="0">
-              <a:buNone/>
-            </a:pPr>
-            <a:r>
-              <a:rPr lang="pt-BR" dirty="0"/>
-              <a:t>    </a:t>
+              <a:t>__(self, id):</a:t>
+            </a:r>
+          </a:p>
+          <a:p>
+            <a:pPr marL="0" indent="0">
+              <a:buNone/>
+            </a:pPr>
+            <a:r>
+              <a:rPr lang="pt-BR" dirty="0"/>
+              <a:t>    self.id = id</a:t>
+            </a:r>
+          </a:p>
+          <a:p>
+            <a:pPr marL="0" indent="0">
+              <a:buNone/>
+            </a:pPr>
+            <a:br>
+              <a:rPr lang="pt-BR" dirty="0"/>
+            </a:br>
+            <a:r>
+              <a:rPr lang="pt-BR" dirty="0"/>
+              <a:t>  </a:t>
             </a:r>
             <a:r>
               <a:rPr lang="pt-BR" dirty="0" err="1"/>
@@ -7288,7 +7300,7 @@
             </a:pPr>
             <a:r>
               <a:rPr lang="pt-BR" dirty="0"/>
-              <a:t>        print(</a:t>
+              <a:t>    print(</a:t>
             </a:r>
             <a:r>
               <a:rPr lang="pt-BR" dirty="0" err="1"/>
@@ -7296,39 +7308,16 @@
             </a:r>
             <a:r>
               <a:rPr lang="pt-BR" dirty="0"/>
-              <a:t> id {</a:t>
-            </a:r>
-            <a:r>
-              <a:rPr lang="pt-BR" dirty="0" err="1"/>
-              <a:t>self.empregado_id</a:t>
-            </a:r>
-            <a:r>
-              <a:rPr lang="pt-BR" dirty="0"/>
-              <a:t>} está trabalhando')</a:t>
-            </a:r>
-          </a:p>
-          <a:p>
-            <a:pPr marL="0" indent="0">
-              <a:buNone/>
-            </a:pPr>
-            <a:r>
-              <a:rPr lang="pt-BR" dirty="0"/>
-              <a:t> </a:t>
-            </a:r>
-          </a:p>
-          <a:p>
-            <a:pPr marL="0" indent="0">
-              <a:buNone/>
-            </a:pPr>
-            <a:r>
-              <a:rPr lang="pt-BR" dirty="0"/>
-              <a:t> </a:t>
-            </a:r>
-          </a:p>
-          <a:p>
-            <a:pPr marL="0" indent="0">
-              <a:buNone/>
-            </a:pPr>
+              <a:t> id {self.id} está trabalhando')</a:t>
+            </a:r>
+          </a:p>
+          <a:p>
+            <a:pPr marL="0" indent="0">
+              <a:buNone/>
+            </a:pPr>
+            <a:br>
+              <a:rPr lang="pt-BR" dirty="0"/>
+            </a:br>
             <a:r>
               <a:rPr lang="pt-BR" dirty="0"/>
               <a:t>emp1 = Empregado(100)</a:t>
@@ -7392,7 +7381,7 @@
           <p:cNvPr id="2" name="Título 1">
             <a:extLst>
               <a:ext uri="{FF2B5EF4-FFF2-40B4-BE49-F238E27FC236}">
-                <a16:creationId xmlns:a16="http://schemas.microsoft.com/office/drawing/2014/main" id="{338FBE2D-C473-4DD9-B474-CFC916EB714A}"/>
+                <a16:creationId xmlns:a16="http://schemas.microsoft.com/office/drawing/2014/main" id="{3C49F1E3-C7F4-A882-CEA4-E18B69D4E5A9}"/>
               </a:ext>
             </a:extLst>
           </p:cNvPr>
@@ -7417,7 +7406,7 @@
           <p:cNvPr id="3" name="Espaço Reservado para Conteúdo 2">
             <a:extLst>
               <a:ext uri="{FF2B5EF4-FFF2-40B4-BE49-F238E27FC236}">
-                <a16:creationId xmlns:a16="http://schemas.microsoft.com/office/drawing/2014/main" id="{86E5EABB-1F6E-74F0-9FF2-F3689AAA00A2}"/>
+                <a16:creationId xmlns:a16="http://schemas.microsoft.com/office/drawing/2014/main" id="{73C159C1-FE78-14FF-3F5D-65146DAEB212}"/>
               </a:ext>
             </a:extLst>
           </p:cNvPr>
@@ -7442,7 +7431,7 @@
           <p:cNvPr id="5" name="Imagem 4">
             <a:extLst>
               <a:ext uri="{FF2B5EF4-FFF2-40B4-BE49-F238E27FC236}">
-                <a16:creationId xmlns:a16="http://schemas.microsoft.com/office/drawing/2014/main" id="{DB355670-D6C6-B438-6487-809734AD67DF}"/>
+                <a16:creationId xmlns:a16="http://schemas.microsoft.com/office/drawing/2014/main" id="{6E7F4DCD-EC06-EA35-41EE-9DE3E3023E4B}"/>
               </a:ext>
             </a:extLst>
           </p:cNvPr>
@@ -7453,13 +7442,13 @@
         </p:nvPicPr>
         <p:blipFill rotWithShape="1">
           <a:blip r:embed="rId2"/>
-          <a:srcRect l="21848" t="38835" r="39347" b="26365"/>
+          <a:srcRect l="21087" t="18148" r="38261" b="58265"/>
           <a:stretch/>
         </p:blipFill>
         <p:spPr>
           <a:xfrm>
-            <a:off x="278295" y="251791"/>
-            <a:ext cx="11751595" cy="5925172"/>
+            <a:off x="516835" y="245441"/>
+            <a:ext cx="11150854" cy="5931522"/>
           </a:xfrm>
           <a:prstGeom prst="rect">
             <a:avLst/>
@@ -7469,7 +7458,7 @@
     </p:spTree>
     <p:extLst>
       <p:ext uri="{BB962C8B-B14F-4D97-AF65-F5344CB8AC3E}">
-        <p14:creationId xmlns:p14="http://schemas.microsoft.com/office/powerpoint/2010/main" val="1975164075"/>
+        <p14:creationId xmlns:p14="http://schemas.microsoft.com/office/powerpoint/2010/main" val="575383825"/>
       </p:ext>
     </p:extLst>
   </p:cSld>
@@ -7480,6 +7469,569 @@
 </file>
 
 <file path=ppt/slides/slide28.xml><?xml version="1.0" encoding="utf-8"?>
+<p:sld xmlns:a="http://schemas.openxmlformats.org/drawingml/2006/main" xmlns:r="http://schemas.openxmlformats.org/officeDocument/2006/relationships" xmlns:p="http://schemas.openxmlformats.org/presentationml/2006/main">
+  <p:cSld>
+    <p:spTree>
+      <p:nvGrpSpPr>
+        <p:cNvPr id="1" name=""/>
+        <p:cNvGrpSpPr/>
+        <p:nvPr/>
+      </p:nvGrpSpPr>
+      <p:grpSpPr>
+        <a:xfrm>
+          <a:off x="0" y="0"/>
+          <a:ext cx="0" cy="0"/>
+          <a:chOff x="0" y="0"/>
+          <a:chExt cx="0" cy="0"/>
+        </a:xfrm>
+      </p:grpSpPr>
+      <p:sp>
+        <p:nvSpPr>
+          <p:cNvPr id="2" name="Título 1">
+            <a:extLst>
+              <a:ext uri="{FF2B5EF4-FFF2-40B4-BE49-F238E27FC236}">
+                <a16:creationId xmlns:a16="http://schemas.microsoft.com/office/drawing/2014/main" id="{82EA6174-6F26-89CC-DD2A-3E7448F3E91F}"/>
+              </a:ext>
+            </a:extLst>
+          </p:cNvPr>
+          <p:cNvSpPr>
+            <a:spLocks noGrp="1"/>
+          </p:cNvSpPr>
+          <p:nvPr>
+            <p:ph type="title"/>
+          </p:nvPr>
+        </p:nvSpPr>
+        <p:spPr/>
+        <p:txBody>
+          <a:bodyPr/>
+          <a:lstStyle/>
+          <a:p>
+            <a:r>
+              <a:rPr lang="pt-BR" dirty="0"/>
+              <a:t>Contando a quantidade de funcionários na classe:</a:t>
+            </a:r>
+          </a:p>
+        </p:txBody>
+      </p:sp>
+      <p:sp>
+        <p:nvSpPr>
+          <p:cNvPr id="3" name="Espaço Reservado para Conteúdo 2">
+            <a:extLst>
+              <a:ext uri="{FF2B5EF4-FFF2-40B4-BE49-F238E27FC236}">
+                <a16:creationId xmlns:a16="http://schemas.microsoft.com/office/drawing/2014/main" id="{0C5EB7C0-49D0-0289-0450-EB7138399ABD}"/>
+              </a:ext>
+            </a:extLst>
+          </p:cNvPr>
+          <p:cNvSpPr>
+            <a:spLocks noGrp="1"/>
+          </p:cNvSpPr>
+          <p:nvPr>
+            <p:ph idx="1"/>
+          </p:nvPr>
+        </p:nvSpPr>
+        <p:spPr/>
+        <p:txBody>
+          <a:bodyPr>
+            <a:normAutofit fontScale="77500" lnSpcReduction="20000"/>
+          </a:bodyPr>
+          <a:lstStyle/>
+          <a:p>
+            <a:pPr marL="0" indent="0">
+              <a:buNone/>
+            </a:pPr>
+            <a:r>
+              <a:rPr lang="pt-BR" b="1" dirty="0" err="1"/>
+              <a:t>class</a:t>
+            </a:r>
+            <a:r>
+              <a:rPr lang="pt-BR" b="1" dirty="0"/>
+              <a:t> Empregado:</a:t>
+            </a:r>
+          </a:p>
+          <a:p>
+            <a:pPr marL="0" indent="0">
+              <a:buNone/>
+            </a:pPr>
+            <a:r>
+              <a:rPr lang="pt-BR" b="1" dirty="0"/>
+              <a:t>  </a:t>
+            </a:r>
+            <a:r>
+              <a:rPr lang="pt-BR" b="1" dirty="0" err="1"/>
+              <a:t>cont</a:t>
+            </a:r>
+            <a:r>
+              <a:rPr lang="pt-BR" b="1" dirty="0"/>
+              <a:t>=0</a:t>
+            </a:r>
+          </a:p>
+          <a:p>
+            <a:pPr marL="0" indent="0">
+              <a:buNone/>
+            </a:pPr>
+            <a:r>
+              <a:rPr lang="pt-BR" b="1" dirty="0"/>
+              <a:t>  </a:t>
+            </a:r>
+            <a:r>
+              <a:rPr lang="pt-BR" b="1" dirty="0" err="1"/>
+              <a:t>def</a:t>
+            </a:r>
+            <a:r>
+              <a:rPr lang="pt-BR" b="1" dirty="0"/>
+              <a:t> __</a:t>
+            </a:r>
+            <a:r>
+              <a:rPr lang="pt-BR" b="1" dirty="0" err="1"/>
+              <a:t>init</a:t>
+            </a:r>
+            <a:r>
+              <a:rPr lang="pt-BR" b="1" dirty="0"/>
+              <a:t>__(self, id):</a:t>
+            </a:r>
+          </a:p>
+          <a:p>
+            <a:pPr marL="0" indent="0">
+              <a:buNone/>
+            </a:pPr>
+            <a:r>
+              <a:rPr lang="pt-BR" b="1" dirty="0"/>
+              <a:t>    self.id = id</a:t>
+            </a:r>
+          </a:p>
+          <a:p>
+            <a:pPr marL="0" indent="0">
+              <a:buNone/>
+            </a:pPr>
+            <a:r>
+              <a:rPr lang="pt-BR" b="1" dirty="0"/>
+              <a:t>    </a:t>
+            </a:r>
+            <a:r>
+              <a:rPr lang="pt-BR" b="1" dirty="0" err="1"/>
+              <a:t>Empregado.cont</a:t>
+            </a:r>
+            <a:r>
+              <a:rPr lang="pt-BR" b="1" dirty="0"/>
+              <a:t>=Empregado.cont+1</a:t>
+            </a:r>
+          </a:p>
+          <a:p>
+            <a:pPr marL="0" indent="0">
+              <a:buNone/>
+            </a:pPr>
+            <a:r>
+              <a:rPr lang="pt-BR" b="1" dirty="0"/>
+              <a:t>  </a:t>
+            </a:r>
+            <a:r>
+              <a:rPr lang="pt-BR" b="1" dirty="0" err="1"/>
+              <a:t>def</a:t>
+            </a:r>
+            <a:r>
+              <a:rPr lang="pt-BR" b="1" dirty="0"/>
+              <a:t> </a:t>
+            </a:r>
+            <a:r>
+              <a:rPr lang="pt-BR" b="1" dirty="0" err="1"/>
+              <a:t>work</a:t>
+            </a:r>
+            <a:r>
+              <a:rPr lang="pt-BR" b="1" dirty="0"/>
+              <a:t>(self):</a:t>
+            </a:r>
+          </a:p>
+          <a:p>
+            <a:pPr marL="0" indent="0">
+              <a:buNone/>
+            </a:pPr>
+            <a:r>
+              <a:rPr lang="pt-BR" b="1" dirty="0"/>
+              <a:t>    print(</a:t>
+            </a:r>
+            <a:r>
+              <a:rPr lang="pt-BR" b="1" dirty="0" err="1"/>
+              <a:t>f'Funcionário</a:t>
+            </a:r>
+            <a:r>
+              <a:rPr lang="pt-BR" b="1" dirty="0"/>
+              <a:t> id {self.id} está trabalhando')</a:t>
+            </a:r>
+          </a:p>
+          <a:p>
+            <a:pPr marL="0" indent="0">
+              <a:buNone/>
+            </a:pPr>
+            <a:r>
+              <a:rPr lang="pt-BR" b="1" dirty="0"/>
+              <a:t>   </a:t>
+            </a:r>
+          </a:p>
+          <a:p>
+            <a:pPr marL="0" indent="0">
+              <a:buNone/>
+            </a:pPr>
+            <a:r>
+              <a:rPr lang="pt-BR" b="1" dirty="0"/>
+              <a:t>emp1 = Empregado(100)</a:t>
+            </a:r>
+          </a:p>
+          <a:p>
+            <a:pPr marL="0" indent="0">
+              <a:buNone/>
+            </a:pPr>
+            <a:r>
+              <a:rPr lang="pt-BR" b="1" dirty="0"/>
+              <a:t>emp2 = Empregado(200)</a:t>
+            </a:r>
+          </a:p>
+          <a:p>
+            <a:pPr marL="0" indent="0">
+              <a:buNone/>
+            </a:pPr>
+            <a:r>
+              <a:rPr lang="pt-BR" b="1" dirty="0"/>
+              <a:t>emp1.work(), emp2.work()</a:t>
+            </a:r>
+          </a:p>
+          <a:p>
+            <a:pPr marL="0" indent="0">
+              <a:buNone/>
+            </a:pPr>
+            <a:r>
+              <a:rPr lang="pt-BR" b="1" dirty="0"/>
+              <a:t>print(</a:t>
+            </a:r>
+            <a:r>
+              <a:rPr lang="pt-BR" b="1" dirty="0" err="1"/>
+              <a:t>f'O</a:t>
+            </a:r>
+            <a:r>
+              <a:rPr lang="pt-BR" b="1" dirty="0"/>
+              <a:t> total de Funcionários trabalhando: {</a:t>
+            </a:r>
+            <a:r>
+              <a:rPr lang="pt-BR" b="1" dirty="0" err="1"/>
+              <a:t>Empregado.cont</a:t>
+            </a:r>
+            <a:r>
+              <a:rPr lang="pt-BR" b="1" dirty="0"/>
+              <a:t>}')</a:t>
+            </a:r>
+          </a:p>
+          <a:p>
+            <a:endParaRPr lang="pt-BR" dirty="0"/>
+          </a:p>
+        </p:txBody>
+      </p:sp>
+    </p:spTree>
+    <p:extLst>
+      <p:ext uri="{BB962C8B-B14F-4D97-AF65-F5344CB8AC3E}">
+        <p14:creationId xmlns:p14="http://schemas.microsoft.com/office/powerpoint/2010/main" val="3143099299"/>
+      </p:ext>
+    </p:extLst>
+  </p:cSld>
+  <p:clrMapOvr>
+    <a:masterClrMapping/>
+  </p:clrMapOvr>
+</p:sld>
+</file>
+
+<file path=ppt/slides/slide29.xml><?xml version="1.0" encoding="utf-8"?>
+<p:sld xmlns:a="http://schemas.openxmlformats.org/drawingml/2006/main" xmlns:r="http://schemas.openxmlformats.org/officeDocument/2006/relationships" xmlns:p="http://schemas.openxmlformats.org/presentationml/2006/main">
+  <p:cSld>
+    <p:spTree>
+      <p:nvGrpSpPr>
+        <p:cNvPr id="1" name=""/>
+        <p:cNvGrpSpPr/>
+        <p:nvPr/>
+      </p:nvGrpSpPr>
+      <p:grpSpPr>
+        <a:xfrm>
+          <a:off x="0" y="0"/>
+          <a:ext cx="0" cy="0"/>
+          <a:chOff x="0" y="0"/>
+          <a:chExt cx="0" cy="0"/>
+        </a:xfrm>
+      </p:grpSpPr>
+      <p:sp>
+        <p:nvSpPr>
+          <p:cNvPr id="2" name="Título 1">
+            <a:extLst>
+              <a:ext uri="{FF2B5EF4-FFF2-40B4-BE49-F238E27FC236}">
+                <a16:creationId xmlns:a16="http://schemas.microsoft.com/office/drawing/2014/main" id="{BE1D97A4-B750-0063-F51B-1F7359C847B6}"/>
+              </a:ext>
+            </a:extLst>
+          </p:cNvPr>
+          <p:cNvSpPr>
+            <a:spLocks noGrp="1"/>
+          </p:cNvSpPr>
+          <p:nvPr>
+            <p:ph type="title"/>
+          </p:nvPr>
+        </p:nvSpPr>
+        <p:spPr/>
+        <p:txBody>
+          <a:bodyPr/>
+          <a:lstStyle/>
+          <a:p>
+            <a:endParaRPr lang="pt-BR"/>
+          </a:p>
+        </p:txBody>
+      </p:sp>
+      <p:sp>
+        <p:nvSpPr>
+          <p:cNvPr id="3" name="Espaço Reservado para Conteúdo 2">
+            <a:extLst>
+              <a:ext uri="{FF2B5EF4-FFF2-40B4-BE49-F238E27FC236}">
+                <a16:creationId xmlns:a16="http://schemas.microsoft.com/office/drawing/2014/main" id="{8DAA1731-35A3-0288-C2FD-09B485E2CA5A}"/>
+              </a:ext>
+            </a:extLst>
+          </p:cNvPr>
+          <p:cNvSpPr>
+            <a:spLocks noGrp="1"/>
+          </p:cNvSpPr>
+          <p:nvPr>
+            <p:ph idx="1"/>
+          </p:nvPr>
+        </p:nvSpPr>
+        <p:spPr/>
+        <p:txBody>
+          <a:bodyPr/>
+          <a:lstStyle/>
+          <a:p>
+            <a:endParaRPr lang="pt-BR"/>
+          </a:p>
+        </p:txBody>
+      </p:sp>
+      <p:pic>
+        <p:nvPicPr>
+          <p:cNvPr id="5" name="Imagem 4">
+            <a:extLst>
+              <a:ext uri="{FF2B5EF4-FFF2-40B4-BE49-F238E27FC236}">
+                <a16:creationId xmlns:a16="http://schemas.microsoft.com/office/drawing/2014/main" id="{2497D156-EF15-1E89-5B51-B60A1E86AFBA}"/>
+              </a:ext>
+            </a:extLst>
+          </p:cNvPr>
+          <p:cNvPicPr>
+            <a:picLocks noChangeAspect="1"/>
+          </p:cNvPicPr>
+          <p:nvPr/>
+        </p:nvPicPr>
+        <p:blipFill rotWithShape="1">
+          <a:blip r:embed="rId2"/>
+          <a:srcRect l="21848" t="41348" r="41522" b="31199"/>
+          <a:stretch/>
+        </p:blipFill>
+        <p:spPr>
+          <a:xfrm>
+            <a:off x="371060" y="225287"/>
+            <a:ext cx="11227857" cy="4731026"/>
+          </a:xfrm>
+          <a:prstGeom prst="rect">
+            <a:avLst/>
+          </a:prstGeom>
+        </p:spPr>
+      </p:pic>
+    </p:spTree>
+    <p:extLst>
+      <p:ext uri="{BB962C8B-B14F-4D97-AF65-F5344CB8AC3E}">
+        <p14:creationId xmlns:p14="http://schemas.microsoft.com/office/powerpoint/2010/main" val="873578909"/>
+      </p:ext>
+    </p:extLst>
+  </p:cSld>
+  <p:clrMapOvr>
+    <a:masterClrMapping/>
+  </p:clrMapOvr>
+</p:sld>
+</file>
+
+<file path=ppt/slides/slide3.xml><?xml version="1.0" encoding="utf-8"?>
+<p:sld xmlns:a="http://schemas.openxmlformats.org/drawingml/2006/main" xmlns:r="http://schemas.openxmlformats.org/officeDocument/2006/relationships" xmlns:p="http://schemas.openxmlformats.org/presentationml/2006/main">
+  <p:cSld>
+    <p:spTree>
+      <p:nvGrpSpPr>
+        <p:cNvPr id="1" name=""/>
+        <p:cNvGrpSpPr/>
+        <p:nvPr/>
+      </p:nvGrpSpPr>
+      <p:grpSpPr>
+        <a:xfrm>
+          <a:off x="0" y="0"/>
+          <a:ext cx="0" cy="0"/>
+          <a:chOff x="0" y="0"/>
+          <a:chExt cx="0" cy="0"/>
+        </a:xfrm>
+      </p:grpSpPr>
+      <p:sp>
+        <p:nvSpPr>
+          <p:cNvPr id="2" name="Título 1">
+            <a:extLst>
+              <a:ext uri="{FF2B5EF4-FFF2-40B4-BE49-F238E27FC236}">
+                <a16:creationId xmlns:a16="http://schemas.microsoft.com/office/drawing/2014/main" id="{D1B8F458-1141-F205-A31C-38620734DC4F}"/>
+              </a:ext>
+            </a:extLst>
+          </p:cNvPr>
+          <p:cNvSpPr>
+            <a:spLocks noGrp="1"/>
+          </p:cNvSpPr>
+          <p:nvPr>
+            <p:ph type="title"/>
+          </p:nvPr>
+        </p:nvSpPr>
+        <p:spPr/>
+        <p:txBody>
+          <a:bodyPr/>
+          <a:lstStyle/>
+          <a:p>
+            <a:r>
+              <a:rPr lang="pt-BR" b="0" i="0" dirty="0">
+                <a:solidFill>
+                  <a:srgbClr val="000000"/>
+                </a:solidFill>
+                <a:effectLst/>
+                <a:latin typeface="Segoe UI" panose="020B0502040204020203" pitchFamily="34" charset="0"/>
+              </a:rPr>
+              <a:t>A função __</a:t>
+            </a:r>
+            <a:r>
+              <a:rPr lang="pt-BR" b="0" i="0" dirty="0" err="1">
+                <a:solidFill>
+                  <a:srgbClr val="000000"/>
+                </a:solidFill>
+                <a:effectLst/>
+                <a:latin typeface="Segoe UI" panose="020B0502040204020203" pitchFamily="34" charset="0"/>
+              </a:rPr>
+              <a:t>init</a:t>
+            </a:r>
+            <a:r>
+              <a:rPr lang="pt-BR" b="0" i="0" dirty="0">
+                <a:solidFill>
+                  <a:srgbClr val="000000"/>
+                </a:solidFill>
+                <a:effectLst/>
+                <a:latin typeface="Segoe UI" panose="020B0502040204020203" pitchFamily="34" charset="0"/>
+              </a:rPr>
+              <a:t>__()</a:t>
+            </a:r>
+            <a:br>
+              <a:rPr lang="pt-BR" b="0" i="0" dirty="0">
+                <a:solidFill>
+                  <a:srgbClr val="000000"/>
+                </a:solidFill>
+                <a:effectLst/>
+                <a:latin typeface="Segoe UI" panose="020B0502040204020203" pitchFamily="34" charset="0"/>
+              </a:rPr>
+            </a:br>
+            <a:endParaRPr lang="pt-BR" dirty="0"/>
+          </a:p>
+        </p:txBody>
+      </p:sp>
+      <p:sp>
+        <p:nvSpPr>
+          <p:cNvPr id="3" name="Espaço Reservado para Conteúdo 2">
+            <a:extLst>
+              <a:ext uri="{FF2B5EF4-FFF2-40B4-BE49-F238E27FC236}">
+                <a16:creationId xmlns:a16="http://schemas.microsoft.com/office/drawing/2014/main" id="{6845DDFE-97E4-9CCC-6C1B-5BECCE4E5198}"/>
+              </a:ext>
+            </a:extLst>
+          </p:cNvPr>
+          <p:cNvSpPr>
+            <a:spLocks noGrp="1"/>
+          </p:cNvSpPr>
+          <p:nvPr>
+            <p:ph idx="1"/>
+          </p:nvPr>
+        </p:nvSpPr>
+        <p:spPr/>
+        <p:txBody>
+          <a:bodyPr/>
+          <a:lstStyle/>
+          <a:p>
+            <a:pPr algn="l"/>
+            <a:r>
+              <a:rPr lang="pt-BR" b="0" i="0" dirty="0">
+                <a:solidFill>
+                  <a:srgbClr val="000000"/>
+                </a:solidFill>
+                <a:effectLst/>
+                <a:latin typeface="Verdana" panose="020B0604030504040204" pitchFamily="34" charset="0"/>
+              </a:rPr>
+              <a:t>Todas as classes têm uma função chamada __</a:t>
+            </a:r>
+            <a:r>
+              <a:rPr lang="pt-BR" b="0" i="0" dirty="0" err="1">
+                <a:solidFill>
+                  <a:srgbClr val="000000"/>
+                </a:solidFill>
+                <a:effectLst/>
+                <a:latin typeface="Verdana" panose="020B0604030504040204" pitchFamily="34" charset="0"/>
+              </a:rPr>
+              <a:t>init</a:t>
+            </a:r>
+            <a:r>
+              <a:rPr lang="pt-BR" b="0" i="0" dirty="0">
+                <a:solidFill>
+                  <a:srgbClr val="000000"/>
+                </a:solidFill>
+                <a:effectLst/>
+                <a:latin typeface="Verdana" panose="020B0604030504040204" pitchFamily="34" charset="0"/>
+              </a:rPr>
+              <a:t>__(), que é sempre executada quando a classe está sendo iniciada.</a:t>
+            </a:r>
+          </a:p>
+          <a:p>
+            <a:pPr algn="l"/>
+            <a:r>
+              <a:rPr lang="pt-BR" b="0" i="0" dirty="0">
+                <a:solidFill>
+                  <a:srgbClr val="000000"/>
+                </a:solidFill>
+                <a:effectLst/>
+                <a:latin typeface="Verdana" panose="020B0604030504040204" pitchFamily="34" charset="0"/>
+              </a:rPr>
+              <a:t>Use a função __</a:t>
+            </a:r>
+            <a:r>
+              <a:rPr lang="pt-BR" b="0" i="0" dirty="0" err="1">
+                <a:solidFill>
+                  <a:srgbClr val="000000"/>
+                </a:solidFill>
+                <a:effectLst/>
+                <a:latin typeface="Verdana" panose="020B0604030504040204" pitchFamily="34" charset="0"/>
+              </a:rPr>
+              <a:t>init</a:t>
+            </a:r>
+            <a:r>
+              <a:rPr lang="pt-BR" b="0" i="0" dirty="0">
+                <a:solidFill>
+                  <a:srgbClr val="000000"/>
+                </a:solidFill>
+                <a:effectLst/>
+                <a:latin typeface="Verdana" panose="020B0604030504040204" pitchFamily="34" charset="0"/>
+              </a:rPr>
+              <a:t>__() para atribuir valores a propriedades de objeto ou outras operações que são necessárias para fazer quando o objeto está sendo criado:</a:t>
+            </a:r>
+          </a:p>
+          <a:p>
+            <a:endParaRPr lang="pt-BR" dirty="0"/>
+          </a:p>
+        </p:txBody>
+      </p:sp>
+    </p:spTree>
+    <p:extLst>
+      <p:ext uri="{BB962C8B-B14F-4D97-AF65-F5344CB8AC3E}">
+        <p14:creationId xmlns:p14="http://schemas.microsoft.com/office/powerpoint/2010/main" val="621993887"/>
+      </p:ext>
+    </p:extLst>
+  </p:cSld>
+  <p:clrMapOvr>
+    <a:masterClrMapping/>
+  </p:clrMapOvr>
+</p:sld>
+</file>
+
+<file path=ppt/slides/slide30.xml><?xml version="1.0" encoding="utf-8"?>
 <p:sld xmlns:a="http://schemas.openxmlformats.org/drawingml/2006/main" xmlns:r="http://schemas.openxmlformats.org/officeDocument/2006/relationships" xmlns:p="http://schemas.openxmlformats.org/presentationml/2006/main">
   <p:cSld>
     <p:spTree>
@@ -7749,15 +8301,7 @@
             </a:r>
             <a:r>
               <a:rPr lang="pt-BR" dirty="0"/>
-              <a:t> </a:t>
-            </a:r>
-            <a:r>
-              <a:rPr lang="pt-BR" dirty="0" err="1"/>
-              <a:t>salary</a:t>
-            </a:r>
-            <a:r>
-              <a:rPr lang="pt-BR" dirty="0"/>
-              <a:t>(self):        </a:t>
+              <a:t> salario(self):        </a:t>
             </a:r>
           </a:p>
           <a:p>
@@ -7816,7 +8360,7 @@
 </p:sld>
 </file>
 
-<file path=ppt/slides/slide29.xml><?xml version="1.0" encoding="utf-8"?>
+<file path=ppt/slides/slide31.xml><?xml version="1.0" encoding="utf-8"?>
 <p:sld xmlns:a="http://schemas.openxmlformats.org/drawingml/2006/main" xmlns:r="http://schemas.openxmlformats.org/officeDocument/2006/relationships" xmlns:p="http://schemas.openxmlformats.org/presentationml/2006/main">
   <p:cSld>
     <p:spTree>
@@ -7955,7 +8499,7 @@
 </p:sld>
 </file>
 
-<file path=ppt/slides/slide3.xml><?xml version="1.0" encoding="utf-8"?>
+<file path=ppt/slides/slide32.xml><?xml version="1.0" encoding="utf-8"?>
 <p:sld xmlns:a="http://schemas.openxmlformats.org/drawingml/2006/main" xmlns:r="http://schemas.openxmlformats.org/officeDocument/2006/relationships" xmlns:p="http://schemas.openxmlformats.org/presentationml/2006/main">
   <p:cSld>
     <p:spTree>
@@ -7977,191 +8521,6 @@
           <p:cNvPr id="2" name="Título 1">
             <a:extLst>
               <a:ext uri="{FF2B5EF4-FFF2-40B4-BE49-F238E27FC236}">
-                <a16:creationId xmlns:a16="http://schemas.microsoft.com/office/drawing/2014/main" id="{D1B8F458-1141-F205-A31C-38620734DC4F}"/>
-              </a:ext>
-            </a:extLst>
-          </p:cNvPr>
-          <p:cNvSpPr>
-            <a:spLocks noGrp="1"/>
-          </p:cNvSpPr>
-          <p:nvPr>
-            <p:ph type="title"/>
-          </p:nvPr>
-        </p:nvSpPr>
-        <p:spPr/>
-        <p:txBody>
-          <a:bodyPr/>
-          <a:lstStyle/>
-          <a:p>
-            <a:r>
-              <a:rPr lang="pt-BR" b="0" i="0" dirty="0">
-                <a:solidFill>
-                  <a:srgbClr val="000000"/>
-                </a:solidFill>
-                <a:effectLst/>
-                <a:latin typeface="Segoe UI" panose="020B0502040204020203" pitchFamily="34" charset="0"/>
-              </a:rPr>
-              <a:t>A função __</a:t>
-            </a:r>
-            <a:r>
-              <a:rPr lang="pt-BR" b="0" i="0" dirty="0" err="1">
-                <a:solidFill>
-                  <a:srgbClr val="000000"/>
-                </a:solidFill>
-                <a:effectLst/>
-                <a:latin typeface="Segoe UI" panose="020B0502040204020203" pitchFamily="34" charset="0"/>
-              </a:rPr>
-              <a:t>init</a:t>
-            </a:r>
-            <a:r>
-              <a:rPr lang="pt-BR" b="0" i="0" dirty="0">
-                <a:solidFill>
-                  <a:srgbClr val="000000"/>
-                </a:solidFill>
-                <a:effectLst/>
-                <a:latin typeface="Segoe UI" panose="020B0502040204020203" pitchFamily="34" charset="0"/>
-              </a:rPr>
-              <a:t>__()</a:t>
-            </a:r>
-            <a:br>
-              <a:rPr lang="pt-BR" b="0" i="0" dirty="0">
-                <a:solidFill>
-                  <a:srgbClr val="000000"/>
-                </a:solidFill>
-                <a:effectLst/>
-                <a:latin typeface="Segoe UI" panose="020B0502040204020203" pitchFamily="34" charset="0"/>
-              </a:rPr>
-            </a:br>
-            <a:endParaRPr lang="pt-BR" dirty="0"/>
-          </a:p>
-        </p:txBody>
-      </p:sp>
-      <p:sp>
-        <p:nvSpPr>
-          <p:cNvPr id="3" name="Espaço Reservado para Conteúdo 2">
-            <a:extLst>
-              <a:ext uri="{FF2B5EF4-FFF2-40B4-BE49-F238E27FC236}">
-                <a16:creationId xmlns:a16="http://schemas.microsoft.com/office/drawing/2014/main" id="{6845DDFE-97E4-9CCC-6C1B-5BECCE4E5198}"/>
-              </a:ext>
-            </a:extLst>
-          </p:cNvPr>
-          <p:cNvSpPr>
-            <a:spLocks noGrp="1"/>
-          </p:cNvSpPr>
-          <p:nvPr>
-            <p:ph idx="1"/>
-          </p:nvPr>
-        </p:nvSpPr>
-        <p:spPr/>
-        <p:txBody>
-          <a:bodyPr/>
-          <a:lstStyle/>
-          <a:p>
-            <a:pPr algn="l"/>
-            <a:r>
-              <a:rPr lang="pt-BR" b="0" i="0" dirty="0">
-                <a:solidFill>
-                  <a:srgbClr val="000000"/>
-                </a:solidFill>
-                <a:effectLst/>
-                <a:latin typeface="Verdana" panose="020B0604030504040204" pitchFamily="34" charset="0"/>
-              </a:rPr>
-              <a:t>Todas as classes têm uma função chamada __</a:t>
-            </a:r>
-            <a:r>
-              <a:rPr lang="pt-BR" b="0" i="0" dirty="0" err="1">
-                <a:solidFill>
-                  <a:srgbClr val="000000"/>
-                </a:solidFill>
-                <a:effectLst/>
-                <a:latin typeface="Verdana" panose="020B0604030504040204" pitchFamily="34" charset="0"/>
-              </a:rPr>
-              <a:t>init</a:t>
-            </a:r>
-            <a:r>
-              <a:rPr lang="pt-BR" b="0" i="0" dirty="0">
-                <a:solidFill>
-                  <a:srgbClr val="000000"/>
-                </a:solidFill>
-                <a:effectLst/>
-                <a:latin typeface="Verdana" panose="020B0604030504040204" pitchFamily="34" charset="0"/>
-              </a:rPr>
-              <a:t>__(), que é sempre executada quando a classe está sendo iniciada.</a:t>
-            </a:r>
-          </a:p>
-          <a:p>
-            <a:pPr algn="l"/>
-            <a:r>
-              <a:rPr lang="pt-BR" b="0" i="0" dirty="0">
-                <a:solidFill>
-                  <a:srgbClr val="000000"/>
-                </a:solidFill>
-                <a:effectLst/>
-                <a:latin typeface="Verdana" panose="020B0604030504040204" pitchFamily="34" charset="0"/>
-              </a:rPr>
-              <a:t>Use a função __</a:t>
-            </a:r>
-            <a:r>
-              <a:rPr lang="pt-BR" b="0" i="0" dirty="0" err="1">
-                <a:solidFill>
-                  <a:srgbClr val="000000"/>
-                </a:solidFill>
-                <a:effectLst/>
-                <a:latin typeface="Verdana" panose="020B0604030504040204" pitchFamily="34" charset="0"/>
-              </a:rPr>
-              <a:t>init</a:t>
-            </a:r>
-            <a:r>
-              <a:rPr lang="pt-BR" b="0" i="0" dirty="0">
-                <a:solidFill>
-                  <a:srgbClr val="000000"/>
-                </a:solidFill>
-                <a:effectLst/>
-                <a:latin typeface="Verdana" panose="020B0604030504040204" pitchFamily="34" charset="0"/>
-              </a:rPr>
-              <a:t>__() para atribuir valores a propriedades de objeto ou outras operações que são necessárias para fazer quando o objeto está sendo criado:</a:t>
-            </a:r>
-          </a:p>
-          <a:p>
-            <a:endParaRPr lang="pt-BR" dirty="0"/>
-          </a:p>
-        </p:txBody>
-      </p:sp>
-    </p:spTree>
-    <p:extLst>
-      <p:ext uri="{BB962C8B-B14F-4D97-AF65-F5344CB8AC3E}">
-        <p14:creationId xmlns:p14="http://schemas.microsoft.com/office/powerpoint/2010/main" val="621993887"/>
-      </p:ext>
-    </p:extLst>
-  </p:cSld>
-  <p:clrMapOvr>
-    <a:masterClrMapping/>
-  </p:clrMapOvr>
-</p:sld>
-</file>
-
-<file path=ppt/slides/slide30.xml><?xml version="1.0" encoding="utf-8"?>
-<p:sld xmlns:a="http://schemas.openxmlformats.org/drawingml/2006/main" xmlns:r="http://schemas.openxmlformats.org/officeDocument/2006/relationships" xmlns:p="http://schemas.openxmlformats.org/presentationml/2006/main">
-  <p:cSld>
-    <p:spTree>
-      <p:nvGrpSpPr>
-        <p:cNvPr id="1" name=""/>
-        <p:cNvGrpSpPr/>
-        <p:nvPr/>
-      </p:nvGrpSpPr>
-      <p:grpSpPr>
-        <a:xfrm>
-          <a:off x="0" y="0"/>
-          <a:ext cx="0" cy="0"/>
-          <a:chOff x="0" y="0"/>
-          <a:chExt cx="0" cy="0"/>
-        </a:xfrm>
-      </p:grpSpPr>
-      <p:sp>
-        <p:nvSpPr>
-          <p:cNvPr id="2" name="Título 1">
-            <a:extLst>
-              <a:ext uri="{FF2B5EF4-FFF2-40B4-BE49-F238E27FC236}">
                 <a16:creationId xmlns:a16="http://schemas.microsoft.com/office/drawing/2014/main" id="{D1E35482-79A3-DB04-2A41-26D2D9E58E17}"/>
               </a:ext>
             </a:extLst>
@@ -8209,10 +8568,10 @@
       </p:sp>
       <p:pic>
         <p:nvPicPr>
-          <p:cNvPr id="5" name="Imagem 4">
-            <a:extLst>
-              <a:ext uri="{FF2B5EF4-FFF2-40B4-BE49-F238E27FC236}">
-                <a16:creationId xmlns:a16="http://schemas.microsoft.com/office/drawing/2014/main" id="{35BFBD75-8B20-CFF4-914A-22E76FE350B6}"/>
+          <p:cNvPr id="8" name="Imagem 7">
+            <a:extLst>
+              <a:ext uri="{FF2B5EF4-FFF2-40B4-BE49-F238E27FC236}">
+                <a16:creationId xmlns:a16="http://schemas.microsoft.com/office/drawing/2014/main" id="{51043ED9-8232-673D-C875-A2B8B4754493}"/>
               </a:ext>
             </a:extLst>
           </p:cNvPr>
@@ -8223,13 +8582,13 @@
         </p:nvPicPr>
         <p:blipFill rotWithShape="1">
           <a:blip r:embed="rId2"/>
-          <a:srcRect l="21630" t="24641" r="44239" b="38545"/>
+          <a:srcRect l="21413" t="28782" r="48261" b="35451"/>
           <a:stretch/>
         </p:blipFill>
         <p:spPr>
           <a:xfrm>
-            <a:off x="490329" y="98820"/>
-            <a:ext cx="10982740" cy="6660360"/>
+            <a:off x="622852" y="365124"/>
+            <a:ext cx="9289774" cy="6159885"/>
           </a:xfrm>
           <a:prstGeom prst="rect">
             <a:avLst/>
@@ -8249,7 +8608,7 @@
 </p:sld>
 </file>
 
-<file path=ppt/slides/slide31.xml><?xml version="1.0" encoding="utf-8"?>
+<file path=ppt/slides/slide33.xml><?xml version="1.0" encoding="utf-8"?>
 <p:sld xmlns:a="http://schemas.openxmlformats.org/drawingml/2006/main" xmlns:r="http://schemas.openxmlformats.org/officeDocument/2006/relationships" xmlns:p="http://schemas.openxmlformats.org/presentationml/2006/main">
   <p:cSld>
     <p:spTree>
@@ -8556,244 +8915,6 @@
 </p:sld>
 </file>
 
-<file path=ppt/slides/slide32.xml><?xml version="1.0" encoding="utf-8"?>
-<p:sld xmlns:a="http://schemas.openxmlformats.org/drawingml/2006/main" xmlns:r="http://schemas.openxmlformats.org/officeDocument/2006/relationships" xmlns:p="http://schemas.openxmlformats.org/presentationml/2006/main">
-  <p:cSld>
-    <p:spTree>
-      <p:nvGrpSpPr>
-        <p:cNvPr id="1" name=""/>
-        <p:cNvGrpSpPr/>
-        <p:nvPr/>
-      </p:nvGrpSpPr>
-      <p:grpSpPr>
-        <a:xfrm>
-          <a:off x="0" y="0"/>
-          <a:ext cx="0" cy="0"/>
-          <a:chOff x="0" y="0"/>
-          <a:chExt cx="0" cy="0"/>
-        </a:xfrm>
-      </p:grpSpPr>
-      <p:sp>
-        <p:nvSpPr>
-          <p:cNvPr id="2" name="Título 1">
-            <a:extLst>
-              <a:ext uri="{FF2B5EF4-FFF2-40B4-BE49-F238E27FC236}">
-                <a16:creationId xmlns:a16="http://schemas.microsoft.com/office/drawing/2014/main" id="{DE28998E-F160-970C-EB4D-4EB873AD8F11}"/>
-              </a:ext>
-            </a:extLst>
-          </p:cNvPr>
-          <p:cNvSpPr>
-            <a:spLocks noGrp="1"/>
-          </p:cNvSpPr>
-          <p:nvPr>
-            <p:ph type="title"/>
-          </p:nvPr>
-        </p:nvSpPr>
-        <p:spPr/>
-        <p:txBody>
-          <a:bodyPr/>
-          <a:lstStyle/>
-          <a:p>
-            <a:r>
-              <a:rPr lang="pt-BR" dirty="0"/>
-              <a:t>Instanciando.</a:t>
-            </a:r>
-          </a:p>
-        </p:txBody>
-      </p:sp>
-      <p:sp>
-        <p:nvSpPr>
-          <p:cNvPr id="3" name="Espaço Reservado para Conteúdo 2">
-            <a:extLst>
-              <a:ext uri="{FF2B5EF4-FFF2-40B4-BE49-F238E27FC236}">
-                <a16:creationId xmlns:a16="http://schemas.microsoft.com/office/drawing/2014/main" id="{9DE0AF99-33CD-D7E9-2C2B-08E369013535}"/>
-              </a:ext>
-            </a:extLst>
-          </p:cNvPr>
-          <p:cNvSpPr>
-            <a:spLocks noGrp="1"/>
-          </p:cNvSpPr>
-          <p:nvPr>
-            <p:ph idx="1"/>
-          </p:nvPr>
-        </p:nvSpPr>
-        <p:spPr/>
-        <p:txBody>
-          <a:bodyPr/>
-          <a:lstStyle/>
-          <a:p>
-            <a:pPr marL="0" indent="0">
-              <a:buNone/>
-            </a:pPr>
-            <a:r>
-              <a:rPr lang="pt-BR" dirty="0"/>
-              <a:t>emp1 = Empregado("Paulo", 2000)</a:t>
-            </a:r>
-          </a:p>
-          <a:p>
-            <a:pPr marL="0" indent="0">
-              <a:buNone/>
-            </a:pPr>
-            <a:r>
-              <a:rPr lang="pt-BR" dirty="0"/>
-              <a:t>emp2 = Empregado("Joana", 5000)</a:t>
-            </a:r>
-          </a:p>
-          <a:p>
-            <a:pPr marL="0" indent="0">
-              <a:buNone/>
-            </a:pPr>
-            <a:r>
-              <a:rPr lang="pt-BR" dirty="0"/>
-              <a:t>emp1.mostre_empregado()</a:t>
-            </a:r>
-          </a:p>
-          <a:p>
-            <a:pPr marL="0" indent="0">
-              <a:buNone/>
-            </a:pPr>
-            <a:r>
-              <a:rPr lang="pt-BR" dirty="0"/>
-              <a:t>emp2.mostre_empregado()</a:t>
-            </a:r>
-          </a:p>
-          <a:p>
-            <a:pPr marL="0" indent="0">
-              <a:buNone/>
-            </a:pPr>
-            <a:r>
-              <a:rPr lang="pt-BR" dirty="0"/>
-              <a:t>print ("Total Empregados %d" % </a:t>
-            </a:r>
-            <a:r>
-              <a:rPr lang="pt-BR" dirty="0" err="1"/>
-              <a:t>Empregado.empCount</a:t>
-            </a:r>
-            <a:r>
-              <a:rPr lang="pt-BR" dirty="0"/>
-              <a:t>)</a:t>
-            </a:r>
-          </a:p>
-          <a:p>
-            <a:endParaRPr lang="pt-BR" dirty="0"/>
-          </a:p>
-        </p:txBody>
-      </p:sp>
-    </p:spTree>
-    <p:extLst>
-      <p:ext uri="{BB962C8B-B14F-4D97-AF65-F5344CB8AC3E}">
-        <p14:creationId xmlns:p14="http://schemas.microsoft.com/office/powerpoint/2010/main" val="2209473446"/>
-      </p:ext>
-    </p:extLst>
-  </p:cSld>
-  <p:clrMapOvr>
-    <a:masterClrMapping/>
-  </p:clrMapOvr>
-</p:sld>
-</file>
-
-<file path=ppt/slides/slide33.xml><?xml version="1.0" encoding="utf-8"?>
-<p:sld xmlns:a="http://schemas.openxmlformats.org/drawingml/2006/main" xmlns:r="http://schemas.openxmlformats.org/officeDocument/2006/relationships" xmlns:p="http://schemas.openxmlformats.org/presentationml/2006/main">
-  <p:cSld>
-    <p:spTree>
-      <p:nvGrpSpPr>
-        <p:cNvPr id="1" name=""/>
-        <p:cNvGrpSpPr/>
-        <p:nvPr/>
-      </p:nvGrpSpPr>
-      <p:grpSpPr>
-        <a:xfrm>
-          <a:off x="0" y="0"/>
-          <a:ext cx="0" cy="0"/>
-          <a:chOff x="0" y="0"/>
-          <a:chExt cx="0" cy="0"/>
-        </a:xfrm>
-      </p:grpSpPr>
-      <p:sp>
-        <p:nvSpPr>
-          <p:cNvPr id="2" name="Título 1">
-            <a:extLst>
-              <a:ext uri="{FF2B5EF4-FFF2-40B4-BE49-F238E27FC236}">
-                <a16:creationId xmlns:a16="http://schemas.microsoft.com/office/drawing/2014/main" id="{C47DAD69-E647-0E68-3A87-783BCC32645E}"/>
-              </a:ext>
-            </a:extLst>
-          </p:cNvPr>
-          <p:cNvSpPr>
-            <a:spLocks noGrp="1"/>
-          </p:cNvSpPr>
-          <p:nvPr>
-            <p:ph type="title"/>
-          </p:nvPr>
-        </p:nvSpPr>
-        <p:spPr/>
-        <p:txBody>
-          <a:bodyPr/>
-          <a:lstStyle/>
-          <a:p>
-            <a:r>
-              <a:rPr lang="pt-BR" dirty="0"/>
-              <a:t>Usando módulo e classe em </a:t>
-            </a:r>
-            <a:r>
-              <a:rPr lang="pt-BR" dirty="0" err="1"/>
-              <a:t>python</a:t>
-            </a:r>
-            <a:r>
-              <a:rPr lang="pt-BR" dirty="0"/>
-              <a:t>:</a:t>
-            </a:r>
-          </a:p>
-        </p:txBody>
-      </p:sp>
-      <p:sp>
-        <p:nvSpPr>
-          <p:cNvPr id="3" name="Espaço Reservado para Conteúdo 2">
-            <a:extLst>
-              <a:ext uri="{FF2B5EF4-FFF2-40B4-BE49-F238E27FC236}">
-                <a16:creationId xmlns:a16="http://schemas.microsoft.com/office/drawing/2014/main" id="{4CAEEC81-B4B1-8FE2-AAFD-EC7FDFF7A1F0}"/>
-              </a:ext>
-            </a:extLst>
-          </p:cNvPr>
-          <p:cNvSpPr>
-            <a:spLocks noGrp="1"/>
-          </p:cNvSpPr>
-          <p:nvPr>
-            <p:ph idx="1"/>
-          </p:nvPr>
-        </p:nvSpPr>
-        <p:spPr/>
-        <p:txBody>
-          <a:bodyPr/>
-          <a:lstStyle/>
-          <a:p>
-            <a:r>
-              <a:rPr lang="pt-BR" dirty="0"/>
-              <a:t>Na aula anterior aprendemos a criar um módulo em </a:t>
-            </a:r>
-            <a:r>
-              <a:rPr lang="pt-BR" dirty="0" err="1"/>
-              <a:t>python</a:t>
-            </a:r>
-            <a:r>
-              <a:rPr lang="pt-BR" dirty="0"/>
-              <a:t>.</a:t>
-            </a:r>
-          </a:p>
-        </p:txBody>
-      </p:sp>
-    </p:spTree>
-    <p:extLst>
-      <p:ext uri="{BB962C8B-B14F-4D97-AF65-F5344CB8AC3E}">
-        <p14:creationId xmlns:p14="http://schemas.microsoft.com/office/powerpoint/2010/main" val="16453192"/>
-      </p:ext>
-    </p:extLst>
-  </p:cSld>
-  <p:clrMapOvr>
-    <a:masterClrMapping/>
-  </p:clrMapOvr>
-</p:sld>
-</file>
-
 <file path=ppt/slides/slide34.xml><?xml version="1.0" encoding="utf-8"?>
 <p:sld xmlns:a="http://schemas.openxmlformats.org/drawingml/2006/main" xmlns:r="http://schemas.openxmlformats.org/officeDocument/2006/relationships" xmlns:p="http://schemas.openxmlformats.org/presentationml/2006/main">
   <p:cSld>
@@ -8816,6 +8937,244 @@
           <p:cNvPr id="2" name="Título 1">
             <a:extLst>
               <a:ext uri="{FF2B5EF4-FFF2-40B4-BE49-F238E27FC236}">
+                <a16:creationId xmlns:a16="http://schemas.microsoft.com/office/drawing/2014/main" id="{DE28998E-F160-970C-EB4D-4EB873AD8F11}"/>
+              </a:ext>
+            </a:extLst>
+          </p:cNvPr>
+          <p:cNvSpPr>
+            <a:spLocks noGrp="1"/>
+          </p:cNvSpPr>
+          <p:nvPr>
+            <p:ph type="title"/>
+          </p:nvPr>
+        </p:nvSpPr>
+        <p:spPr/>
+        <p:txBody>
+          <a:bodyPr/>
+          <a:lstStyle/>
+          <a:p>
+            <a:r>
+              <a:rPr lang="pt-BR" dirty="0"/>
+              <a:t>Instanciando.</a:t>
+            </a:r>
+          </a:p>
+        </p:txBody>
+      </p:sp>
+      <p:sp>
+        <p:nvSpPr>
+          <p:cNvPr id="3" name="Espaço Reservado para Conteúdo 2">
+            <a:extLst>
+              <a:ext uri="{FF2B5EF4-FFF2-40B4-BE49-F238E27FC236}">
+                <a16:creationId xmlns:a16="http://schemas.microsoft.com/office/drawing/2014/main" id="{9DE0AF99-33CD-D7E9-2C2B-08E369013535}"/>
+              </a:ext>
+            </a:extLst>
+          </p:cNvPr>
+          <p:cNvSpPr>
+            <a:spLocks noGrp="1"/>
+          </p:cNvSpPr>
+          <p:nvPr>
+            <p:ph idx="1"/>
+          </p:nvPr>
+        </p:nvSpPr>
+        <p:spPr/>
+        <p:txBody>
+          <a:bodyPr/>
+          <a:lstStyle/>
+          <a:p>
+            <a:pPr marL="0" indent="0">
+              <a:buNone/>
+            </a:pPr>
+            <a:r>
+              <a:rPr lang="pt-BR" dirty="0"/>
+              <a:t>emp1 = Empregado("Paulo", 2000)</a:t>
+            </a:r>
+          </a:p>
+          <a:p>
+            <a:pPr marL="0" indent="0">
+              <a:buNone/>
+            </a:pPr>
+            <a:r>
+              <a:rPr lang="pt-BR" dirty="0"/>
+              <a:t>emp2 = Empregado("Joana", 5000)</a:t>
+            </a:r>
+          </a:p>
+          <a:p>
+            <a:pPr marL="0" indent="0">
+              <a:buNone/>
+            </a:pPr>
+            <a:r>
+              <a:rPr lang="pt-BR" dirty="0"/>
+              <a:t>emp1.mostre_empregado()</a:t>
+            </a:r>
+          </a:p>
+          <a:p>
+            <a:pPr marL="0" indent="0">
+              <a:buNone/>
+            </a:pPr>
+            <a:r>
+              <a:rPr lang="pt-BR" dirty="0"/>
+              <a:t>emp2.mostre_empregado()</a:t>
+            </a:r>
+          </a:p>
+          <a:p>
+            <a:pPr marL="0" indent="0">
+              <a:buNone/>
+            </a:pPr>
+            <a:r>
+              <a:rPr lang="pt-BR" dirty="0"/>
+              <a:t>print ("Total Empregados %d" % </a:t>
+            </a:r>
+            <a:r>
+              <a:rPr lang="pt-BR" dirty="0" err="1"/>
+              <a:t>Empregado.empCount</a:t>
+            </a:r>
+            <a:r>
+              <a:rPr lang="pt-BR" dirty="0"/>
+              <a:t>)</a:t>
+            </a:r>
+          </a:p>
+          <a:p>
+            <a:endParaRPr lang="pt-BR" dirty="0"/>
+          </a:p>
+        </p:txBody>
+      </p:sp>
+    </p:spTree>
+    <p:extLst>
+      <p:ext uri="{BB962C8B-B14F-4D97-AF65-F5344CB8AC3E}">
+        <p14:creationId xmlns:p14="http://schemas.microsoft.com/office/powerpoint/2010/main" val="2209473446"/>
+      </p:ext>
+    </p:extLst>
+  </p:cSld>
+  <p:clrMapOvr>
+    <a:masterClrMapping/>
+  </p:clrMapOvr>
+</p:sld>
+</file>
+
+<file path=ppt/slides/slide35.xml><?xml version="1.0" encoding="utf-8"?>
+<p:sld xmlns:a="http://schemas.openxmlformats.org/drawingml/2006/main" xmlns:r="http://schemas.openxmlformats.org/officeDocument/2006/relationships" xmlns:p="http://schemas.openxmlformats.org/presentationml/2006/main">
+  <p:cSld>
+    <p:spTree>
+      <p:nvGrpSpPr>
+        <p:cNvPr id="1" name=""/>
+        <p:cNvGrpSpPr/>
+        <p:nvPr/>
+      </p:nvGrpSpPr>
+      <p:grpSpPr>
+        <a:xfrm>
+          <a:off x="0" y="0"/>
+          <a:ext cx="0" cy="0"/>
+          <a:chOff x="0" y="0"/>
+          <a:chExt cx="0" cy="0"/>
+        </a:xfrm>
+      </p:grpSpPr>
+      <p:sp>
+        <p:nvSpPr>
+          <p:cNvPr id="2" name="Título 1">
+            <a:extLst>
+              <a:ext uri="{FF2B5EF4-FFF2-40B4-BE49-F238E27FC236}">
+                <a16:creationId xmlns:a16="http://schemas.microsoft.com/office/drawing/2014/main" id="{C47DAD69-E647-0E68-3A87-783BCC32645E}"/>
+              </a:ext>
+            </a:extLst>
+          </p:cNvPr>
+          <p:cNvSpPr>
+            <a:spLocks noGrp="1"/>
+          </p:cNvSpPr>
+          <p:nvPr>
+            <p:ph type="title"/>
+          </p:nvPr>
+        </p:nvSpPr>
+        <p:spPr/>
+        <p:txBody>
+          <a:bodyPr/>
+          <a:lstStyle/>
+          <a:p>
+            <a:r>
+              <a:rPr lang="pt-BR" dirty="0"/>
+              <a:t>Usando módulo e classe em </a:t>
+            </a:r>
+            <a:r>
+              <a:rPr lang="pt-BR" dirty="0" err="1"/>
+              <a:t>python</a:t>
+            </a:r>
+            <a:r>
+              <a:rPr lang="pt-BR" dirty="0"/>
+              <a:t>:</a:t>
+            </a:r>
+          </a:p>
+        </p:txBody>
+      </p:sp>
+      <p:sp>
+        <p:nvSpPr>
+          <p:cNvPr id="3" name="Espaço Reservado para Conteúdo 2">
+            <a:extLst>
+              <a:ext uri="{FF2B5EF4-FFF2-40B4-BE49-F238E27FC236}">
+                <a16:creationId xmlns:a16="http://schemas.microsoft.com/office/drawing/2014/main" id="{4CAEEC81-B4B1-8FE2-AAFD-EC7FDFF7A1F0}"/>
+              </a:ext>
+            </a:extLst>
+          </p:cNvPr>
+          <p:cNvSpPr>
+            <a:spLocks noGrp="1"/>
+          </p:cNvSpPr>
+          <p:nvPr>
+            <p:ph idx="1"/>
+          </p:nvPr>
+        </p:nvSpPr>
+        <p:spPr/>
+        <p:txBody>
+          <a:bodyPr/>
+          <a:lstStyle/>
+          <a:p>
+            <a:r>
+              <a:rPr lang="pt-BR" dirty="0"/>
+              <a:t>Na aula anterior aprendemos a criar um módulo em </a:t>
+            </a:r>
+            <a:r>
+              <a:rPr lang="pt-BR" dirty="0" err="1"/>
+              <a:t>python</a:t>
+            </a:r>
+            <a:r>
+              <a:rPr lang="pt-BR" dirty="0"/>
+              <a:t>.</a:t>
+            </a:r>
+          </a:p>
+        </p:txBody>
+      </p:sp>
+    </p:spTree>
+    <p:extLst>
+      <p:ext uri="{BB962C8B-B14F-4D97-AF65-F5344CB8AC3E}">
+        <p14:creationId xmlns:p14="http://schemas.microsoft.com/office/powerpoint/2010/main" val="16453192"/>
+      </p:ext>
+    </p:extLst>
+  </p:cSld>
+  <p:clrMapOvr>
+    <a:masterClrMapping/>
+  </p:clrMapOvr>
+</p:sld>
+</file>
+
+<file path=ppt/slides/slide36.xml><?xml version="1.0" encoding="utf-8"?>
+<p:sld xmlns:a="http://schemas.openxmlformats.org/drawingml/2006/main" xmlns:r="http://schemas.openxmlformats.org/officeDocument/2006/relationships" xmlns:p="http://schemas.openxmlformats.org/presentationml/2006/main">
+  <p:cSld>
+    <p:spTree>
+      <p:nvGrpSpPr>
+        <p:cNvPr id="1" name=""/>
+        <p:cNvGrpSpPr/>
+        <p:nvPr/>
+      </p:nvGrpSpPr>
+      <p:grpSpPr>
+        <a:xfrm>
+          <a:off x="0" y="0"/>
+          <a:ext cx="0" cy="0"/>
+          <a:chOff x="0" y="0"/>
+          <a:chExt cx="0" cy="0"/>
+        </a:xfrm>
+      </p:grpSpPr>
+      <p:sp>
+        <p:nvSpPr>
+          <p:cNvPr id="2" name="Título 1">
+            <a:extLst>
+              <a:ext uri="{FF2B5EF4-FFF2-40B4-BE49-F238E27FC236}">
                 <a16:creationId xmlns:a16="http://schemas.microsoft.com/office/drawing/2014/main" id="{4B80787B-2DBB-5E98-5491-E7DA77F8C89F}"/>
               </a:ext>
             </a:extLst>
@@ -8903,7 +9262,7 @@
 </p:sld>
 </file>
 
-<file path=ppt/slides/slide35.xml><?xml version="1.0" encoding="utf-8"?>
+<file path=ppt/slides/slide37.xml><?xml version="1.0" encoding="utf-8"?>
 <p:sld xmlns:a="http://schemas.openxmlformats.org/drawingml/2006/main" xmlns:r="http://schemas.openxmlformats.org/officeDocument/2006/relationships" xmlns:p="http://schemas.openxmlformats.org/presentationml/2006/main">
   <p:cSld>
     <p:spTree>
@@ -9457,7 +9816,7 @@
 </p:sld>
 </file>
 
-<file path=ppt/slides/slide36.xml><?xml version="1.0" encoding="utf-8"?>
+<file path=ppt/slides/slide38.xml><?xml version="1.0" encoding="utf-8"?>
 <p:sld xmlns:a="http://schemas.openxmlformats.org/drawingml/2006/main" xmlns:r="http://schemas.openxmlformats.org/officeDocument/2006/relationships" xmlns:p="http://schemas.openxmlformats.org/presentationml/2006/main">
   <p:cSld>
     <p:spTree>
@@ -9566,7 +9925,7 @@
 </p:sld>
 </file>
 
-<file path=ppt/slides/slide37.xml><?xml version="1.0" encoding="utf-8"?>
+<file path=ppt/slides/slide39.xml><?xml version="1.0" encoding="utf-8"?>
 <p:sld xmlns:a="http://schemas.openxmlformats.org/drawingml/2006/main" xmlns:r="http://schemas.openxmlformats.org/officeDocument/2006/relationships" xmlns:p="http://schemas.openxmlformats.org/presentationml/2006/main">
   <p:cSld>
     <p:spTree>
@@ -9988,7 +10347,202 @@
 </p:sld>
 </file>
 
-<file path=ppt/slides/slide38.xml><?xml version="1.0" encoding="utf-8"?>
+<file path=ppt/slides/slide4.xml><?xml version="1.0" encoding="utf-8"?>
+<p:sld xmlns:a="http://schemas.openxmlformats.org/drawingml/2006/main" xmlns:r="http://schemas.openxmlformats.org/officeDocument/2006/relationships" xmlns:p="http://schemas.openxmlformats.org/presentationml/2006/main">
+  <p:cSld>
+    <p:spTree>
+      <p:nvGrpSpPr>
+        <p:cNvPr id="1" name=""/>
+        <p:cNvGrpSpPr/>
+        <p:nvPr/>
+      </p:nvGrpSpPr>
+      <p:grpSpPr>
+        <a:xfrm>
+          <a:off x="0" y="0"/>
+          <a:ext cx="0" cy="0"/>
+          <a:chOff x="0" y="0"/>
+          <a:chExt cx="0" cy="0"/>
+        </a:xfrm>
+      </p:grpSpPr>
+      <p:sp>
+        <p:nvSpPr>
+          <p:cNvPr id="2" name="Título 1">
+            <a:extLst>
+              <a:ext uri="{FF2B5EF4-FFF2-40B4-BE49-F238E27FC236}">
+                <a16:creationId xmlns:a16="http://schemas.microsoft.com/office/drawing/2014/main" id="{52BF8D52-2D6B-4F7E-91AF-EB04AFD8E94D}"/>
+              </a:ext>
+            </a:extLst>
+          </p:cNvPr>
+          <p:cNvSpPr>
+            <a:spLocks noGrp="1"/>
+          </p:cNvSpPr>
+          <p:nvPr>
+            <p:ph type="title"/>
+          </p:nvPr>
+        </p:nvSpPr>
+        <p:spPr/>
+        <p:txBody>
+          <a:bodyPr/>
+          <a:lstStyle/>
+          <a:p>
+            <a:r>
+              <a:rPr lang="pt-BR" dirty="0"/>
+              <a:t>Exemplo:</a:t>
+            </a:r>
+          </a:p>
+        </p:txBody>
+      </p:sp>
+      <p:sp>
+        <p:nvSpPr>
+          <p:cNvPr id="3" name="Espaço Reservado para Conteúdo 2">
+            <a:extLst>
+              <a:ext uri="{FF2B5EF4-FFF2-40B4-BE49-F238E27FC236}">
+                <a16:creationId xmlns:a16="http://schemas.microsoft.com/office/drawing/2014/main" id="{8E3C9BB6-8FCC-256F-8C84-11EE95931A5B}"/>
+              </a:ext>
+            </a:extLst>
+          </p:cNvPr>
+          <p:cNvSpPr>
+            <a:spLocks noGrp="1"/>
+          </p:cNvSpPr>
+          <p:nvPr>
+            <p:ph idx="1"/>
+          </p:nvPr>
+        </p:nvSpPr>
+        <p:spPr/>
+        <p:txBody>
+          <a:bodyPr/>
+          <a:lstStyle/>
+          <a:p>
+            <a:pPr marL="0" indent="0">
+              <a:buNone/>
+            </a:pPr>
+            <a:r>
+              <a:rPr lang="en-US" dirty="0"/>
+              <a:t>class Person:</a:t>
+            </a:r>
+            <a:br>
+              <a:rPr lang="en-US" dirty="0"/>
+            </a:br>
+            <a:r>
+              <a:rPr lang="en-US" dirty="0"/>
+              <a:t>  def __</a:t>
+            </a:r>
+            <a:r>
+              <a:rPr lang="en-US" dirty="0" err="1"/>
+              <a:t>init</a:t>
+            </a:r>
+            <a:r>
+              <a:rPr lang="en-US" dirty="0"/>
+              <a:t>__(</a:t>
+            </a:r>
+            <a:r>
+              <a:rPr lang="en-US" b="1" dirty="0"/>
+              <a:t>self</a:t>
+            </a:r>
+            <a:r>
+              <a:rPr lang="en-US" dirty="0"/>
+              <a:t>, name, age):</a:t>
+            </a:r>
+            <a:br>
+              <a:rPr lang="en-US" dirty="0"/>
+            </a:br>
+            <a:r>
+              <a:rPr lang="en-US" dirty="0"/>
+              <a:t>    self.name = name</a:t>
+            </a:r>
+            <a:br>
+              <a:rPr lang="en-US" dirty="0"/>
+            </a:br>
+            <a:r>
+              <a:rPr lang="en-US" dirty="0"/>
+              <a:t>    </a:t>
+            </a:r>
+            <a:r>
+              <a:rPr lang="en-US" dirty="0" err="1"/>
+              <a:t>self.age</a:t>
+            </a:r>
+            <a:r>
+              <a:rPr lang="en-US" dirty="0"/>
+              <a:t> = age</a:t>
+            </a:r>
+            <a:br>
+              <a:rPr lang="en-US" dirty="0"/>
+            </a:br>
+            <a:br>
+              <a:rPr lang="en-US" dirty="0"/>
+            </a:br>
+            <a:endParaRPr lang="en-US" dirty="0"/>
+          </a:p>
+          <a:p>
+            <a:pPr marL="0" indent="0">
+              <a:buNone/>
+            </a:pPr>
+            <a:r>
+              <a:rPr lang="en-US" dirty="0" err="1"/>
+              <a:t>Observação</a:t>
+            </a:r>
+            <a:r>
+              <a:rPr lang="en-US" dirty="0"/>
+              <a:t>: o </a:t>
+            </a:r>
+            <a:r>
+              <a:rPr lang="en-US" b="1" dirty="0"/>
+              <a:t>self</a:t>
+            </a:r>
+            <a:r>
+              <a:rPr lang="en-US" dirty="0"/>
+              <a:t> é </a:t>
+            </a:r>
+            <a:r>
+              <a:rPr lang="en-US" dirty="0" err="1"/>
+              <a:t>obrigatório</a:t>
+            </a:r>
+            <a:r>
+              <a:rPr lang="en-US" dirty="0"/>
+              <a:t> </a:t>
+            </a:r>
+            <a:r>
+              <a:rPr lang="en-US" dirty="0" err="1"/>
+              <a:t>na</a:t>
+            </a:r>
+            <a:r>
+              <a:rPr lang="en-US" dirty="0"/>
+              <a:t> </a:t>
+            </a:r>
+            <a:r>
+              <a:rPr lang="en-US" dirty="0" err="1"/>
+              <a:t>construção</a:t>
+            </a:r>
+            <a:r>
+              <a:rPr lang="en-US" dirty="0"/>
+              <a:t> da </a:t>
+            </a:r>
+            <a:r>
+              <a:rPr lang="en-US" dirty="0" err="1"/>
+              <a:t>classe</a:t>
+            </a:r>
+            <a:r>
+              <a:rPr lang="en-US" dirty="0"/>
+              <a:t>.</a:t>
+            </a:r>
+            <a:endParaRPr lang="pt-BR" dirty="0"/>
+          </a:p>
+        </p:txBody>
+      </p:sp>
+    </p:spTree>
+    <p:extLst>
+      <p:ext uri="{BB962C8B-B14F-4D97-AF65-F5344CB8AC3E}">
+        <p14:creationId xmlns:p14="http://schemas.microsoft.com/office/powerpoint/2010/main" val="386752016"/>
+      </p:ext>
+    </p:extLst>
+  </p:cSld>
+  <p:clrMapOvr>
+    <a:masterClrMapping/>
+  </p:clrMapOvr>
+</p:sld>
+</file>
+
+<file path=ppt/slides/slide40.xml><?xml version="1.0" encoding="utf-8"?>
 <p:sld xmlns:a="http://schemas.openxmlformats.org/drawingml/2006/main" xmlns:r="http://schemas.openxmlformats.org/officeDocument/2006/relationships" xmlns:p="http://schemas.openxmlformats.org/presentationml/2006/main">
   <p:cSld>
     <p:spTree>
@@ -10097,552 +10651,6 @@
 </p:sld>
 </file>
 
-<file path=ppt/slides/slide39.xml><?xml version="1.0" encoding="utf-8"?>
-<p:sld xmlns:a="http://schemas.openxmlformats.org/drawingml/2006/main" xmlns:r="http://schemas.openxmlformats.org/officeDocument/2006/relationships" xmlns:p="http://schemas.openxmlformats.org/presentationml/2006/main">
-  <p:cSld>
-    <p:spTree>
-      <p:nvGrpSpPr>
-        <p:cNvPr id="1" name=""/>
-        <p:cNvGrpSpPr/>
-        <p:nvPr/>
-      </p:nvGrpSpPr>
-      <p:grpSpPr>
-        <a:xfrm>
-          <a:off x="0" y="0"/>
-          <a:ext cx="0" cy="0"/>
-          <a:chOff x="0" y="0"/>
-          <a:chExt cx="0" cy="0"/>
-        </a:xfrm>
-      </p:grpSpPr>
-      <p:sp>
-        <p:nvSpPr>
-          <p:cNvPr id="2" name="Título 1">
-            <a:extLst>
-              <a:ext uri="{FF2B5EF4-FFF2-40B4-BE49-F238E27FC236}">
-                <a16:creationId xmlns:a16="http://schemas.microsoft.com/office/drawing/2014/main" id="{3F15D6C8-35CA-83D2-E363-74220F18286C}"/>
-              </a:ext>
-            </a:extLst>
-          </p:cNvPr>
-          <p:cNvSpPr>
-            <a:spLocks noGrp="1"/>
-          </p:cNvSpPr>
-          <p:nvPr>
-            <p:ph type="title"/>
-          </p:nvPr>
-        </p:nvSpPr>
-        <p:spPr/>
-        <p:txBody>
-          <a:bodyPr/>
-          <a:lstStyle/>
-          <a:p>
-            <a:r>
-              <a:rPr lang="pt-BR" dirty="0"/>
-              <a:t>Outro exemplo de construção de classe:</a:t>
-            </a:r>
-          </a:p>
-        </p:txBody>
-      </p:sp>
-      <p:sp>
-        <p:nvSpPr>
-          <p:cNvPr id="3" name="Espaço Reservado para Conteúdo 2">
-            <a:extLst>
-              <a:ext uri="{FF2B5EF4-FFF2-40B4-BE49-F238E27FC236}">
-                <a16:creationId xmlns:a16="http://schemas.microsoft.com/office/drawing/2014/main" id="{485942D3-3DDA-0274-5C15-41B2A4784F47}"/>
-              </a:ext>
-            </a:extLst>
-          </p:cNvPr>
-          <p:cNvSpPr>
-            <a:spLocks noGrp="1"/>
-          </p:cNvSpPr>
-          <p:nvPr>
-            <p:ph idx="1"/>
-          </p:nvPr>
-        </p:nvSpPr>
-        <p:spPr/>
-        <p:txBody>
-          <a:bodyPr/>
-          <a:lstStyle/>
-          <a:p>
-            <a:endParaRPr lang="pt-BR"/>
-          </a:p>
-        </p:txBody>
-      </p:sp>
-    </p:spTree>
-    <p:extLst>
-      <p:ext uri="{BB962C8B-B14F-4D97-AF65-F5344CB8AC3E}">
-        <p14:creationId xmlns:p14="http://schemas.microsoft.com/office/powerpoint/2010/main" val="1508644115"/>
-      </p:ext>
-    </p:extLst>
-  </p:cSld>
-  <p:clrMapOvr>
-    <a:masterClrMapping/>
-  </p:clrMapOvr>
-</p:sld>
-</file>
-
-<file path=ppt/slides/slide4.xml><?xml version="1.0" encoding="utf-8"?>
-<p:sld xmlns:a="http://schemas.openxmlformats.org/drawingml/2006/main" xmlns:r="http://schemas.openxmlformats.org/officeDocument/2006/relationships" xmlns:p="http://schemas.openxmlformats.org/presentationml/2006/main">
-  <p:cSld>
-    <p:spTree>
-      <p:nvGrpSpPr>
-        <p:cNvPr id="1" name=""/>
-        <p:cNvGrpSpPr/>
-        <p:nvPr/>
-      </p:nvGrpSpPr>
-      <p:grpSpPr>
-        <a:xfrm>
-          <a:off x="0" y="0"/>
-          <a:ext cx="0" cy="0"/>
-          <a:chOff x="0" y="0"/>
-          <a:chExt cx="0" cy="0"/>
-        </a:xfrm>
-      </p:grpSpPr>
-      <p:sp>
-        <p:nvSpPr>
-          <p:cNvPr id="2" name="Título 1">
-            <a:extLst>
-              <a:ext uri="{FF2B5EF4-FFF2-40B4-BE49-F238E27FC236}">
-                <a16:creationId xmlns:a16="http://schemas.microsoft.com/office/drawing/2014/main" id="{52BF8D52-2D6B-4F7E-91AF-EB04AFD8E94D}"/>
-              </a:ext>
-            </a:extLst>
-          </p:cNvPr>
-          <p:cNvSpPr>
-            <a:spLocks noGrp="1"/>
-          </p:cNvSpPr>
-          <p:nvPr>
-            <p:ph type="title"/>
-          </p:nvPr>
-        </p:nvSpPr>
-        <p:spPr/>
-        <p:txBody>
-          <a:bodyPr/>
-          <a:lstStyle/>
-          <a:p>
-            <a:r>
-              <a:rPr lang="pt-BR" dirty="0"/>
-              <a:t>Exemplo:</a:t>
-            </a:r>
-          </a:p>
-        </p:txBody>
-      </p:sp>
-      <p:sp>
-        <p:nvSpPr>
-          <p:cNvPr id="3" name="Espaço Reservado para Conteúdo 2">
-            <a:extLst>
-              <a:ext uri="{FF2B5EF4-FFF2-40B4-BE49-F238E27FC236}">
-                <a16:creationId xmlns:a16="http://schemas.microsoft.com/office/drawing/2014/main" id="{8E3C9BB6-8FCC-256F-8C84-11EE95931A5B}"/>
-              </a:ext>
-            </a:extLst>
-          </p:cNvPr>
-          <p:cNvSpPr>
-            <a:spLocks noGrp="1"/>
-          </p:cNvSpPr>
-          <p:nvPr>
-            <p:ph idx="1"/>
-          </p:nvPr>
-        </p:nvSpPr>
-        <p:spPr/>
-        <p:txBody>
-          <a:bodyPr/>
-          <a:lstStyle/>
-          <a:p>
-            <a:pPr marL="0" indent="0">
-              <a:buNone/>
-            </a:pPr>
-            <a:r>
-              <a:rPr lang="en-US" dirty="0"/>
-              <a:t>class Person:</a:t>
-            </a:r>
-            <a:br>
-              <a:rPr lang="en-US" dirty="0"/>
-            </a:br>
-            <a:r>
-              <a:rPr lang="en-US" dirty="0"/>
-              <a:t>  def __</a:t>
-            </a:r>
-            <a:r>
-              <a:rPr lang="en-US" dirty="0" err="1"/>
-              <a:t>init</a:t>
-            </a:r>
-            <a:r>
-              <a:rPr lang="en-US" dirty="0"/>
-              <a:t>__(</a:t>
-            </a:r>
-            <a:r>
-              <a:rPr lang="en-US" b="1" dirty="0"/>
-              <a:t>self</a:t>
-            </a:r>
-            <a:r>
-              <a:rPr lang="en-US" dirty="0"/>
-              <a:t>, name, age):</a:t>
-            </a:r>
-            <a:br>
-              <a:rPr lang="en-US" dirty="0"/>
-            </a:br>
-            <a:r>
-              <a:rPr lang="en-US" dirty="0"/>
-              <a:t>    self.name = name</a:t>
-            </a:r>
-            <a:br>
-              <a:rPr lang="en-US" dirty="0"/>
-            </a:br>
-            <a:r>
-              <a:rPr lang="en-US" dirty="0"/>
-              <a:t>    </a:t>
-            </a:r>
-            <a:r>
-              <a:rPr lang="en-US" dirty="0" err="1"/>
-              <a:t>self.age</a:t>
-            </a:r>
-            <a:r>
-              <a:rPr lang="en-US" dirty="0"/>
-              <a:t> = age</a:t>
-            </a:r>
-            <a:br>
-              <a:rPr lang="en-US" dirty="0"/>
-            </a:br>
-            <a:br>
-              <a:rPr lang="en-US" dirty="0"/>
-            </a:br>
-            <a:endParaRPr lang="en-US" dirty="0"/>
-          </a:p>
-          <a:p>
-            <a:pPr marL="0" indent="0">
-              <a:buNone/>
-            </a:pPr>
-            <a:r>
-              <a:rPr lang="en-US" dirty="0" err="1"/>
-              <a:t>Observação</a:t>
-            </a:r>
-            <a:r>
-              <a:rPr lang="en-US" dirty="0"/>
-              <a:t>: o </a:t>
-            </a:r>
-            <a:r>
-              <a:rPr lang="en-US" b="1" dirty="0"/>
-              <a:t>self</a:t>
-            </a:r>
-            <a:r>
-              <a:rPr lang="en-US" dirty="0"/>
-              <a:t> é </a:t>
-            </a:r>
-            <a:r>
-              <a:rPr lang="en-US" dirty="0" err="1"/>
-              <a:t>obrigatório</a:t>
-            </a:r>
-            <a:r>
-              <a:rPr lang="en-US" dirty="0"/>
-              <a:t> </a:t>
-            </a:r>
-            <a:r>
-              <a:rPr lang="en-US" dirty="0" err="1"/>
-              <a:t>na</a:t>
-            </a:r>
-            <a:r>
-              <a:rPr lang="en-US" dirty="0"/>
-              <a:t> </a:t>
-            </a:r>
-            <a:r>
-              <a:rPr lang="en-US" dirty="0" err="1"/>
-              <a:t>construção</a:t>
-            </a:r>
-            <a:r>
-              <a:rPr lang="en-US" dirty="0"/>
-              <a:t> da </a:t>
-            </a:r>
-            <a:r>
-              <a:rPr lang="en-US" dirty="0" err="1"/>
-              <a:t>classe</a:t>
-            </a:r>
-            <a:r>
-              <a:rPr lang="en-US" dirty="0"/>
-              <a:t>.</a:t>
-            </a:r>
-            <a:endParaRPr lang="pt-BR" dirty="0"/>
-          </a:p>
-        </p:txBody>
-      </p:sp>
-    </p:spTree>
-    <p:extLst>
-      <p:ext uri="{BB962C8B-B14F-4D97-AF65-F5344CB8AC3E}">
-        <p14:creationId xmlns:p14="http://schemas.microsoft.com/office/powerpoint/2010/main" val="386752016"/>
-      </p:ext>
-    </p:extLst>
-  </p:cSld>
-  <p:clrMapOvr>
-    <a:masterClrMapping/>
-  </p:clrMapOvr>
-</p:sld>
-</file>
-
-<file path=ppt/slides/slide40.xml><?xml version="1.0" encoding="utf-8"?>
-<p:sld xmlns:a="http://schemas.openxmlformats.org/drawingml/2006/main" xmlns:r="http://schemas.openxmlformats.org/officeDocument/2006/relationships" xmlns:p="http://schemas.openxmlformats.org/presentationml/2006/main">
-  <p:cSld>
-    <p:spTree>
-      <p:nvGrpSpPr>
-        <p:cNvPr id="1" name=""/>
-        <p:cNvGrpSpPr/>
-        <p:nvPr/>
-      </p:nvGrpSpPr>
-      <p:grpSpPr>
-        <a:xfrm>
-          <a:off x="0" y="0"/>
-          <a:ext cx="0" cy="0"/>
-          <a:chOff x="0" y="0"/>
-          <a:chExt cx="0" cy="0"/>
-        </a:xfrm>
-      </p:grpSpPr>
-      <p:sp>
-        <p:nvSpPr>
-          <p:cNvPr id="2" name="Título 1">
-            <a:extLst>
-              <a:ext uri="{FF2B5EF4-FFF2-40B4-BE49-F238E27FC236}">
-                <a16:creationId xmlns:a16="http://schemas.microsoft.com/office/drawing/2014/main" id="{22C69465-7E64-C499-D6E6-80FB04C5D80B}"/>
-              </a:ext>
-            </a:extLst>
-          </p:cNvPr>
-          <p:cNvSpPr>
-            <a:spLocks noGrp="1"/>
-          </p:cNvSpPr>
-          <p:nvPr>
-            <p:ph type="title"/>
-          </p:nvPr>
-        </p:nvSpPr>
-        <p:spPr/>
-        <p:txBody>
-          <a:bodyPr/>
-          <a:lstStyle/>
-          <a:p>
-            <a:r>
-              <a:rPr lang="pt-BR" dirty="0"/>
-              <a:t>Definindo uma classe:</a:t>
-            </a:r>
-          </a:p>
-        </p:txBody>
-      </p:sp>
-      <p:sp>
-        <p:nvSpPr>
-          <p:cNvPr id="3" name="Espaço Reservado para Conteúdo 2">
-            <a:extLst>
-              <a:ext uri="{FF2B5EF4-FFF2-40B4-BE49-F238E27FC236}">
-                <a16:creationId xmlns:a16="http://schemas.microsoft.com/office/drawing/2014/main" id="{2DA3677B-C9FE-B128-9772-6410B76EA91A}"/>
-              </a:ext>
-            </a:extLst>
-          </p:cNvPr>
-          <p:cNvSpPr>
-            <a:spLocks noGrp="1"/>
-          </p:cNvSpPr>
-          <p:nvPr>
-            <p:ph idx="1"/>
-          </p:nvPr>
-        </p:nvSpPr>
-        <p:spPr/>
-        <p:txBody>
-          <a:bodyPr>
-            <a:normAutofit/>
-          </a:bodyPr>
-          <a:lstStyle/>
-          <a:p>
-            <a:pPr marL="0" indent="0">
-              <a:buNone/>
-            </a:pPr>
-            <a:r>
-              <a:rPr lang="pt-BR" dirty="0" err="1"/>
-              <a:t>class</a:t>
-            </a:r>
-            <a:r>
-              <a:rPr lang="pt-BR" dirty="0"/>
-              <a:t> Person:   </a:t>
-            </a:r>
-          </a:p>
-          <a:p>
-            <a:pPr marL="0" indent="0">
-              <a:buNone/>
-            </a:pPr>
-            <a:r>
-              <a:rPr lang="pt-BR" dirty="0"/>
-              <a:t>     </a:t>
-            </a:r>
-            <a:r>
-              <a:rPr lang="pt-BR" dirty="0" err="1"/>
-              <a:t>species</a:t>
-            </a:r>
-            <a:r>
-              <a:rPr lang="pt-BR" dirty="0"/>
-              <a:t> = "Homo Sapiens"                        </a:t>
-            </a:r>
-            <a:br>
-              <a:rPr lang="pt-BR" dirty="0"/>
-            </a:br>
-            <a:r>
-              <a:rPr lang="pt-BR" dirty="0"/>
-              <a:t>     </a:t>
-            </a:r>
-            <a:r>
-              <a:rPr lang="pt-BR" dirty="0" err="1"/>
-              <a:t>def</a:t>
-            </a:r>
-            <a:r>
-              <a:rPr lang="pt-BR" dirty="0"/>
-              <a:t> __</a:t>
-            </a:r>
-            <a:r>
-              <a:rPr lang="pt-BR" dirty="0" err="1"/>
-              <a:t>init</a:t>
-            </a:r>
-            <a:r>
-              <a:rPr lang="pt-BR" dirty="0"/>
-              <a:t>__(self, </a:t>
-            </a:r>
-            <a:r>
-              <a:rPr lang="pt-BR" dirty="0" err="1"/>
-              <a:t>name</a:t>
-            </a:r>
-            <a:r>
-              <a:rPr lang="pt-BR" dirty="0"/>
-              <a:t>):                       </a:t>
-            </a:r>
-          </a:p>
-          <a:p>
-            <a:pPr marL="0" indent="0">
-              <a:buNone/>
-            </a:pPr>
-            <a:r>
-              <a:rPr lang="pt-BR" dirty="0"/>
-              <a:t>        self.name = </a:t>
-            </a:r>
-            <a:r>
-              <a:rPr lang="pt-BR" dirty="0" err="1"/>
-              <a:t>name</a:t>
-            </a:r>
-            <a:r>
-              <a:rPr lang="pt-BR" dirty="0"/>
-              <a:t>                             </a:t>
-            </a:r>
-            <a:br>
-              <a:rPr lang="pt-BR" dirty="0"/>
-            </a:br>
-            <a:r>
-              <a:rPr lang="pt-BR" dirty="0"/>
-              <a:t>     </a:t>
-            </a:r>
-            <a:r>
-              <a:rPr lang="pt-BR" dirty="0" err="1"/>
-              <a:t>def</a:t>
-            </a:r>
-            <a:r>
-              <a:rPr lang="pt-BR" dirty="0"/>
-              <a:t> __</a:t>
-            </a:r>
-            <a:r>
-              <a:rPr lang="pt-BR" dirty="0" err="1"/>
-              <a:t>str</a:t>
-            </a:r>
-            <a:r>
-              <a:rPr lang="pt-BR" dirty="0"/>
-              <a:t>__(self):                                      </a:t>
-            </a:r>
-          </a:p>
-          <a:p>
-            <a:pPr marL="0" indent="0">
-              <a:buNone/>
-            </a:pPr>
-            <a:r>
-              <a:rPr lang="pt-BR" dirty="0"/>
-              <a:t>         </a:t>
-            </a:r>
-            <a:r>
-              <a:rPr lang="pt-BR" dirty="0" err="1"/>
-              <a:t>return</a:t>
-            </a:r>
-            <a:r>
-              <a:rPr lang="pt-BR" dirty="0"/>
-              <a:t> self.name</a:t>
-            </a:r>
-            <a:br>
-              <a:rPr lang="pt-BR" dirty="0"/>
-            </a:br>
-            <a:r>
-              <a:rPr lang="pt-BR" dirty="0"/>
-              <a:t>     </a:t>
-            </a:r>
-            <a:r>
-              <a:rPr lang="pt-BR" dirty="0" err="1"/>
-              <a:t>def</a:t>
-            </a:r>
-            <a:r>
-              <a:rPr lang="pt-BR" dirty="0"/>
-              <a:t> </a:t>
-            </a:r>
-            <a:r>
-              <a:rPr lang="pt-BR" dirty="0" err="1"/>
-              <a:t>rename</a:t>
-            </a:r>
-            <a:r>
-              <a:rPr lang="pt-BR" dirty="0"/>
-              <a:t>(self, </a:t>
-            </a:r>
-            <a:r>
-              <a:rPr lang="pt-BR" dirty="0" err="1"/>
-              <a:t>renamed</a:t>
-            </a:r>
-            <a:r>
-              <a:rPr lang="pt-BR" dirty="0"/>
-              <a:t>):                       </a:t>
-            </a:r>
-          </a:p>
-          <a:p>
-            <a:pPr marL="0" indent="0">
-              <a:buNone/>
-            </a:pPr>
-            <a:r>
-              <a:rPr lang="pt-BR" dirty="0"/>
-              <a:t>        self.name = </a:t>
-            </a:r>
-            <a:r>
-              <a:rPr lang="pt-BR" dirty="0" err="1"/>
-              <a:t>renamed</a:t>
-            </a:r>
-            <a:endParaRPr lang="pt-BR" dirty="0"/>
-          </a:p>
-          <a:p>
-            <a:pPr marL="0" indent="0">
-              <a:buNone/>
-            </a:pPr>
-            <a:r>
-              <a:rPr lang="pt-BR" dirty="0"/>
-              <a:t>        print("Meu nome é {}".</a:t>
-            </a:r>
-            <a:r>
-              <a:rPr lang="pt-BR" dirty="0" err="1"/>
-              <a:t>format</a:t>
-            </a:r>
-            <a:r>
-              <a:rPr lang="pt-BR" dirty="0"/>
-              <a:t>(self.name))</a:t>
-            </a:r>
-          </a:p>
-          <a:p>
-            <a:pPr marL="0" indent="0">
-              <a:buNone/>
-            </a:pPr>
-            <a:endParaRPr lang="pt-BR" dirty="0"/>
-          </a:p>
-        </p:txBody>
-      </p:sp>
-    </p:spTree>
-    <p:extLst>
-      <p:ext uri="{BB962C8B-B14F-4D97-AF65-F5344CB8AC3E}">
-        <p14:creationId xmlns:p14="http://schemas.microsoft.com/office/powerpoint/2010/main" val="3882021019"/>
-      </p:ext>
-    </p:extLst>
-  </p:cSld>
-  <p:clrMapOvr>
-    <a:masterClrMapping/>
-  </p:clrMapOvr>
-</p:sld>
-</file>
-
 <file path=ppt/slides/slide41.xml><?xml version="1.0" encoding="utf-8"?>
 <p:sld xmlns:a="http://schemas.openxmlformats.org/drawingml/2006/main" xmlns:r="http://schemas.openxmlformats.org/officeDocument/2006/relationships" xmlns:p="http://schemas.openxmlformats.org/presentationml/2006/main">
   <p:cSld>
@@ -10665,6 +10673,357 @@
           <p:cNvPr id="2" name="Título 1">
             <a:extLst>
               <a:ext uri="{FF2B5EF4-FFF2-40B4-BE49-F238E27FC236}">
+                <a16:creationId xmlns:a16="http://schemas.microsoft.com/office/drawing/2014/main" id="{3F15D6C8-35CA-83D2-E363-74220F18286C}"/>
+              </a:ext>
+            </a:extLst>
+          </p:cNvPr>
+          <p:cNvSpPr>
+            <a:spLocks noGrp="1"/>
+          </p:cNvSpPr>
+          <p:nvPr>
+            <p:ph type="title"/>
+          </p:nvPr>
+        </p:nvSpPr>
+        <p:spPr/>
+        <p:txBody>
+          <a:bodyPr/>
+          <a:lstStyle/>
+          <a:p>
+            <a:r>
+              <a:rPr lang="pt-BR" dirty="0"/>
+              <a:t>Outro exemplo de construção de classe:</a:t>
+            </a:r>
+          </a:p>
+        </p:txBody>
+      </p:sp>
+      <p:sp>
+        <p:nvSpPr>
+          <p:cNvPr id="3" name="Espaço Reservado para Conteúdo 2">
+            <a:extLst>
+              <a:ext uri="{FF2B5EF4-FFF2-40B4-BE49-F238E27FC236}">
+                <a16:creationId xmlns:a16="http://schemas.microsoft.com/office/drawing/2014/main" id="{485942D3-3DDA-0274-5C15-41B2A4784F47}"/>
+              </a:ext>
+            </a:extLst>
+          </p:cNvPr>
+          <p:cNvSpPr>
+            <a:spLocks noGrp="1"/>
+          </p:cNvSpPr>
+          <p:nvPr>
+            <p:ph idx="1"/>
+          </p:nvPr>
+        </p:nvSpPr>
+        <p:spPr/>
+        <p:txBody>
+          <a:bodyPr/>
+          <a:lstStyle/>
+          <a:p>
+            <a:endParaRPr lang="pt-BR"/>
+          </a:p>
+        </p:txBody>
+      </p:sp>
+    </p:spTree>
+    <p:extLst>
+      <p:ext uri="{BB962C8B-B14F-4D97-AF65-F5344CB8AC3E}">
+        <p14:creationId xmlns:p14="http://schemas.microsoft.com/office/powerpoint/2010/main" val="1508644115"/>
+      </p:ext>
+    </p:extLst>
+  </p:cSld>
+  <p:clrMapOvr>
+    <a:masterClrMapping/>
+  </p:clrMapOvr>
+</p:sld>
+</file>
+
+<file path=ppt/slides/slide42.xml><?xml version="1.0" encoding="utf-8"?>
+<p:sld xmlns:a="http://schemas.openxmlformats.org/drawingml/2006/main" xmlns:r="http://schemas.openxmlformats.org/officeDocument/2006/relationships" xmlns:p="http://schemas.openxmlformats.org/presentationml/2006/main">
+  <p:cSld>
+    <p:spTree>
+      <p:nvGrpSpPr>
+        <p:cNvPr id="1" name=""/>
+        <p:cNvGrpSpPr/>
+        <p:nvPr/>
+      </p:nvGrpSpPr>
+      <p:grpSpPr>
+        <a:xfrm>
+          <a:off x="0" y="0"/>
+          <a:ext cx="0" cy="0"/>
+          <a:chOff x="0" y="0"/>
+          <a:chExt cx="0" cy="0"/>
+        </a:xfrm>
+      </p:grpSpPr>
+      <p:sp>
+        <p:nvSpPr>
+          <p:cNvPr id="2" name="Título 1">
+            <a:extLst>
+              <a:ext uri="{FF2B5EF4-FFF2-40B4-BE49-F238E27FC236}">
+                <a16:creationId xmlns:a16="http://schemas.microsoft.com/office/drawing/2014/main" id="{22C69465-7E64-C499-D6E6-80FB04C5D80B}"/>
+              </a:ext>
+            </a:extLst>
+          </p:cNvPr>
+          <p:cNvSpPr>
+            <a:spLocks noGrp="1"/>
+          </p:cNvSpPr>
+          <p:nvPr>
+            <p:ph type="title"/>
+          </p:nvPr>
+        </p:nvSpPr>
+        <p:spPr/>
+        <p:txBody>
+          <a:bodyPr/>
+          <a:lstStyle/>
+          <a:p>
+            <a:r>
+              <a:rPr lang="pt-BR" dirty="0"/>
+              <a:t>Definindo uma classe:</a:t>
+            </a:r>
+          </a:p>
+        </p:txBody>
+      </p:sp>
+      <p:sp>
+        <p:nvSpPr>
+          <p:cNvPr id="3" name="Espaço Reservado para Conteúdo 2">
+            <a:extLst>
+              <a:ext uri="{FF2B5EF4-FFF2-40B4-BE49-F238E27FC236}">
+                <a16:creationId xmlns:a16="http://schemas.microsoft.com/office/drawing/2014/main" id="{2DA3677B-C9FE-B128-9772-6410B76EA91A}"/>
+              </a:ext>
+            </a:extLst>
+          </p:cNvPr>
+          <p:cNvSpPr>
+            <a:spLocks noGrp="1"/>
+          </p:cNvSpPr>
+          <p:nvPr>
+            <p:ph idx="1"/>
+          </p:nvPr>
+        </p:nvSpPr>
+        <p:spPr/>
+        <p:txBody>
+          <a:bodyPr>
+            <a:normAutofit/>
+          </a:bodyPr>
+          <a:lstStyle/>
+          <a:p>
+            <a:pPr marL="0" indent="0">
+              <a:buNone/>
+            </a:pPr>
+            <a:r>
+              <a:rPr lang="pt-BR" dirty="0" err="1"/>
+              <a:t>class</a:t>
+            </a:r>
+            <a:r>
+              <a:rPr lang="pt-BR" dirty="0"/>
+              <a:t> Person:   </a:t>
+            </a:r>
+          </a:p>
+          <a:p>
+            <a:pPr marL="0" indent="0">
+              <a:buNone/>
+            </a:pPr>
+            <a:r>
+              <a:rPr lang="pt-BR" dirty="0"/>
+              <a:t>     </a:t>
+            </a:r>
+            <a:r>
+              <a:rPr lang="pt-BR" dirty="0" err="1"/>
+              <a:t>species</a:t>
+            </a:r>
+            <a:r>
+              <a:rPr lang="pt-BR" dirty="0"/>
+              <a:t> = "Homo Sapiens"                        </a:t>
+            </a:r>
+            <a:br>
+              <a:rPr lang="pt-BR" dirty="0"/>
+            </a:br>
+            <a:r>
+              <a:rPr lang="pt-BR" dirty="0"/>
+              <a:t>     </a:t>
+            </a:r>
+            <a:r>
+              <a:rPr lang="pt-BR" dirty="0" err="1"/>
+              <a:t>def</a:t>
+            </a:r>
+            <a:r>
+              <a:rPr lang="pt-BR" dirty="0"/>
+              <a:t> __</a:t>
+            </a:r>
+            <a:r>
+              <a:rPr lang="pt-BR" dirty="0" err="1"/>
+              <a:t>init</a:t>
+            </a:r>
+            <a:r>
+              <a:rPr lang="pt-BR" dirty="0"/>
+              <a:t>__(self, </a:t>
+            </a:r>
+            <a:r>
+              <a:rPr lang="pt-BR" dirty="0" err="1"/>
+              <a:t>name</a:t>
+            </a:r>
+            <a:r>
+              <a:rPr lang="pt-BR" dirty="0"/>
+              <a:t>):                       </a:t>
+            </a:r>
+          </a:p>
+          <a:p>
+            <a:pPr marL="0" indent="0">
+              <a:buNone/>
+            </a:pPr>
+            <a:r>
+              <a:rPr lang="pt-BR" dirty="0"/>
+              <a:t>        self.name = </a:t>
+            </a:r>
+            <a:r>
+              <a:rPr lang="pt-BR" dirty="0" err="1"/>
+              <a:t>name</a:t>
+            </a:r>
+            <a:r>
+              <a:rPr lang="pt-BR" dirty="0"/>
+              <a:t>                             </a:t>
+            </a:r>
+            <a:br>
+              <a:rPr lang="pt-BR" dirty="0"/>
+            </a:br>
+            <a:r>
+              <a:rPr lang="pt-BR" dirty="0"/>
+              <a:t>     </a:t>
+            </a:r>
+            <a:r>
+              <a:rPr lang="pt-BR" dirty="0" err="1"/>
+              <a:t>def</a:t>
+            </a:r>
+            <a:r>
+              <a:rPr lang="pt-BR" dirty="0"/>
+              <a:t> __</a:t>
+            </a:r>
+            <a:r>
+              <a:rPr lang="pt-BR" dirty="0" err="1"/>
+              <a:t>str</a:t>
+            </a:r>
+            <a:r>
+              <a:rPr lang="pt-BR" dirty="0"/>
+              <a:t>__(self):                                      </a:t>
+            </a:r>
+          </a:p>
+          <a:p>
+            <a:pPr marL="0" indent="0">
+              <a:buNone/>
+            </a:pPr>
+            <a:r>
+              <a:rPr lang="pt-BR" dirty="0"/>
+              <a:t>         </a:t>
+            </a:r>
+            <a:r>
+              <a:rPr lang="pt-BR" dirty="0" err="1"/>
+              <a:t>return</a:t>
+            </a:r>
+            <a:r>
+              <a:rPr lang="pt-BR" dirty="0"/>
+              <a:t> self.name</a:t>
+            </a:r>
+            <a:br>
+              <a:rPr lang="pt-BR" dirty="0"/>
+            </a:br>
+            <a:r>
+              <a:rPr lang="pt-BR" dirty="0"/>
+              <a:t>     </a:t>
+            </a:r>
+            <a:r>
+              <a:rPr lang="pt-BR" dirty="0" err="1"/>
+              <a:t>def</a:t>
+            </a:r>
+            <a:r>
+              <a:rPr lang="pt-BR" dirty="0"/>
+              <a:t> </a:t>
+            </a:r>
+            <a:r>
+              <a:rPr lang="pt-BR" dirty="0" err="1"/>
+              <a:t>rename</a:t>
+            </a:r>
+            <a:r>
+              <a:rPr lang="pt-BR" dirty="0"/>
+              <a:t>(self, </a:t>
+            </a:r>
+            <a:r>
+              <a:rPr lang="pt-BR" dirty="0" err="1"/>
+              <a:t>renamed</a:t>
+            </a:r>
+            <a:r>
+              <a:rPr lang="pt-BR" dirty="0"/>
+              <a:t>):                       </a:t>
+            </a:r>
+          </a:p>
+          <a:p>
+            <a:pPr marL="0" indent="0">
+              <a:buNone/>
+            </a:pPr>
+            <a:r>
+              <a:rPr lang="pt-BR" dirty="0"/>
+              <a:t>        self.name = </a:t>
+            </a:r>
+            <a:r>
+              <a:rPr lang="pt-BR" dirty="0" err="1"/>
+              <a:t>renamed</a:t>
+            </a:r>
+            <a:endParaRPr lang="pt-BR" dirty="0"/>
+          </a:p>
+          <a:p>
+            <a:pPr marL="0" indent="0">
+              <a:buNone/>
+            </a:pPr>
+            <a:r>
+              <a:rPr lang="pt-BR" dirty="0"/>
+              <a:t>        print("Meu nome é {}".</a:t>
+            </a:r>
+            <a:r>
+              <a:rPr lang="pt-BR" dirty="0" err="1"/>
+              <a:t>format</a:t>
+            </a:r>
+            <a:r>
+              <a:rPr lang="pt-BR" dirty="0"/>
+              <a:t>(self.name))</a:t>
+            </a:r>
+          </a:p>
+          <a:p>
+            <a:pPr marL="0" indent="0">
+              <a:buNone/>
+            </a:pPr>
+            <a:endParaRPr lang="pt-BR" dirty="0"/>
+          </a:p>
+        </p:txBody>
+      </p:sp>
+    </p:spTree>
+    <p:extLst>
+      <p:ext uri="{BB962C8B-B14F-4D97-AF65-F5344CB8AC3E}">
+        <p14:creationId xmlns:p14="http://schemas.microsoft.com/office/powerpoint/2010/main" val="3882021019"/>
+      </p:ext>
+    </p:extLst>
+  </p:cSld>
+  <p:clrMapOvr>
+    <a:masterClrMapping/>
+  </p:clrMapOvr>
+</p:sld>
+</file>
+
+<file path=ppt/slides/slide43.xml><?xml version="1.0" encoding="utf-8"?>
+<p:sld xmlns:a="http://schemas.openxmlformats.org/drawingml/2006/main" xmlns:r="http://schemas.openxmlformats.org/officeDocument/2006/relationships" xmlns:p="http://schemas.openxmlformats.org/presentationml/2006/main">
+  <p:cSld>
+    <p:spTree>
+      <p:nvGrpSpPr>
+        <p:cNvPr id="1" name=""/>
+        <p:cNvGrpSpPr/>
+        <p:nvPr/>
+      </p:nvGrpSpPr>
+      <p:grpSpPr>
+        <a:xfrm>
+          <a:off x="0" y="0"/>
+          <a:ext cx="0" cy="0"/>
+          <a:chOff x="0" y="0"/>
+          <a:chExt cx="0" cy="0"/>
+        </a:xfrm>
+      </p:grpSpPr>
+      <p:sp>
+        <p:nvSpPr>
+          <p:cNvPr id="2" name="Título 1">
+            <a:extLst>
+              <a:ext uri="{FF2B5EF4-FFF2-40B4-BE49-F238E27FC236}">
                 <a16:creationId xmlns:a16="http://schemas.microsoft.com/office/drawing/2014/main" id="{F4A9260B-15DF-9E99-7EAF-6923E382CF91}"/>
               </a:ext>
             </a:extLst>
@@ -10845,7 +11204,7 @@
 </p:sld>
 </file>
 
-<file path=ppt/slides/slide42.xml><?xml version="1.0" encoding="utf-8"?>
+<file path=ppt/slides/slide44.xml><?xml version="1.0" encoding="utf-8"?>
 <p:sld xmlns:a="http://schemas.openxmlformats.org/drawingml/2006/main" xmlns:r="http://schemas.openxmlformats.org/officeDocument/2006/relationships" xmlns:p="http://schemas.openxmlformats.org/presentationml/2006/main">
   <p:cSld>
     <p:spTree>
@@ -10954,7 +11313,7 @@
 </p:sld>
 </file>
 
-<file path=ppt/slides/slide43.xml><?xml version="1.0" encoding="utf-8"?>
+<file path=ppt/slides/slide45.xml><?xml version="1.0" encoding="utf-8"?>
 <p:sld xmlns:a="http://schemas.openxmlformats.org/drawingml/2006/main" xmlns:r="http://schemas.openxmlformats.org/officeDocument/2006/relationships" xmlns:p="http://schemas.openxmlformats.org/presentationml/2006/main">
   <p:cSld>
     <p:spTree>
@@ -11001,26 +11360,197 @@
       </p:sp>
       <p:sp>
         <p:nvSpPr>
-          <p:cNvPr id="3" name="Espaço Reservado para Conteúdo 2">
-            <a:extLst>
-              <a:ext uri="{FF2B5EF4-FFF2-40B4-BE49-F238E27FC236}">
-                <a16:creationId xmlns:a16="http://schemas.microsoft.com/office/drawing/2014/main" id="{4661894F-9E83-705A-041B-182D4B529C6B}"/>
-              </a:ext>
-            </a:extLst>
-          </p:cNvPr>
-          <p:cNvSpPr>
-            <a:spLocks noGrp="1"/>
+          <p:cNvPr id="4" name="Rectangle 1">
+            <a:extLst>
+              <a:ext uri="{FF2B5EF4-FFF2-40B4-BE49-F238E27FC236}">
+                <a16:creationId xmlns:a16="http://schemas.microsoft.com/office/drawing/2014/main" id="{E49164C0-7CB1-B4DD-BEE3-85D392FCC4B6}"/>
+              </a:ext>
+            </a:extLst>
+          </p:cNvPr>
+          <p:cNvSpPr>
+            <a:spLocks noGrp="1" noChangeArrowheads="1"/>
           </p:cNvSpPr>
           <p:nvPr>
             <p:ph idx="1"/>
           </p:nvPr>
         </p:nvSpPr>
-        <p:spPr/>
-        <p:txBody>
-          <a:bodyPr/>
-          <a:lstStyle/>
-          <a:p>
-            <a:endParaRPr lang="pt-BR"/>
+        <p:spPr bwMode="auto">
+          <a:xfrm>
+            <a:off x="838200" y="2351106"/>
+            <a:ext cx="9588690" cy="3300391"/>
+          </a:xfrm>
+          <a:prstGeom prst="rect">
+            <a:avLst/>
+          </a:prstGeom>
+          <a:noFill/>
+          <a:ln>
+            <a:noFill/>
+          </a:ln>
+          <a:effectLst/>
+          <a:extLst>
+            <a:ext uri="{909E8E84-426E-40DD-AFC4-6F175D3DCCD1}">
+              <a14:hiddenFill xmlns:a14="http://schemas.microsoft.com/office/drawing/2010/main">
+                <a:solidFill>
+                  <a:schemeClr val="accent1"/>
+                </a:solidFill>
+              </a14:hiddenFill>
+            </a:ext>
+            <a:ext uri="{91240B29-F687-4F45-9708-019B960494DF}">
+              <a14:hiddenLine xmlns:a14="http://schemas.microsoft.com/office/drawing/2010/main" w="9525">
+                <a:solidFill>
+                  <a:schemeClr val="tx1"/>
+                </a:solidFill>
+                <a:miter lim="800000"/>
+                <a:headEnd/>
+                <a:tailEnd/>
+              </a14:hiddenLine>
+            </a:ext>
+            <a:ext uri="{AF507438-7753-43E0-B8FC-AC1667EBCBE1}">
+              <a14:hiddenEffects xmlns:a14="http://schemas.microsoft.com/office/drawing/2010/main">
+                <a:effectLst>
+                  <a:outerShdw dist="35921" dir="2700000" algn="ctr" rotWithShape="0">
+                    <a:schemeClr val="bg2"/>
+                  </a:outerShdw>
+                </a:effectLst>
+              </a14:hiddenEffects>
+            </a:ext>
+          </a:extLst>
+        </p:spPr>
+        <p:txBody>
+          <a:bodyPr vert="horz" wrap="square" lIns="0" tIns="0" rIns="0" bIns="0" numCol="1" anchor="ctr" anchorCtr="0" compatLnSpc="1">
+            <a:prstTxWarp prst="textNoShape">
+              <a:avLst/>
+            </a:prstTxWarp>
+            <a:spAutoFit/>
+          </a:bodyPr>
+          <a:lstStyle/>
+          <a:p>
+            <a:pPr marL="0" indent="0">
+              <a:buNone/>
+            </a:pPr>
+            <a:r>
+              <a:rPr lang="pt-BR" sz="2400" dirty="0" err="1"/>
+              <a:t>class</a:t>
+            </a:r>
+            <a:r>
+              <a:rPr lang="pt-BR" sz="2400" dirty="0"/>
+              <a:t> Jogador:</a:t>
+            </a:r>
+          </a:p>
+          <a:p>
+            <a:pPr marL="0" indent="0">
+              <a:buNone/>
+            </a:pPr>
+            <a:br>
+              <a:rPr lang="pt-BR" sz="2400" dirty="0"/>
+            </a:br>
+            <a:r>
+              <a:rPr lang="pt-BR" sz="2400" dirty="0"/>
+              <a:t>    </a:t>
+            </a:r>
+            <a:r>
+              <a:rPr lang="pt-BR" sz="2400" dirty="0" err="1"/>
+              <a:t>def</a:t>
+            </a:r>
+            <a:r>
+              <a:rPr lang="pt-BR" sz="2400" dirty="0"/>
+              <a:t> __</a:t>
+            </a:r>
+            <a:r>
+              <a:rPr lang="pt-BR" sz="2400" dirty="0" err="1"/>
+              <a:t>init</a:t>
+            </a:r>
+            <a:r>
+              <a:rPr lang="pt-BR" sz="2400" dirty="0"/>
+              <a:t>__(self, </a:t>
+            </a:r>
+            <a:r>
+              <a:rPr lang="pt-BR" sz="2400" dirty="0" err="1"/>
+              <a:t>nome,velocidade</a:t>
+            </a:r>
+            <a:r>
+              <a:rPr lang="pt-BR" sz="2400" dirty="0"/>
+              <a:t>=50):</a:t>
+            </a:r>
+          </a:p>
+          <a:p>
+            <a:pPr marL="0" indent="0">
+              <a:buNone/>
+            </a:pPr>
+            <a:r>
+              <a:rPr lang="pt-BR" sz="2400" dirty="0"/>
+              <a:t>        </a:t>
+            </a:r>
+            <a:r>
+              <a:rPr lang="pt-BR" sz="2400" dirty="0" err="1"/>
+              <a:t>self.nome</a:t>
+            </a:r>
+            <a:r>
+              <a:rPr lang="pt-BR" sz="2400" dirty="0"/>
+              <a:t> = nome</a:t>
+            </a:r>
+          </a:p>
+          <a:p>
+            <a:pPr marL="0" indent="0">
+              <a:buNone/>
+            </a:pPr>
+            <a:r>
+              <a:rPr lang="pt-BR" sz="2400" dirty="0"/>
+              <a:t>        </a:t>
+            </a:r>
+            <a:r>
+              <a:rPr lang="pt-BR" sz="2400" dirty="0" err="1"/>
+              <a:t>self.velocidade</a:t>
+            </a:r>
+            <a:r>
+              <a:rPr lang="pt-BR" sz="2400" dirty="0"/>
+              <a:t> = velocidade</a:t>
+            </a:r>
+          </a:p>
+          <a:p>
+            <a:pPr marL="0" indent="0">
+              <a:buNone/>
+            </a:pPr>
+            <a:br>
+              <a:rPr lang="pt-BR" sz="2400" dirty="0"/>
+            </a:br>
+            <a:r>
+              <a:rPr lang="pt-BR" sz="2400" dirty="0"/>
+              <a:t>    </a:t>
+            </a:r>
+            <a:r>
+              <a:rPr lang="pt-BR" sz="2400" dirty="0" err="1"/>
+              <a:t>def</a:t>
+            </a:r>
+            <a:r>
+              <a:rPr lang="pt-BR" sz="2400" dirty="0"/>
+              <a:t> </a:t>
+            </a:r>
+            <a:r>
+              <a:rPr lang="pt-BR" sz="2400" dirty="0" err="1"/>
+              <a:t>aumentar_velocidade</a:t>
+            </a:r>
+            <a:r>
+              <a:rPr lang="pt-BR" sz="2400" dirty="0"/>
+              <a:t>(self, valor):</a:t>
+            </a:r>
+          </a:p>
+          <a:p>
+            <a:pPr marL="0" indent="0">
+              <a:buNone/>
+            </a:pPr>
+            <a:r>
+              <a:rPr lang="pt-BR" sz="2400" dirty="0"/>
+              <a:t>        </a:t>
+            </a:r>
+            <a:r>
+              <a:rPr lang="pt-BR" sz="2400" dirty="0" err="1"/>
+              <a:t>self.velocidade</a:t>
+            </a:r>
+            <a:r>
+              <a:rPr lang="pt-BR" sz="2400" dirty="0"/>
+              <a:t> += valor</a:t>
+            </a:r>
           </a:p>
         </p:txBody>
       </p:sp>
@@ -11037,7 +11567,7 @@
 </p:sld>
 </file>
 
-<file path=ppt/slides/slide44.xml><?xml version="1.0" encoding="utf-8"?>
+<file path=ppt/slides/slide46.xml><?xml version="1.0" encoding="utf-8"?>
 <p:sld xmlns:a="http://schemas.openxmlformats.org/drawingml/2006/main" xmlns:r="http://schemas.openxmlformats.org/officeDocument/2006/relationships" xmlns:p="http://schemas.openxmlformats.org/presentationml/2006/main">
   <p:cSld>
     <p:spTree>
@@ -11059,6 +11589,267 @@
           <p:cNvPr id="2" name="Título 1">
             <a:extLst>
               <a:ext uri="{FF2B5EF4-FFF2-40B4-BE49-F238E27FC236}">
+                <a16:creationId xmlns:a16="http://schemas.microsoft.com/office/drawing/2014/main" id="{BBCDCCAA-F6A0-9C36-1BDF-B272B2C3A820}"/>
+              </a:ext>
+            </a:extLst>
+          </p:cNvPr>
+          <p:cNvSpPr>
+            <a:spLocks noGrp="1"/>
+          </p:cNvSpPr>
+          <p:nvPr>
+            <p:ph type="title"/>
+          </p:nvPr>
+        </p:nvSpPr>
+        <p:spPr/>
+        <p:txBody>
+          <a:bodyPr/>
+          <a:lstStyle/>
+          <a:p>
+            <a:endParaRPr lang="pt-BR"/>
+          </a:p>
+        </p:txBody>
+      </p:sp>
+      <p:sp>
+        <p:nvSpPr>
+          <p:cNvPr id="3" name="Espaço Reservado para Conteúdo 2">
+            <a:extLst>
+              <a:ext uri="{FF2B5EF4-FFF2-40B4-BE49-F238E27FC236}">
+                <a16:creationId xmlns:a16="http://schemas.microsoft.com/office/drawing/2014/main" id="{50968A7C-310C-84BF-4D55-9289A95647B4}"/>
+              </a:ext>
+            </a:extLst>
+          </p:cNvPr>
+          <p:cNvSpPr>
+            <a:spLocks noGrp="1"/>
+          </p:cNvSpPr>
+          <p:nvPr>
+            <p:ph idx="1"/>
+          </p:nvPr>
+        </p:nvSpPr>
+        <p:spPr/>
+        <p:txBody>
+          <a:bodyPr/>
+          <a:lstStyle/>
+          <a:p>
+            <a:r>
+              <a:rPr lang="pt-BR" sz="2800" dirty="0"/>
+              <a:t># Criar a instância </a:t>
+            </a:r>
+          </a:p>
+          <a:p>
+            <a:r>
+              <a:rPr lang="pt-BR" sz="2800" dirty="0" err="1"/>
+              <a:t>meu_jogador</a:t>
+            </a:r>
+            <a:r>
+              <a:rPr lang="pt-BR" sz="2800" dirty="0"/>
+              <a:t> = Jogador("Paulo") </a:t>
+            </a:r>
+          </a:p>
+          <a:p>
+            <a:r>
+              <a:rPr lang="pt-BR" sz="2800" dirty="0"/>
+              <a:t># Verificar a velocidade inicial para ver a mudança </a:t>
+            </a:r>
+          </a:p>
+          <a:p>
+            <a:r>
+              <a:rPr lang="pt-BR" sz="2800" dirty="0"/>
+              <a:t>print(</a:t>
+            </a:r>
+            <a:r>
+              <a:rPr lang="pt-BR" sz="2800" dirty="0" err="1"/>
+              <a:t>meu_jogador.velocidade</a:t>
+            </a:r>
+            <a:r>
+              <a:rPr lang="pt-BR" sz="2800" dirty="0"/>
+              <a:t>)</a:t>
+            </a:r>
+          </a:p>
+          <a:p>
+            <a:r>
+              <a:rPr lang="pt-BR" sz="2800" dirty="0"/>
+              <a:t># Aumentar a velocidade </a:t>
+            </a:r>
+          </a:p>
+          <a:p>
+            <a:r>
+              <a:rPr lang="pt-BR" sz="2800" dirty="0" err="1"/>
+              <a:t>meu_jogador.aumentar_velocidade</a:t>
+            </a:r>
+            <a:r>
+              <a:rPr lang="pt-BR" sz="2800" dirty="0"/>
+              <a:t>(15)</a:t>
+            </a:r>
+          </a:p>
+          <a:p>
+            <a:r>
+              <a:rPr lang="pt-BR" sz="2800" dirty="0"/>
+              <a:t># Confirmar a mudança </a:t>
+            </a:r>
+          </a:p>
+          <a:p>
+            <a:r>
+              <a:rPr lang="pt-BR" sz="2800" dirty="0"/>
+              <a:t>print(</a:t>
+            </a:r>
+            <a:r>
+              <a:rPr lang="pt-BR" sz="2800" dirty="0" err="1"/>
+              <a:t>meu_jogador.velocidade</a:t>
+            </a:r>
+            <a:r>
+              <a:rPr lang="pt-BR" sz="2800" dirty="0"/>
+              <a:t>) </a:t>
+            </a:r>
+          </a:p>
+          <a:p>
+            <a:endParaRPr lang="pt-BR" dirty="0"/>
+          </a:p>
+        </p:txBody>
+      </p:sp>
+    </p:spTree>
+    <p:extLst>
+      <p:ext uri="{BB962C8B-B14F-4D97-AF65-F5344CB8AC3E}">
+        <p14:creationId xmlns:p14="http://schemas.microsoft.com/office/powerpoint/2010/main" val="1884343139"/>
+      </p:ext>
+    </p:extLst>
+  </p:cSld>
+  <p:clrMapOvr>
+    <a:masterClrMapping/>
+  </p:clrMapOvr>
+</p:sld>
+</file>
+
+<file path=ppt/slides/slide47.xml><?xml version="1.0" encoding="utf-8"?>
+<p:sld xmlns:a="http://schemas.openxmlformats.org/drawingml/2006/main" xmlns:r="http://schemas.openxmlformats.org/officeDocument/2006/relationships" xmlns:p="http://schemas.openxmlformats.org/presentationml/2006/main">
+  <p:cSld>
+    <p:spTree>
+      <p:nvGrpSpPr>
+        <p:cNvPr id="1" name=""/>
+        <p:cNvGrpSpPr/>
+        <p:nvPr/>
+      </p:nvGrpSpPr>
+      <p:grpSpPr>
+        <a:xfrm>
+          <a:off x="0" y="0"/>
+          <a:ext cx="0" cy="0"/>
+          <a:chOff x="0" y="0"/>
+          <a:chExt cx="0" cy="0"/>
+        </a:xfrm>
+      </p:grpSpPr>
+      <p:sp>
+        <p:nvSpPr>
+          <p:cNvPr id="2" name="Título 1">
+            <a:extLst>
+              <a:ext uri="{FF2B5EF4-FFF2-40B4-BE49-F238E27FC236}">
+                <a16:creationId xmlns:a16="http://schemas.microsoft.com/office/drawing/2014/main" id="{B3192FDB-1832-0932-E4F9-E4D8EBB57300}"/>
+              </a:ext>
+            </a:extLst>
+          </p:cNvPr>
+          <p:cNvSpPr>
+            <a:spLocks noGrp="1"/>
+          </p:cNvSpPr>
+          <p:nvPr>
+            <p:ph type="title"/>
+          </p:nvPr>
+        </p:nvSpPr>
+        <p:spPr/>
+        <p:txBody>
+          <a:bodyPr/>
+          <a:lstStyle/>
+          <a:p>
+            <a:endParaRPr lang="pt-BR"/>
+          </a:p>
+        </p:txBody>
+      </p:sp>
+      <p:sp>
+        <p:nvSpPr>
+          <p:cNvPr id="3" name="Espaço Reservado para Conteúdo 2">
+            <a:extLst>
+              <a:ext uri="{FF2B5EF4-FFF2-40B4-BE49-F238E27FC236}">
+                <a16:creationId xmlns:a16="http://schemas.microsoft.com/office/drawing/2014/main" id="{14CAE616-3D5F-B5CC-D0FF-2849E0CB46AA}"/>
+              </a:ext>
+            </a:extLst>
+          </p:cNvPr>
+          <p:cNvSpPr>
+            <a:spLocks noGrp="1"/>
+          </p:cNvSpPr>
+          <p:nvPr>
+            <p:ph idx="1"/>
+          </p:nvPr>
+        </p:nvSpPr>
+        <p:spPr/>
+        <p:txBody>
+          <a:bodyPr/>
+          <a:lstStyle/>
+          <a:p>
+            <a:endParaRPr lang="pt-BR"/>
+          </a:p>
+        </p:txBody>
+      </p:sp>
+      <p:pic>
+        <p:nvPicPr>
+          <p:cNvPr id="5" name="Imagem 4">
+            <a:extLst>
+              <a:ext uri="{FF2B5EF4-FFF2-40B4-BE49-F238E27FC236}">
+                <a16:creationId xmlns:a16="http://schemas.microsoft.com/office/drawing/2014/main" id="{95AB7CF5-1964-4A65-0761-0A4CCD8CC95D}"/>
+              </a:ext>
+            </a:extLst>
+          </p:cNvPr>
+          <p:cNvPicPr>
+            <a:picLocks noChangeAspect="1"/>
+          </p:cNvPicPr>
+          <p:nvPr/>
+        </p:nvPicPr>
+        <p:blipFill rotWithShape="1">
+          <a:blip r:embed="rId2"/>
+          <a:srcRect l="21716" t="35018" r="46717" b="28746"/>
+          <a:stretch/>
+        </p:blipFill>
+        <p:spPr>
+          <a:xfrm>
+            <a:off x="395786" y="218364"/>
+            <a:ext cx="9880978" cy="6377087"/>
+          </a:xfrm>
+          <a:prstGeom prst="rect">
+            <a:avLst/>
+          </a:prstGeom>
+        </p:spPr>
+      </p:pic>
+    </p:spTree>
+    <p:extLst>
+      <p:ext uri="{BB962C8B-B14F-4D97-AF65-F5344CB8AC3E}">
+        <p14:creationId xmlns:p14="http://schemas.microsoft.com/office/powerpoint/2010/main" val="2850749598"/>
+      </p:ext>
+    </p:extLst>
+  </p:cSld>
+  <p:clrMapOvr>
+    <a:masterClrMapping/>
+  </p:clrMapOvr>
+</p:sld>
+</file>
+
+<file path=ppt/slides/slide48.xml><?xml version="1.0" encoding="utf-8"?>
+<p:sld xmlns:a="http://schemas.openxmlformats.org/drawingml/2006/main" xmlns:r="http://schemas.openxmlformats.org/officeDocument/2006/relationships" xmlns:p="http://schemas.openxmlformats.org/presentationml/2006/main">
+  <p:cSld>
+    <p:spTree>
+      <p:nvGrpSpPr>
+        <p:cNvPr id="1" name=""/>
+        <p:cNvGrpSpPr/>
+        <p:nvPr/>
+      </p:nvGrpSpPr>
+      <p:grpSpPr>
+        <a:xfrm>
+          <a:off x="0" y="0"/>
+          <a:ext cx="0" cy="0"/>
+          <a:chOff x="0" y="0"/>
+          <a:chExt cx="0" cy="0"/>
+        </a:xfrm>
+      </p:grpSpPr>
+      <p:sp>
+        <p:nvSpPr>
+          <p:cNvPr id="2" name="Título 1">
+            <a:extLst>
+              <a:ext uri="{FF2B5EF4-FFF2-40B4-BE49-F238E27FC236}">
                 <a16:creationId xmlns:a16="http://schemas.microsoft.com/office/drawing/2014/main" id="{D794096C-DDC5-49AB-D783-A973408E3EDC}"/>
               </a:ext>
             </a:extLst>
@@ -11414,7 +12205,7 @@
 </p:sld>
 </file>
 
-<file path=ppt/slides/slide45.xml><?xml version="1.0" encoding="utf-8"?>
+<file path=ppt/slides/slide49.xml><?xml version="1.0" encoding="utf-8"?>
 <p:sld xmlns:a="http://schemas.openxmlformats.org/drawingml/2006/main" xmlns:r="http://schemas.openxmlformats.org/officeDocument/2006/relationships" xmlns:p="http://schemas.openxmlformats.org/presentationml/2006/main">
   <p:cSld>
     <p:spTree>
@@ -11523,645 +12314,6 @@
 </p:sld>
 </file>
 
-<file path=ppt/slides/slide46.xml><?xml version="1.0" encoding="utf-8"?>
-<p:sld xmlns:a="http://schemas.openxmlformats.org/drawingml/2006/main" xmlns:r="http://schemas.openxmlformats.org/officeDocument/2006/relationships" xmlns:p="http://schemas.openxmlformats.org/presentationml/2006/main">
-  <p:cSld>
-    <p:spTree>
-      <p:nvGrpSpPr>
-        <p:cNvPr id="1" name=""/>
-        <p:cNvGrpSpPr/>
-        <p:nvPr/>
-      </p:nvGrpSpPr>
-      <p:grpSpPr>
-        <a:xfrm>
-          <a:off x="0" y="0"/>
-          <a:ext cx="0" cy="0"/>
-          <a:chOff x="0" y="0"/>
-          <a:chExt cx="0" cy="0"/>
-        </a:xfrm>
-      </p:grpSpPr>
-      <p:sp>
-        <p:nvSpPr>
-          <p:cNvPr id="2" name="Título 1">
-            <a:extLst>
-              <a:ext uri="{FF2B5EF4-FFF2-40B4-BE49-F238E27FC236}">
-                <a16:creationId xmlns:a16="http://schemas.microsoft.com/office/drawing/2014/main" id="{FE26FA09-E712-2A18-7ABD-E3ECD124ED70}"/>
-              </a:ext>
-            </a:extLst>
-          </p:cNvPr>
-          <p:cNvSpPr>
-            <a:spLocks noGrp="1"/>
-          </p:cNvSpPr>
-          <p:nvPr>
-            <p:ph type="title"/>
-          </p:nvPr>
-        </p:nvSpPr>
-        <p:spPr/>
-        <p:txBody>
-          <a:bodyPr/>
-          <a:lstStyle/>
-          <a:p>
-            <a:r>
-              <a:rPr lang="pt-BR" dirty="0"/>
-              <a:t>Exercício:</a:t>
-            </a:r>
-          </a:p>
-        </p:txBody>
-      </p:sp>
-      <p:sp>
-        <p:nvSpPr>
-          <p:cNvPr id="3" name="Espaço Reservado para Conteúdo 2">
-            <a:extLst>
-              <a:ext uri="{FF2B5EF4-FFF2-40B4-BE49-F238E27FC236}">
-                <a16:creationId xmlns:a16="http://schemas.microsoft.com/office/drawing/2014/main" id="{B41611C3-30D1-013B-B91B-1854CEC402C9}"/>
-              </a:ext>
-            </a:extLst>
-          </p:cNvPr>
-          <p:cNvSpPr>
-            <a:spLocks noGrp="1"/>
-          </p:cNvSpPr>
-          <p:nvPr>
-            <p:ph idx="1"/>
-          </p:nvPr>
-        </p:nvSpPr>
-        <p:spPr/>
-        <p:txBody>
-          <a:bodyPr>
-            <a:normAutofit fontScale="85000" lnSpcReduction="20000"/>
-          </a:bodyPr>
-          <a:lstStyle/>
-          <a:p>
-            <a:pPr marL="0" indent="0">
-              <a:buNone/>
-            </a:pPr>
-            <a:r>
-              <a:rPr lang="pt-BR" dirty="0" err="1"/>
-              <a:t>class</a:t>
-            </a:r>
-            <a:r>
-              <a:rPr lang="pt-BR" dirty="0"/>
-              <a:t> Person:</a:t>
-            </a:r>
-          </a:p>
-          <a:p>
-            <a:pPr marL="0" indent="0">
-              <a:buNone/>
-            </a:pPr>
-            <a:r>
-              <a:rPr lang="pt-BR" dirty="0"/>
-              <a:t>  </a:t>
-            </a:r>
-            <a:r>
-              <a:rPr lang="pt-BR" dirty="0" err="1"/>
-              <a:t>def</a:t>
-            </a:r>
-            <a:r>
-              <a:rPr lang="pt-BR" dirty="0"/>
-              <a:t> __</a:t>
-            </a:r>
-            <a:r>
-              <a:rPr lang="pt-BR" dirty="0" err="1"/>
-              <a:t>init</a:t>
-            </a:r>
-            <a:r>
-              <a:rPr lang="pt-BR" dirty="0"/>
-              <a:t>__(self, </a:t>
-            </a:r>
-            <a:r>
-              <a:rPr lang="pt-BR" dirty="0" err="1"/>
-              <a:t>fname</a:t>
-            </a:r>
-            <a:r>
-              <a:rPr lang="pt-BR" dirty="0"/>
-              <a:t>, </a:t>
-            </a:r>
-            <a:r>
-              <a:rPr lang="pt-BR" dirty="0" err="1"/>
-              <a:t>lname</a:t>
-            </a:r>
-            <a:r>
-              <a:rPr lang="pt-BR" dirty="0"/>
-              <a:t>):</a:t>
-            </a:r>
-          </a:p>
-          <a:p>
-            <a:pPr marL="0" indent="0">
-              <a:buNone/>
-            </a:pPr>
-            <a:r>
-              <a:rPr lang="pt-BR" dirty="0"/>
-              <a:t>    </a:t>
-            </a:r>
-            <a:r>
-              <a:rPr lang="pt-BR" dirty="0" err="1"/>
-              <a:t>self.fname</a:t>
-            </a:r>
-            <a:r>
-              <a:rPr lang="pt-BR" dirty="0"/>
-              <a:t> = </a:t>
-            </a:r>
-            <a:r>
-              <a:rPr lang="pt-BR" dirty="0" err="1"/>
-              <a:t>fname</a:t>
-            </a:r>
-            <a:endParaRPr lang="pt-BR" dirty="0"/>
-          </a:p>
-          <a:p>
-            <a:pPr marL="0" indent="0">
-              <a:buNone/>
-            </a:pPr>
-            <a:r>
-              <a:rPr lang="pt-BR" dirty="0"/>
-              <a:t>    </a:t>
-            </a:r>
-            <a:r>
-              <a:rPr lang="pt-BR" dirty="0" err="1"/>
-              <a:t>self.lname</a:t>
-            </a:r>
-            <a:r>
-              <a:rPr lang="pt-BR" dirty="0"/>
-              <a:t> = </a:t>
-            </a:r>
-            <a:r>
-              <a:rPr lang="pt-BR" dirty="0" err="1"/>
-              <a:t>lname</a:t>
-            </a:r>
-            <a:endParaRPr lang="pt-BR" dirty="0"/>
-          </a:p>
-          <a:p>
-            <a:pPr marL="0" indent="0">
-              <a:buNone/>
-            </a:pPr>
-            <a:br>
-              <a:rPr lang="pt-BR" dirty="0"/>
-            </a:br>
-            <a:r>
-              <a:rPr lang="pt-BR" dirty="0"/>
-              <a:t>  </a:t>
-            </a:r>
-            <a:r>
-              <a:rPr lang="pt-BR" dirty="0" err="1"/>
-              <a:t>def</a:t>
-            </a:r>
-            <a:r>
-              <a:rPr lang="pt-BR" dirty="0"/>
-              <a:t> </a:t>
-            </a:r>
-            <a:r>
-              <a:rPr lang="pt-BR" dirty="0" err="1"/>
-              <a:t>printname</a:t>
-            </a:r>
-            <a:r>
-              <a:rPr lang="pt-BR" dirty="0"/>
-              <a:t>(self):</a:t>
-            </a:r>
-          </a:p>
-          <a:p>
-            <a:pPr marL="0" indent="0">
-              <a:buNone/>
-            </a:pPr>
-            <a:r>
-              <a:rPr lang="pt-BR" dirty="0"/>
-              <a:t>    print(</a:t>
-            </a:r>
-            <a:r>
-              <a:rPr lang="pt-BR" dirty="0" err="1"/>
-              <a:t>self.fname</a:t>
-            </a:r>
-            <a:r>
-              <a:rPr lang="pt-BR" dirty="0"/>
-              <a:t>, </a:t>
-            </a:r>
-            <a:r>
-              <a:rPr lang="pt-BR" dirty="0" err="1"/>
-              <a:t>self.lname</a:t>
-            </a:r>
-            <a:r>
-              <a:rPr lang="pt-BR" dirty="0"/>
-              <a:t>)</a:t>
-            </a:r>
-          </a:p>
-          <a:p>
-            <a:pPr marL="0" indent="0">
-              <a:buNone/>
-            </a:pPr>
-            <a:br>
-              <a:rPr lang="pt-BR" dirty="0"/>
-            </a:br>
-            <a:r>
-              <a:rPr lang="pt-BR" dirty="0"/>
-              <a:t>#Use a classe Person para criar um objeto e depois imprimir.</a:t>
-            </a:r>
-          </a:p>
-          <a:p>
-            <a:pPr marL="0" indent="0">
-              <a:buNone/>
-            </a:pPr>
-            <a:br>
-              <a:rPr lang="pt-BR" dirty="0"/>
-            </a:br>
-            <a:r>
-              <a:rPr lang="pt-BR" dirty="0"/>
-              <a:t>x = Person("John", "Doe")</a:t>
-            </a:r>
-          </a:p>
-          <a:p>
-            <a:pPr marL="0" indent="0">
-              <a:buNone/>
-            </a:pPr>
-            <a:r>
-              <a:rPr lang="pt-BR" dirty="0" err="1"/>
-              <a:t>x.printname</a:t>
-            </a:r>
-            <a:r>
-              <a:rPr lang="pt-BR" dirty="0"/>
-              <a:t>()</a:t>
-            </a:r>
-          </a:p>
-          <a:p>
-            <a:endParaRPr lang="pt-BR" dirty="0"/>
-          </a:p>
-        </p:txBody>
-      </p:sp>
-    </p:spTree>
-    <p:extLst>
-      <p:ext uri="{BB962C8B-B14F-4D97-AF65-F5344CB8AC3E}">
-        <p14:creationId xmlns:p14="http://schemas.microsoft.com/office/powerpoint/2010/main" val="3331691345"/>
-      </p:ext>
-    </p:extLst>
-  </p:cSld>
-  <p:clrMapOvr>
-    <a:masterClrMapping/>
-  </p:clrMapOvr>
-</p:sld>
-</file>
-
-<file path=ppt/slides/slide47.xml><?xml version="1.0" encoding="utf-8"?>
-<p:sld xmlns:a="http://schemas.openxmlformats.org/drawingml/2006/main" xmlns:r="http://schemas.openxmlformats.org/officeDocument/2006/relationships" xmlns:p="http://schemas.openxmlformats.org/presentationml/2006/main">
-  <p:cSld>
-    <p:spTree>
-      <p:nvGrpSpPr>
-        <p:cNvPr id="1" name=""/>
-        <p:cNvGrpSpPr/>
-        <p:nvPr/>
-      </p:nvGrpSpPr>
-      <p:grpSpPr>
-        <a:xfrm>
-          <a:off x="0" y="0"/>
-          <a:ext cx="0" cy="0"/>
-          <a:chOff x="0" y="0"/>
-          <a:chExt cx="0" cy="0"/>
-        </a:xfrm>
-      </p:grpSpPr>
-      <p:sp>
-        <p:nvSpPr>
-          <p:cNvPr id="2" name="Título 1">
-            <a:extLst>
-              <a:ext uri="{FF2B5EF4-FFF2-40B4-BE49-F238E27FC236}">
-                <a16:creationId xmlns:a16="http://schemas.microsoft.com/office/drawing/2014/main" id="{6FAA6C07-57C3-9B61-C7BE-994BA54A5FD4}"/>
-              </a:ext>
-            </a:extLst>
-          </p:cNvPr>
-          <p:cNvSpPr>
-            <a:spLocks noGrp="1"/>
-          </p:cNvSpPr>
-          <p:nvPr>
-            <p:ph type="title"/>
-          </p:nvPr>
-        </p:nvSpPr>
-        <p:spPr/>
-        <p:txBody>
-          <a:bodyPr/>
-          <a:lstStyle/>
-          <a:p>
-            <a:r>
-              <a:rPr lang="pt-BR" dirty="0"/>
-              <a:t>Fazendo de outra maneira:</a:t>
-            </a:r>
-          </a:p>
-        </p:txBody>
-      </p:sp>
-      <p:sp>
-        <p:nvSpPr>
-          <p:cNvPr id="3" name="Espaço Reservado para Conteúdo 2">
-            <a:extLst>
-              <a:ext uri="{FF2B5EF4-FFF2-40B4-BE49-F238E27FC236}">
-                <a16:creationId xmlns:a16="http://schemas.microsoft.com/office/drawing/2014/main" id="{CEDE6A05-D2C5-21E1-8103-05CA161EC640}"/>
-              </a:ext>
-            </a:extLst>
-          </p:cNvPr>
-          <p:cNvSpPr>
-            <a:spLocks noGrp="1"/>
-          </p:cNvSpPr>
-          <p:nvPr>
-            <p:ph idx="1"/>
-          </p:nvPr>
-        </p:nvSpPr>
-        <p:spPr/>
-        <p:txBody>
-          <a:bodyPr>
-            <a:normAutofit/>
-          </a:bodyPr>
-          <a:lstStyle/>
-          <a:p>
-            <a:pPr marL="0" indent="0">
-              <a:buNone/>
-            </a:pPr>
-            <a:r>
-              <a:rPr lang="en-US" dirty="0"/>
-              <a:t>class Person:</a:t>
-            </a:r>
-          </a:p>
-          <a:p>
-            <a:pPr marL="0" indent="0">
-              <a:buNone/>
-            </a:pPr>
-            <a:r>
-              <a:rPr lang="en-US" dirty="0"/>
-              <a:t>  def __</a:t>
-            </a:r>
-            <a:r>
-              <a:rPr lang="en-US" dirty="0" err="1"/>
-              <a:t>init</a:t>
-            </a:r>
-            <a:r>
-              <a:rPr lang="en-US" dirty="0"/>
-              <a:t>__(self, </a:t>
-            </a:r>
-            <a:r>
-              <a:rPr lang="en-US" dirty="0" err="1"/>
-              <a:t>fname</a:t>
-            </a:r>
-            <a:r>
-              <a:rPr lang="en-US" dirty="0"/>
-              <a:t>, </a:t>
-            </a:r>
-            <a:r>
-              <a:rPr lang="en-US" dirty="0" err="1"/>
-              <a:t>lname</a:t>
-            </a:r>
-            <a:r>
-              <a:rPr lang="en-US" dirty="0"/>
-              <a:t>):</a:t>
-            </a:r>
-          </a:p>
-          <a:p>
-            <a:pPr marL="0" indent="0">
-              <a:buNone/>
-            </a:pPr>
-            <a:r>
-              <a:rPr lang="en-US" dirty="0"/>
-              <a:t>    </a:t>
-            </a:r>
-            <a:r>
-              <a:rPr lang="en-US" dirty="0" err="1"/>
-              <a:t>self.fname</a:t>
-            </a:r>
-            <a:r>
-              <a:rPr lang="en-US" dirty="0"/>
-              <a:t> = </a:t>
-            </a:r>
-            <a:r>
-              <a:rPr lang="en-US" dirty="0" err="1"/>
-              <a:t>fname</a:t>
-            </a:r>
-            <a:endParaRPr lang="en-US" dirty="0"/>
-          </a:p>
-          <a:p>
-            <a:pPr marL="0" indent="0">
-              <a:buNone/>
-            </a:pPr>
-            <a:r>
-              <a:rPr lang="en-US" dirty="0"/>
-              <a:t>    </a:t>
-            </a:r>
-            <a:r>
-              <a:rPr lang="en-US" dirty="0" err="1"/>
-              <a:t>self.lname</a:t>
-            </a:r>
-            <a:r>
-              <a:rPr lang="en-US" dirty="0"/>
-              <a:t> = </a:t>
-            </a:r>
-            <a:r>
-              <a:rPr lang="en-US" dirty="0" err="1"/>
-              <a:t>lname</a:t>
-            </a:r>
-            <a:endParaRPr lang="en-US" dirty="0"/>
-          </a:p>
-          <a:p>
-            <a:pPr marL="0" indent="0">
-              <a:buNone/>
-            </a:pPr>
-            <a:br>
-              <a:rPr lang="en-US" dirty="0"/>
-            </a:br>
-            <a:r>
-              <a:rPr lang="en-US" dirty="0"/>
-              <a:t>x = Person("John", "Doe")</a:t>
-            </a:r>
-          </a:p>
-          <a:p>
-            <a:pPr marL="0" indent="0">
-              <a:buNone/>
-            </a:pPr>
-            <a:r>
-              <a:rPr lang="en-US" dirty="0"/>
-              <a:t>print(</a:t>
-            </a:r>
-            <a:r>
-              <a:rPr lang="en-US" dirty="0" err="1"/>
-              <a:t>x.fname,x.lname</a:t>
-            </a:r>
-            <a:r>
-              <a:rPr lang="en-US" dirty="0"/>
-              <a:t>)</a:t>
-            </a:r>
-          </a:p>
-          <a:p>
-            <a:endParaRPr lang="pt-BR" dirty="0"/>
-          </a:p>
-        </p:txBody>
-      </p:sp>
-    </p:spTree>
-    <p:extLst>
-      <p:ext uri="{BB962C8B-B14F-4D97-AF65-F5344CB8AC3E}">
-        <p14:creationId xmlns:p14="http://schemas.microsoft.com/office/powerpoint/2010/main" val="2157726699"/>
-      </p:ext>
-    </p:extLst>
-  </p:cSld>
-  <p:clrMapOvr>
-    <a:masterClrMapping/>
-  </p:clrMapOvr>
-</p:sld>
-</file>
-
-<file path=ppt/slides/slide48.xml><?xml version="1.0" encoding="utf-8"?>
-<p:sld xmlns:a="http://schemas.openxmlformats.org/drawingml/2006/main" xmlns:r="http://schemas.openxmlformats.org/officeDocument/2006/relationships" xmlns:p="http://schemas.openxmlformats.org/presentationml/2006/main">
-  <p:cSld>
-    <p:spTree>
-      <p:nvGrpSpPr>
-        <p:cNvPr id="1" name=""/>
-        <p:cNvGrpSpPr/>
-        <p:nvPr/>
-      </p:nvGrpSpPr>
-      <p:grpSpPr>
-        <a:xfrm>
-          <a:off x="0" y="0"/>
-          <a:ext cx="0" cy="0"/>
-          <a:chOff x="0" y="0"/>
-          <a:chExt cx="0" cy="0"/>
-        </a:xfrm>
-      </p:grpSpPr>
-      <p:sp>
-        <p:nvSpPr>
-          <p:cNvPr id="2" name="Título 1">
-            <a:extLst>
-              <a:ext uri="{FF2B5EF4-FFF2-40B4-BE49-F238E27FC236}">
-                <a16:creationId xmlns:a16="http://schemas.microsoft.com/office/drawing/2014/main" id="{FDB93B88-DE74-73AD-C99A-45A82BAB9553}"/>
-              </a:ext>
-            </a:extLst>
-          </p:cNvPr>
-          <p:cNvSpPr>
-            <a:spLocks noGrp="1"/>
-          </p:cNvSpPr>
-          <p:nvPr>
-            <p:ph type="title"/>
-          </p:nvPr>
-        </p:nvSpPr>
-        <p:spPr/>
-        <p:txBody>
-          <a:bodyPr/>
-          <a:lstStyle/>
-          <a:p>
-            <a:r>
-              <a:rPr lang="pt-BR"/>
-              <a:t>FIM:		</a:t>
-            </a:r>
-          </a:p>
-        </p:txBody>
-      </p:sp>
-      <p:sp>
-        <p:nvSpPr>
-          <p:cNvPr id="3" name="Espaço Reservado para Conteúdo 2">
-            <a:extLst>
-              <a:ext uri="{FF2B5EF4-FFF2-40B4-BE49-F238E27FC236}">
-                <a16:creationId xmlns:a16="http://schemas.microsoft.com/office/drawing/2014/main" id="{6CD9F92A-D7CE-E521-2E3C-4C4C60960D8D}"/>
-              </a:ext>
-            </a:extLst>
-          </p:cNvPr>
-          <p:cNvSpPr>
-            <a:spLocks noGrp="1"/>
-          </p:cNvSpPr>
-          <p:nvPr>
-            <p:ph idx="1"/>
-          </p:nvPr>
-        </p:nvSpPr>
-        <p:spPr/>
-        <p:txBody>
-          <a:bodyPr/>
-          <a:lstStyle/>
-          <a:p>
-            <a:endParaRPr lang="pt-BR"/>
-          </a:p>
-        </p:txBody>
-      </p:sp>
-    </p:spTree>
-    <p:extLst>
-      <p:ext uri="{BB962C8B-B14F-4D97-AF65-F5344CB8AC3E}">
-        <p14:creationId xmlns:p14="http://schemas.microsoft.com/office/powerpoint/2010/main" val="868687190"/>
-      </p:ext>
-    </p:extLst>
-  </p:cSld>
-  <p:clrMapOvr>
-    <a:masterClrMapping/>
-  </p:clrMapOvr>
-</p:sld>
-</file>
-
-<file path=ppt/slides/slide49.xml><?xml version="1.0" encoding="utf-8"?>
-<p:sld xmlns:a="http://schemas.openxmlformats.org/drawingml/2006/main" xmlns:r="http://schemas.openxmlformats.org/officeDocument/2006/relationships" xmlns:p="http://schemas.openxmlformats.org/presentationml/2006/main">
-  <p:cSld>
-    <p:spTree>
-      <p:nvGrpSpPr>
-        <p:cNvPr id="1" name=""/>
-        <p:cNvGrpSpPr/>
-        <p:nvPr/>
-      </p:nvGrpSpPr>
-      <p:grpSpPr>
-        <a:xfrm>
-          <a:off x="0" y="0"/>
-          <a:ext cx="0" cy="0"/>
-          <a:chOff x="0" y="0"/>
-          <a:chExt cx="0" cy="0"/>
-        </a:xfrm>
-      </p:grpSpPr>
-      <p:sp>
-        <p:nvSpPr>
-          <p:cNvPr id="2" name="Título 1">
-            <a:extLst>
-              <a:ext uri="{FF2B5EF4-FFF2-40B4-BE49-F238E27FC236}">
-                <a16:creationId xmlns:a16="http://schemas.microsoft.com/office/drawing/2014/main" id="{1BA38062-2E21-3200-0E39-5BE1FD1C5EEE}"/>
-              </a:ext>
-            </a:extLst>
-          </p:cNvPr>
-          <p:cNvSpPr>
-            <a:spLocks noGrp="1"/>
-          </p:cNvSpPr>
-          <p:nvPr>
-            <p:ph type="title"/>
-          </p:nvPr>
-        </p:nvSpPr>
-        <p:spPr/>
-        <p:txBody>
-          <a:bodyPr/>
-          <a:lstStyle/>
-          <a:p>
-            <a:r>
-              <a:rPr lang="pt-BR" dirty="0"/>
-              <a:t>HERANÇA DE CLASSES:</a:t>
-            </a:r>
-          </a:p>
-        </p:txBody>
-      </p:sp>
-      <p:sp>
-        <p:nvSpPr>
-          <p:cNvPr id="3" name="Espaço Reservado para Conteúdo 2">
-            <a:extLst>
-              <a:ext uri="{FF2B5EF4-FFF2-40B4-BE49-F238E27FC236}">
-                <a16:creationId xmlns:a16="http://schemas.microsoft.com/office/drawing/2014/main" id="{9ED90FE4-A182-EB46-D2DD-99A32C5C38EC}"/>
-              </a:ext>
-            </a:extLst>
-          </p:cNvPr>
-          <p:cNvSpPr>
-            <a:spLocks noGrp="1"/>
-          </p:cNvSpPr>
-          <p:nvPr>
-            <p:ph idx="1"/>
-          </p:nvPr>
-        </p:nvSpPr>
-        <p:spPr/>
-        <p:txBody>
-          <a:bodyPr/>
-          <a:lstStyle/>
-          <a:p>
-            <a:endParaRPr lang="pt-BR"/>
-          </a:p>
-        </p:txBody>
-      </p:sp>
-    </p:spTree>
-    <p:extLst>
-      <p:ext uri="{BB962C8B-B14F-4D97-AF65-F5344CB8AC3E}">
-        <p14:creationId xmlns:p14="http://schemas.microsoft.com/office/powerpoint/2010/main" val="1181668136"/>
-      </p:ext>
-    </p:extLst>
-  </p:cSld>
-  <p:clrMapOvr>
-    <a:masterClrMapping/>
-  </p:clrMapOvr>
-</p:sld>
-</file>
-
 <file path=ppt/slides/slide5.xml><?xml version="1.0" encoding="utf-8"?>
 <p:sld xmlns:a="http://schemas.openxmlformats.org/drawingml/2006/main" xmlns:r="http://schemas.openxmlformats.org/officeDocument/2006/relationships" xmlns:p="http://schemas.openxmlformats.org/presentationml/2006/main">
   <p:cSld>
@@ -12293,7 +12445,7 @@
           <p:cNvPr id="2" name="Título 1">
             <a:extLst>
               <a:ext uri="{FF2B5EF4-FFF2-40B4-BE49-F238E27FC236}">
-                <a16:creationId xmlns:a16="http://schemas.microsoft.com/office/drawing/2014/main" id="{E014F6D0-B215-5C7A-54BE-CD562AACE097}"/>
+                <a16:creationId xmlns:a16="http://schemas.microsoft.com/office/drawing/2014/main" id="{43F0045B-15DC-130C-0E81-C019DC4D9E78}"/>
               </a:ext>
             </a:extLst>
           </p:cNvPr>
@@ -12310,683 +12462,323 @@
           <a:lstStyle/>
           <a:p>
             <a:r>
-              <a:rPr lang="pt-BR" b="0" i="0" dirty="0">
-                <a:solidFill>
-                  <a:srgbClr val="000000"/>
-                </a:solidFill>
-                <a:effectLst/>
-                <a:latin typeface="Segoe UI" panose="020B0502040204020203" pitchFamily="34" charset="0"/>
-              </a:rPr>
-              <a:t>Criar uma classe pai</a:t>
-            </a:r>
+              <a:rPr lang="pt-BR" dirty="0"/>
+              <a:t>Outro exemplo:</a:t>
+            </a:r>
+          </a:p>
+        </p:txBody>
+      </p:sp>
+      <p:sp>
+        <p:nvSpPr>
+          <p:cNvPr id="3" name="Espaço Reservado para Conteúdo 2">
+            <a:extLst>
+              <a:ext uri="{FF2B5EF4-FFF2-40B4-BE49-F238E27FC236}">
+                <a16:creationId xmlns:a16="http://schemas.microsoft.com/office/drawing/2014/main" id="{1F0785AB-0E0D-A829-2F0E-119FCE35F117}"/>
+              </a:ext>
+            </a:extLst>
+          </p:cNvPr>
+          <p:cNvSpPr>
+            <a:spLocks noGrp="1"/>
+          </p:cNvSpPr>
+          <p:nvPr>
+            <p:ph idx="1"/>
+          </p:nvPr>
+        </p:nvSpPr>
+        <p:spPr/>
+        <p:txBody>
+          <a:bodyPr>
+            <a:normAutofit fontScale="70000" lnSpcReduction="20000"/>
+          </a:bodyPr>
+          <a:lstStyle/>
+          <a:p>
+            <a:pPr marL="0" indent="0">
+              <a:buNone/>
+            </a:pPr>
+            <a:r>
+              <a:rPr lang="pt-BR" dirty="0" err="1"/>
+              <a:t>class</a:t>
+            </a:r>
+            <a:r>
+              <a:rPr lang="pt-BR" dirty="0"/>
+              <a:t> </a:t>
+            </a:r>
+            <a:r>
+              <a:rPr lang="pt-BR" dirty="0" err="1"/>
+              <a:t>Funcionario</a:t>
+            </a:r>
+            <a:r>
+              <a:rPr lang="pt-BR" dirty="0"/>
+              <a:t>:</a:t>
+            </a:r>
+          </a:p>
+          <a:p>
+            <a:pPr marL="0" indent="0">
+              <a:buNone/>
+            </a:pPr>
+            <a:r>
+              <a:rPr lang="pt-BR" dirty="0"/>
+              <a:t>    </a:t>
+            </a:r>
+            <a:r>
+              <a:rPr lang="pt-BR" dirty="0" err="1"/>
+              <a:t>def</a:t>
+            </a:r>
+            <a:r>
+              <a:rPr lang="pt-BR" dirty="0"/>
+              <a:t> __</a:t>
+            </a:r>
+            <a:r>
+              <a:rPr lang="pt-BR" dirty="0" err="1"/>
+              <a:t>init</a:t>
+            </a:r>
+            <a:r>
+              <a:rPr lang="pt-BR" dirty="0"/>
+              <a:t>__(</a:t>
+            </a:r>
+            <a:r>
+              <a:rPr lang="pt-BR" dirty="0" err="1"/>
+              <a:t>self,nome,cpf,sede</a:t>
+            </a:r>
+            <a:r>
+              <a:rPr lang="pt-BR" dirty="0"/>
+              <a:t>):</a:t>
+            </a:r>
+          </a:p>
+          <a:p>
+            <a:pPr marL="0" indent="0">
+              <a:buNone/>
+            </a:pPr>
+            <a:r>
+              <a:rPr lang="pt-BR" dirty="0"/>
+              <a:t>        </a:t>
+            </a:r>
+            <a:r>
+              <a:rPr lang="pt-BR" dirty="0" err="1"/>
+              <a:t>self.nome</a:t>
+            </a:r>
+            <a:r>
+              <a:rPr lang="pt-BR" dirty="0"/>
+              <a:t>=nome</a:t>
+            </a:r>
+          </a:p>
+          <a:p>
+            <a:pPr marL="0" indent="0">
+              <a:buNone/>
+            </a:pPr>
+            <a:r>
+              <a:rPr lang="pt-BR" dirty="0"/>
+              <a:t>        </a:t>
+            </a:r>
+            <a:r>
+              <a:rPr lang="pt-BR" dirty="0" err="1"/>
+              <a:t>self.cpf</a:t>
+            </a:r>
+            <a:r>
+              <a:rPr lang="pt-BR" dirty="0"/>
+              <a:t>=</a:t>
+            </a:r>
+            <a:r>
+              <a:rPr lang="pt-BR" dirty="0" err="1"/>
+              <a:t>cpf</a:t>
+            </a:r>
+            <a:endParaRPr lang="pt-BR" dirty="0"/>
+          </a:p>
+          <a:p>
+            <a:pPr marL="0" indent="0">
+              <a:buNone/>
+            </a:pPr>
+            <a:r>
+              <a:rPr lang="pt-BR" dirty="0"/>
+              <a:t>        </a:t>
+            </a:r>
+            <a:r>
+              <a:rPr lang="pt-BR" dirty="0" err="1"/>
+              <a:t>self.sede</a:t>
+            </a:r>
+            <a:r>
+              <a:rPr lang="pt-BR" dirty="0"/>
+              <a:t>=sede</a:t>
+            </a:r>
+          </a:p>
+          <a:p>
+            <a:pPr marL="0" indent="0">
+              <a:buNone/>
+            </a:pPr>
+            <a:r>
+              <a:rPr lang="pt-BR" dirty="0"/>
+              <a:t>        </a:t>
+            </a:r>
+            <a:r>
+              <a:rPr lang="pt-BR" dirty="0" err="1"/>
+              <a:t>lista_sede</a:t>
+            </a:r>
+            <a:r>
+              <a:rPr lang="pt-BR" dirty="0"/>
+              <a:t>=['</a:t>
+            </a:r>
+            <a:r>
+              <a:rPr lang="pt-BR" dirty="0" err="1"/>
+              <a:t>itapuã</a:t>
+            </a:r>
+            <a:r>
+              <a:rPr lang="pt-BR" dirty="0"/>
+              <a:t>','</a:t>
+            </a:r>
+            <a:r>
+              <a:rPr lang="pt-BR" dirty="0" err="1"/>
+              <a:t>ribeira','lapinha</a:t>
+            </a:r>
+            <a:r>
+              <a:rPr lang="pt-BR" dirty="0"/>
+              <a:t>']  </a:t>
+            </a:r>
+          </a:p>
+          <a:p>
+            <a:pPr marL="0" indent="0">
+              <a:buNone/>
+            </a:pPr>
+            <a:r>
+              <a:rPr lang="pt-BR" dirty="0"/>
+              <a:t>        </a:t>
+            </a:r>
+            <a:r>
+              <a:rPr lang="pt-BR" dirty="0" err="1"/>
+              <a:t>if</a:t>
+            </a:r>
+            <a:r>
+              <a:rPr lang="pt-BR" dirty="0"/>
+              <a:t> sede in </a:t>
+            </a:r>
+            <a:r>
+              <a:rPr lang="pt-BR" dirty="0" err="1"/>
+              <a:t>lista_sede</a:t>
+            </a:r>
+            <a:r>
+              <a:rPr lang="pt-BR" dirty="0"/>
+              <a:t>:   </a:t>
+            </a:r>
+          </a:p>
+          <a:p>
+            <a:pPr marL="0" indent="0">
+              <a:buNone/>
+            </a:pPr>
+            <a:r>
+              <a:rPr lang="pt-BR" dirty="0"/>
+              <a:t>            </a:t>
+            </a:r>
+            <a:r>
+              <a:rPr lang="pt-BR" dirty="0" err="1"/>
+              <a:t>return</a:t>
+            </a:r>
+            <a:r>
+              <a:rPr lang="pt-BR" dirty="0"/>
+              <a:t> print(f'{</a:t>
+            </a:r>
+            <a:r>
+              <a:rPr lang="pt-BR" dirty="0" err="1"/>
+              <a:t>self.nome</a:t>
+            </a:r>
+            <a:r>
+              <a:rPr lang="pt-BR" dirty="0"/>
+              <a:t>}, {</a:t>
+            </a:r>
+            <a:r>
+              <a:rPr lang="pt-BR" dirty="0" err="1"/>
+              <a:t>self.sede</a:t>
+            </a:r>
+            <a:r>
+              <a:rPr lang="pt-BR" dirty="0"/>
+              <a:t>}')           </a:t>
+            </a:r>
+          </a:p>
+          <a:p>
+            <a:pPr marL="0" indent="0">
+              <a:buNone/>
+            </a:pPr>
+            <a:r>
+              <a:rPr lang="pt-BR" dirty="0"/>
+              <a:t>        </a:t>
+            </a:r>
+            <a:r>
+              <a:rPr lang="pt-BR" dirty="0" err="1"/>
+              <a:t>else</a:t>
+            </a:r>
+            <a:r>
+              <a:rPr lang="pt-BR" dirty="0"/>
+              <a:t>:</a:t>
+            </a:r>
+          </a:p>
+          <a:p>
+            <a:pPr marL="0" indent="0">
+              <a:buNone/>
+            </a:pPr>
+            <a:r>
+              <a:rPr lang="pt-BR" dirty="0"/>
+              <a:t>            </a:t>
+            </a:r>
+            <a:r>
+              <a:rPr lang="pt-BR" dirty="0" err="1"/>
+              <a:t>return</a:t>
+            </a:r>
+            <a:r>
+              <a:rPr lang="pt-BR" dirty="0"/>
+              <a:t> print (f'{</a:t>
+            </a:r>
+            <a:r>
+              <a:rPr lang="pt-BR" dirty="0" err="1"/>
+              <a:t>self.nome</a:t>
+            </a:r>
+            <a:r>
+              <a:rPr lang="pt-BR" dirty="0"/>
+              <a:t>}, sede inexistente')</a:t>
+            </a:r>
+          </a:p>
+          <a:p>
+            <a:pPr marL="0" indent="0">
+              <a:buNone/>
+            </a:pPr>
             <a:br>
-              <a:rPr lang="pt-BR" b="0" i="0" dirty="0">
-                <a:solidFill>
-                  <a:srgbClr val="000000"/>
-                </a:solidFill>
-                <a:effectLst/>
-                <a:latin typeface="Segoe UI" panose="020B0502040204020203" pitchFamily="34" charset="0"/>
-              </a:rPr>
+              <a:rPr lang="pt-BR" dirty="0"/>
             </a:br>
-            <a:endParaRPr lang="pt-BR" dirty="0"/>
-          </a:p>
-        </p:txBody>
-      </p:sp>
-      <p:sp>
-        <p:nvSpPr>
-          <p:cNvPr id="3" name="Espaço Reservado para Conteúdo 2">
-            <a:extLst>
-              <a:ext uri="{FF2B5EF4-FFF2-40B4-BE49-F238E27FC236}">
-                <a16:creationId xmlns:a16="http://schemas.microsoft.com/office/drawing/2014/main" id="{B0DE1BEB-A039-DCBE-3F80-6A8275BCAC62}"/>
-              </a:ext>
-            </a:extLst>
-          </p:cNvPr>
-          <p:cNvSpPr>
-            <a:spLocks noGrp="1"/>
-          </p:cNvSpPr>
-          <p:nvPr>
-            <p:ph idx="1"/>
-          </p:nvPr>
-        </p:nvSpPr>
-        <p:spPr/>
-        <p:txBody>
-          <a:bodyPr>
-            <a:normAutofit fontScale="92500" lnSpcReduction="10000"/>
-          </a:bodyPr>
-          <a:lstStyle/>
-          <a:p>
-            <a:pPr marL="0" indent="0">
-              <a:buNone/>
-            </a:pPr>
-            <a:r>
-              <a:rPr lang="pt-BR" b="0" i="0" dirty="0" err="1">
-                <a:solidFill>
-                  <a:srgbClr val="0000CD"/>
-                </a:solidFill>
-                <a:effectLst/>
-                <a:latin typeface="Consolas" panose="020B0609020204030204" pitchFamily="49" charset="0"/>
-              </a:rPr>
-              <a:t>class</a:t>
-            </a:r>
-            <a:r>
-              <a:rPr lang="pt-BR" b="0" i="0" dirty="0">
-                <a:solidFill>
-                  <a:srgbClr val="000000"/>
-                </a:solidFill>
-                <a:effectLst/>
-                <a:latin typeface="Consolas" panose="020B0609020204030204" pitchFamily="49" charset="0"/>
-              </a:rPr>
-              <a:t> Person:</a:t>
-            </a:r>
-            <a:br>
-              <a:rPr lang="pt-BR" dirty="0"/>
-            </a:br>
-            <a:r>
-              <a:rPr lang="pt-BR" b="0" i="0" dirty="0">
-                <a:solidFill>
-                  <a:srgbClr val="000000"/>
-                </a:solidFill>
-                <a:effectLst/>
-                <a:latin typeface="Consolas" panose="020B0609020204030204" pitchFamily="49" charset="0"/>
-              </a:rPr>
-              <a:t>  </a:t>
-            </a:r>
-            <a:r>
-              <a:rPr lang="pt-BR" b="0" i="0" dirty="0" err="1">
-                <a:solidFill>
-                  <a:srgbClr val="0000CD"/>
-                </a:solidFill>
-                <a:effectLst/>
-                <a:latin typeface="Consolas" panose="020B0609020204030204" pitchFamily="49" charset="0"/>
-              </a:rPr>
-              <a:t>def</a:t>
-            </a:r>
-            <a:r>
-              <a:rPr lang="pt-BR" b="0" i="0" dirty="0">
-                <a:solidFill>
-                  <a:srgbClr val="000000"/>
-                </a:solidFill>
-                <a:effectLst/>
-                <a:latin typeface="Consolas" panose="020B0609020204030204" pitchFamily="49" charset="0"/>
-              </a:rPr>
-              <a:t> __</a:t>
-            </a:r>
-            <a:r>
-              <a:rPr lang="pt-BR" b="0" i="0" dirty="0" err="1">
-                <a:solidFill>
-                  <a:srgbClr val="000000"/>
-                </a:solidFill>
-                <a:effectLst/>
-                <a:latin typeface="Consolas" panose="020B0609020204030204" pitchFamily="49" charset="0"/>
-              </a:rPr>
-              <a:t>init</a:t>
-            </a:r>
-            <a:r>
-              <a:rPr lang="pt-BR" b="0" i="0" dirty="0">
-                <a:solidFill>
-                  <a:srgbClr val="000000"/>
-                </a:solidFill>
-                <a:effectLst/>
-                <a:latin typeface="Consolas" panose="020B0609020204030204" pitchFamily="49" charset="0"/>
-              </a:rPr>
-              <a:t>__(self, </a:t>
-            </a:r>
-            <a:r>
-              <a:rPr lang="pt-BR" b="0" i="0" dirty="0" err="1">
-                <a:solidFill>
-                  <a:srgbClr val="000000"/>
-                </a:solidFill>
-                <a:effectLst/>
-                <a:latin typeface="Consolas" panose="020B0609020204030204" pitchFamily="49" charset="0"/>
-              </a:rPr>
-              <a:t>fname</a:t>
-            </a:r>
-            <a:r>
-              <a:rPr lang="pt-BR" b="0" i="0" dirty="0">
-                <a:solidFill>
-                  <a:srgbClr val="000000"/>
-                </a:solidFill>
-                <a:effectLst/>
-                <a:latin typeface="Consolas" panose="020B0609020204030204" pitchFamily="49" charset="0"/>
-              </a:rPr>
-              <a:t>, </a:t>
-            </a:r>
-            <a:r>
-              <a:rPr lang="pt-BR" b="0" i="0" dirty="0" err="1">
-                <a:solidFill>
-                  <a:srgbClr val="000000"/>
-                </a:solidFill>
-                <a:effectLst/>
-                <a:latin typeface="Consolas" panose="020B0609020204030204" pitchFamily="49" charset="0"/>
-              </a:rPr>
-              <a:t>lname</a:t>
-            </a:r>
-            <a:r>
-              <a:rPr lang="pt-BR" b="0" i="0" dirty="0">
-                <a:solidFill>
-                  <a:srgbClr val="000000"/>
-                </a:solidFill>
-                <a:effectLst/>
-                <a:latin typeface="Consolas" panose="020B0609020204030204" pitchFamily="49" charset="0"/>
-              </a:rPr>
-              <a:t>):</a:t>
-            </a:r>
-            <a:br>
-              <a:rPr lang="pt-BR" dirty="0"/>
-            </a:br>
-            <a:r>
-              <a:rPr lang="pt-BR" b="0" i="0" dirty="0">
-                <a:solidFill>
-                  <a:srgbClr val="000000"/>
-                </a:solidFill>
-                <a:effectLst/>
-                <a:latin typeface="Consolas" panose="020B0609020204030204" pitchFamily="49" charset="0"/>
-              </a:rPr>
-              <a:t>    </a:t>
-            </a:r>
-            <a:r>
-              <a:rPr lang="pt-BR" b="0" i="0" dirty="0" err="1">
-                <a:solidFill>
-                  <a:srgbClr val="000000"/>
-                </a:solidFill>
-                <a:effectLst/>
-                <a:latin typeface="Consolas" panose="020B0609020204030204" pitchFamily="49" charset="0"/>
-              </a:rPr>
-              <a:t>self.firstname</a:t>
-            </a:r>
-            <a:r>
-              <a:rPr lang="pt-BR" b="0" i="0" dirty="0">
-                <a:solidFill>
-                  <a:srgbClr val="000000"/>
-                </a:solidFill>
-                <a:effectLst/>
-                <a:latin typeface="Consolas" panose="020B0609020204030204" pitchFamily="49" charset="0"/>
-              </a:rPr>
-              <a:t> = </a:t>
-            </a:r>
-            <a:r>
-              <a:rPr lang="pt-BR" b="0" i="0" dirty="0" err="1">
-                <a:solidFill>
-                  <a:srgbClr val="000000"/>
-                </a:solidFill>
-                <a:effectLst/>
-                <a:latin typeface="Consolas" panose="020B0609020204030204" pitchFamily="49" charset="0"/>
-              </a:rPr>
-              <a:t>fname</a:t>
-            </a:r>
-            <a:br>
-              <a:rPr lang="pt-BR" dirty="0"/>
-            </a:br>
-            <a:r>
-              <a:rPr lang="pt-BR" b="0" i="0" dirty="0">
-                <a:solidFill>
-                  <a:srgbClr val="000000"/>
-                </a:solidFill>
-                <a:effectLst/>
-                <a:latin typeface="Consolas" panose="020B0609020204030204" pitchFamily="49" charset="0"/>
-              </a:rPr>
-              <a:t>    </a:t>
-            </a:r>
-            <a:r>
-              <a:rPr lang="pt-BR" b="0" i="0" dirty="0" err="1">
-                <a:solidFill>
-                  <a:srgbClr val="000000"/>
-                </a:solidFill>
-                <a:effectLst/>
-                <a:latin typeface="Consolas" panose="020B0609020204030204" pitchFamily="49" charset="0"/>
-              </a:rPr>
-              <a:t>self.lastname</a:t>
-            </a:r>
-            <a:r>
-              <a:rPr lang="pt-BR" b="0" i="0" dirty="0">
-                <a:solidFill>
-                  <a:srgbClr val="000000"/>
-                </a:solidFill>
-                <a:effectLst/>
-                <a:latin typeface="Consolas" panose="020B0609020204030204" pitchFamily="49" charset="0"/>
-              </a:rPr>
-              <a:t> = </a:t>
-            </a:r>
-            <a:r>
-              <a:rPr lang="pt-BR" b="0" i="0" dirty="0" err="1">
-                <a:solidFill>
-                  <a:srgbClr val="000000"/>
-                </a:solidFill>
-                <a:effectLst/>
-                <a:latin typeface="Consolas" panose="020B0609020204030204" pitchFamily="49" charset="0"/>
-              </a:rPr>
-              <a:t>lname</a:t>
-            </a:r>
-            <a:br>
-              <a:rPr lang="pt-BR" dirty="0"/>
-            </a:br>
-            <a:br>
-              <a:rPr lang="pt-BR" dirty="0"/>
-            </a:br>
-            <a:r>
-              <a:rPr lang="pt-BR" b="0" i="0" dirty="0">
-                <a:solidFill>
-                  <a:srgbClr val="000000"/>
-                </a:solidFill>
-                <a:effectLst/>
-                <a:latin typeface="Consolas" panose="020B0609020204030204" pitchFamily="49" charset="0"/>
-              </a:rPr>
-              <a:t>  </a:t>
-            </a:r>
-            <a:r>
-              <a:rPr lang="pt-BR" b="0" i="0" dirty="0" err="1">
-                <a:solidFill>
-                  <a:srgbClr val="0000CD"/>
-                </a:solidFill>
-                <a:effectLst/>
-                <a:latin typeface="Consolas" panose="020B0609020204030204" pitchFamily="49" charset="0"/>
-              </a:rPr>
-              <a:t>def</a:t>
-            </a:r>
-            <a:r>
-              <a:rPr lang="pt-BR" b="0" i="0" dirty="0">
-                <a:solidFill>
-                  <a:srgbClr val="000000"/>
-                </a:solidFill>
-                <a:effectLst/>
-                <a:latin typeface="Consolas" panose="020B0609020204030204" pitchFamily="49" charset="0"/>
-              </a:rPr>
-              <a:t> </a:t>
-            </a:r>
-            <a:r>
-              <a:rPr lang="pt-BR" b="0" i="0" dirty="0" err="1">
-                <a:solidFill>
-                  <a:srgbClr val="000000"/>
-                </a:solidFill>
-                <a:effectLst/>
-                <a:latin typeface="Consolas" panose="020B0609020204030204" pitchFamily="49" charset="0"/>
-              </a:rPr>
-              <a:t>printname</a:t>
-            </a:r>
-            <a:r>
-              <a:rPr lang="pt-BR" b="0" i="0" dirty="0">
-                <a:solidFill>
-                  <a:srgbClr val="000000"/>
-                </a:solidFill>
-                <a:effectLst/>
-                <a:latin typeface="Consolas" panose="020B0609020204030204" pitchFamily="49" charset="0"/>
-              </a:rPr>
-              <a:t>(self):</a:t>
-            </a:r>
-            <a:br>
-              <a:rPr lang="pt-BR" dirty="0"/>
-            </a:br>
-            <a:r>
-              <a:rPr lang="pt-BR" b="0" i="0" dirty="0">
-                <a:solidFill>
-                  <a:srgbClr val="000000"/>
-                </a:solidFill>
-                <a:effectLst/>
-                <a:latin typeface="Consolas" panose="020B0609020204030204" pitchFamily="49" charset="0"/>
-              </a:rPr>
-              <a:t>    print(</a:t>
-            </a:r>
-            <a:r>
-              <a:rPr lang="pt-BR" b="0" i="0" dirty="0" err="1">
-                <a:solidFill>
-                  <a:srgbClr val="000000"/>
-                </a:solidFill>
-                <a:effectLst/>
-                <a:latin typeface="Consolas" panose="020B0609020204030204" pitchFamily="49" charset="0"/>
-              </a:rPr>
-              <a:t>self.firstname</a:t>
-            </a:r>
-            <a:r>
-              <a:rPr lang="pt-BR" b="0" i="0" dirty="0">
-                <a:solidFill>
-                  <a:srgbClr val="000000"/>
-                </a:solidFill>
-                <a:effectLst/>
-                <a:latin typeface="Consolas" panose="020B0609020204030204" pitchFamily="49" charset="0"/>
-              </a:rPr>
-              <a:t>, </a:t>
-            </a:r>
-            <a:r>
-              <a:rPr lang="pt-BR" b="0" i="0" dirty="0" err="1">
-                <a:solidFill>
-                  <a:srgbClr val="000000"/>
-                </a:solidFill>
-                <a:effectLst/>
-                <a:latin typeface="Consolas" panose="020B0609020204030204" pitchFamily="49" charset="0"/>
-              </a:rPr>
-              <a:t>self.lastname</a:t>
-            </a:r>
-            <a:r>
-              <a:rPr lang="pt-BR" b="0" i="0" dirty="0">
-                <a:solidFill>
-                  <a:srgbClr val="000000"/>
-                </a:solidFill>
-                <a:effectLst/>
-                <a:latin typeface="Consolas" panose="020B0609020204030204" pitchFamily="49" charset="0"/>
-              </a:rPr>
-              <a:t>)</a:t>
-            </a:r>
-            <a:br>
-              <a:rPr lang="pt-BR" dirty="0"/>
-            </a:br>
-            <a:br>
-              <a:rPr lang="pt-BR" dirty="0"/>
-            </a:br>
-            <a:r>
-              <a:rPr lang="pt-BR" b="0" i="0" dirty="0">
-                <a:solidFill>
-                  <a:srgbClr val="008000"/>
-                </a:solidFill>
-                <a:effectLst/>
-                <a:latin typeface="Consolas" panose="020B0609020204030204" pitchFamily="49" charset="0"/>
-              </a:rPr>
-              <a:t>#Use </a:t>
-            </a:r>
-            <a:r>
-              <a:rPr lang="pt-BR" b="0" i="0" dirty="0" err="1">
-                <a:solidFill>
-                  <a:srgbClr val="008000"/>
-                </a:solidFill>
-                <a:effectLst/>
-                <a:latin typeface="Consolas" panose="020B0609020204030204" pitchFamily="49" charset="0"/>
-              </a:rPr>
-              <a:t>the</a:t>
-            </a:r>
-            <a:r>
-              <a:rPr lang="pt-BR" b="0" i="0" dirty="0">
-                <a:solidFill>
-                  <a:srgbClr val="008000"/>
-                </a:solidFill>
-                <a:effectLst/>
-                <a:latin typeface="Consolas" panose="020B0609020204030204" pitchFamily="49" charset="0"/>
-              </a:rPr>
-              <a:t> Person </a:t>
-            </a:r>
-            <a:r>
-              <a:rPr lang="pt-BR" b="0" i="0" dirty="0" err="1">
-                <a:solidFill>
-                  <a:srgbClr val="008000"/>
-                </a:solidFill>
-                <a:effectLst/>
-                <a:latin typeface="Consolas" panose="020B0609020204030204" pitchFamily="49" charset="0"/>
-              </a:rPr>
-              <a:t>class</a:t>
-            </a:r>
-            <a:r>
-              <a:rPr lang="pt-BR" b="0" i="0" dirty="0">
-                <a:solidFill>
-                  <a:srgbClr val="008000"/>
-                </a:solidFill>
-                <a:effectLst/>
-                <a:latin typeface="Consolas" panose="020B0609020204030204" pitchFamily="49" charset="0"/>
-              </a:rPr>
-              <a:t> </a:t>
-            </a:r>
-            <a:r>
-              <a:rPr lang="pt-BR" b="0" i="0" dirty="0" err="1">
-                <a:solidFill>
-                  <a:srgbClr val="008000"/>
-                </a:solidFill>
-                <a:effectLst/>
-                <a:latin typeface="Consolas" panose="020B0609020204030204" pitchFamily="49" charset="0"/>
-              </a:rPr>
-              <a:t>to</a:t>
-            </a:r>
-            <a:r>
-              <a:rPr lang="pt-BR" b="0" i="0" dirty="0">
-                <a:solidFill>
-                  <a:srgbClr val="008000"/>
-                </a:solidFill>
-                <a:effectLst/>
-                <a:latin typeface="Consolas" panose="020B0609020204030204" pitchFamily="49" charset="0"/>
-              </a:rPr>
-              <a:t> </a:t>
-            </a:r>
-            <a:r>
-              <a:rPr lang="pt-BR" b="0" i="0" dirty="0" err="1">
-                <a:solidFill>
-                  <a:srgbClr val="008000"/>
-                </a:solidFill>
-                <a:effectLst/>
-                <a:latin typeface="Consolas" panose="020B0609020204030204" pitchFamily="49" charset="0"/>
-              </a:rPr>
-              <a:t>create</a:t>
-            </a:r>
-            <a:r>
-              <a:rPr lang="pt-BR" b="0" i="0" dirty="0">
-                <a:solidFill>
-                  <a:srgbClr val="008000"/>
-                </a:solidFill>
-                <a:effectLst/>
-                <a:latin typeface="Consolas" panose="020B0609020204030204" pitchFamily="49" charset="0"/>
-              </a:rPr>
-              <a:t> </a:t>
-            </a:r>
-            <a:r>
-              <a:rPr lang="pt-BR" b="0" i="0" dirty="0" err="1">
-                <a:solidFill>
-                  <a:srgbClr val="008000"/>
-                </a:solidFill>
-                <a:effectLst/>
-                <a:latin typeface="Consolas" panose="020B0609020204030204" pitchFamily="49" charset="0"/>
-              </a:rPr>
-              <a:t>an</a:t>
-            </a:r>
-            <a:r>
-              <a:rPr lang="pt-BR" b="0" i="0" dirty="0">
-                <a:solidFill>
-                  <a:srgbClr val="008000"/>
-                </a:solidFill>
-                <a:effectLst/>
-                <a:latin typeface="Consolas" panose="020B0609020204030204" pitchFamily="49" charset="0"/>
-              </a:rPr>
-              <a:t> </a:t>
-            </a:r>
-            <a:r>
-              <a:rPr lang="pt-BR" b="0" i="0" dirty="0" err="1">
-                <a:solidFill>
-                  <a:srgbClr val="008000"/>
-                </a:solidFill>
-                <a:effectLst/>
-                <a:latin typeface="Consolas" panose="020B0609020204030204" pitchFamily="49" charset="0"/>
-              </a:rPr>
-              <a:t>object</a:t>
-            </a:r>
-            <a:r>
-              <a:rPr lang="pt-BR" b="0" i="0" dirty="0">
-                <a:solidFill>
-                  <a:srgbClr val="008000"/>
-                </a:solidFill>
-                <a:effectLst/>
-                <a:latin typeface="Consolas" panose="020B0609020204030204" pitchFamily="49" charset="0"/>
-              </a:rPr>
-              <a:t>, </a:t>
-            </a:r>
-            <a:r>
-              <a:rPr lang="pt-BR" b="0" i="0" dirty="0" err="1">
-                <a:solidFill>
-                  <a:srgbClr val="008000"/>
-                </a:solidFill>
-                <a:effectLst/>
-                <a:latin typeface="Consolas" panose="020B0609020204030204" pitchFamily="49" charset="0"/>
-              </a:rPr>
-              <a:t>and</a:t>
-            </a:r>
-            <a:r>
-              <a:rPr lang="pt-BR" b="0" i="0" dirty="0">
-                <a:solidFill>
-                  <a:srgbClr val="008000"/>
-                </a:solidFill>
-                <a:effectLst/>
-                <a:latin typeface="Consolas" panose="020B0609020204030204" pitchFamily="49" charset="0"/>
-              </a:rPr>
-              <a:t> </a:t>
-            </a:r>
-            <a:r>
-              <a:rPr lang="pt-BR" b="0" i="0" dirty="0" err="1">
-                <a:solidFill>
-                  <a:srgbClr val="008000"/>
-                </a:solidFill>
-                <a:effectLst/>
-                <a:latin typeface="Consolas" panose="020B0609020204030204" pitchFamily="49" charset="0"/>
-              </a:rPr>
-              <a:t>then</a:t>
-            </a:r>
-            <a:r>
-              <a:rPr lang="pt-BR" b="0" i="0" dirty="0">
-                <a:solidFill>
-                  <a:srgbClr val="008000"/>
-                </a:solidFill>
-                <a:effectLst/>
-                <a:latin typeface="Consolas" panose="020B0609020204030204" pitchFamily="49" charset="0"/>
-              </a:rPr>
-              <a:t> execute </a:t>
-            </a:r>
-            <a:r>
-              <a:rPr lang="pt-BR" b="0" i="0" dirty="0" err="1">
-                <a:solidFill>
-                  <a:srgbClr val="008000"/>
-                </a:solidFill>
-                <a:effectLst/>
-                <a:latin typeface="Consolas" panose="020B0609020204030204" pitchFamily="49" charset="0"/>
-              </a:rPr>
-              <a:t>the</a:t>
-            </a:r>
-            <a:r>
-              <a:rPr lang="pt-BR" b="0" i="0" dirty="0">
-                <a:solidFill>
-                  <a:srgbClr val="008000"/>
-                </a:solidFill>
-                <a:effectLst/>
-                <a:latin typeface="Consolas" panose="020B0609020204030204" pitchFamily="49" charset="0"/>
-              </a:rPr>
-              <a:t> </a:t>
-            </a:r>
-            <a:r>
-              <a:rPr lang="pt-BR" b="0" i="0" dirty="0" err="1">
-                <a:solidFill>
-                  <a:srgbClr val="008000"/>
-                </a:solidFill>
-                <a:effectLst/>
-                <a:latin typeface="Consolas" panose="020B0609020204030204" pitchFamily="49" charset="0"/>
-              </a:rPr>
-              <a:t>printname</a:t>
-            </a:r>
-            <a:r>
-              <a:rPr lang="pt-BR" b="0" i="0" dirty="0">
-                <a:solidFill>
-                  <a:srgbClr val="008000"/>
-                </a:solidFill>
-                <a:effectLst/>
-                <a:latin typeface="Consolas" panose="020B0609020204030204" pitchFamily="49" charset="0"/>
-              </a:rPr>
-              <a:t> </a:t>
-            </a:r>
-            <a:r>
-              <a:rPr lang="pt-BR" b="0" i="0" dirty="0" err="1">
-                <a:solidFill>
-                  <a:srgbClr val="008000"/>
-                </a:solidFill>
-                <a:effectLst/>
-                <a:latin typeface="Consolas" panose="020B0609020204030204" pitchFamily="49" charset="0"/>
-              </a:rPr>
-              <a:t>method</a:t>
-            </a:r>
-            <a:r>
-              <a:rPr lang="pt-BR" b="0" i="0" dirty="0">
-                <a:solidFill>
-                  <a:srgbClr val="008000"/>
-                </a:solidFill>
-                <a:effectLst/>
-                <a:latin typeface="Consolas" panose="020B0609020204030204" pitchFamily="49" charset="0"/>
-              </a:rPr>
-              <a:t>:</a:t>
-            </a:r>
-            <a:br>
-              <a:rPr lang="pt-BR" b="0" i="0" dirty="0">
-                <a:solidFill>
-                  <a:srgbClr val="008000"/>
-                </a:solidFill>
-                <a:effectLst/>
-                <a:latin typeface="Consolas" panose="020B0609020204030204" pitchFamily="49" charset="0"/>
-              </a:rPr>
-            </a:br>
-            <a:br>
-              <a:rPr lang="pt-BR" dirty="0"/>
-            </a:br>
-            <a:r>
-              <a:rPr lang="pt-BR" b="0" i="0" dirty="0">
-                <a:solidFill>
-                  <a:srgbClr val="000000"/>
-                </a:solidFill>
-                <a:effectLst/>
-                <a:latin typeface="Consolas" panose="020B0609020204030204" pitchFamily="49" charset="0"/>
-              </a:rPr>
-              <a:t>x = Person(</a:t>
-            </a:r>
-            <a:r>
-              <a:rPr lang="pt-BR" b="0" i="0" dirty="0">
-                <a:solidFill>
-                  <a:srgbClr val="A52A2A"/>
-                </a:solidFill>
-                <a:effectLst/>
-                <a:latin typeface="Consolas" panose="020B0609020204030204" pitchFamily="49" charset="0"/>
-              </a:rPr>
-              <a:t>"John"</a:t>
-            </a:r>
-            <a:r>
-              <a:rPr lang="pt-BR" b="0" i="0" dirty="0">
-                <a:solidFill>
-                  <a:srgbClr val="000000"/>
-                </a:solidFill>
-                <a:effectLst/>
-                <a:latin typeface="Consolas" panose="020B0609020204030204" pitchFamily="49" charset="0"/>
-              </a:rPr>
-              <a:t>, </a:t>
-            </a:r>
-            <a:r>
-              <a:rPr lang="pt-BR" b="0" i="0" dirty="0">
-                <a:solidFill>
-                  <a:srgbClr val="A52A2A"/>
-                </a:solidFill>
-                <a:effectLst/>
-                <a:latin typeface="Consolas" panose="020B0609020204030204" pitchFamily="49" charset="0"/>
-              </a:rPr>
-              <a:t>"Doe"</a:t>
-            </a:r>
-            <a:r>
-              <a:rPr lang="pt-BR" b="0" i="0" dirty="0">
-                <a:solidFill>
-                  <a:srgbClr val="000000"/>
-                </a:solidFill>
-                <a:effectLst/>
-                <a:latin typeface="Consolas" panose="020B0609020204030204" pitchFamily="49" charset="0"/>
-              </a:rPr>
-              <a:t>)</a:t>
-            </a:r>
-            <a:br>
-              <a:rPr lang="pt-BR" dirty="0"/>
-            </a:br>
-            <a:r>
-              <a:rPr lang="pt-BR" b="0" i="0" dirty="0" err="1">
-                <a:solidFill>
-                  <a:srgbClr val="000000"/>
-                </a:solidFill>
-                <a:effectLst/>
-                <a:latin typeface="Consolas" panose="020B0609020204030204" pitchFamily="49" charset="0"/>
-              </a:rPr>
-              <a:t>x.printname</a:t>
-            </a:r>
-            <a:r>
-              <a:rPr lang="pt-BR" b="0" i="0" dirty="0">
-                <a:solidFill>
-                  <a:srgbClr val="000000"/>
-                </a:solidFill>
-                <a:effectLst/>
-                <a:latin typeface="Consolas" panose="020B0609020204030204" pitchFamily="49" charset="0"/>
-              </a:rPr>
-              <a:t>()</a:t>
-            </a:r>
+            <a:r>
+              <a:rPr lang="pt-BR" dirty="0" err="1"/>
+              <a:t>funcionario</a:t>
+            </a:r>
+            <a:r>
+              <a:rPr lang="pt-BR" dirty="0"/>
+              <a:t>=</a:t>
+            </a:r>
+            <a:r>
+              <a:rPr lang="pt-BR" dirty="0" err="1"/>
+              <a:t>Funcionario</a:t>
+            </a:r>
+            <a:r>
+              <a:rPr lang="pt-BR" dirty="0"/>
+              <a:t>('Ana','35123','ribeira')</a:t>
+            </a:r>
+          </a:p>
+          <a:p>
+            <a:pPr marL="0" indent="0">
+              <a:buNone/>
+            </a:pPr>
+            <a:r>
+              <a:rPr lang="pt-BR" dirty="0" err="1"/>
+              <a:t>funcionario</a:t>
+            </a:r>
+            <a:r>
+              <a:rPr lang="pt-BR" dirty="0"/>
+              <a:t>=</a:t>
+            </a:r>
+            <a:r>
+              <a:rPr lang="pt-BR" dirty="0" err="1"/>
+              <a:t>Funcionario</a:t>
+            </a:r>
+            <a:r>
+              <a:rPr lang="pt-BR" dirty="0"/>
+              <a:t>('Ana Maria','231123','barbalho')</a:t>
+            </a:r>
+          </a:p>
+          <a:p>
             <a:endParaRPr lang="pt-BR" dirty="0"/>
           </a:p>
         </p:txBody>
@@ -12994,7 +12786,7 @@
     </p:spTree>
     <p:extLst>
       <p:ext uri="{BB962C8B-B14F-4D97-AF65-F5344CB8AC3E}">
-        <p14:creationId xmlns:p14="http://schemas.microsoft.com/office/powerpoint/2010/main" val="3471370652"/>
+        <p14:creationId xmlns:p14="http://schemas.microsoft.com/office/powerpoint/2010/main" val="3580118627"/>
       </p:ext>
     </p:extLst>
   </p:cSld>
@@ -13026,7 +12818,7 @@
           <p:cNvPr id="2" name="Título 1">
             <a:extLst>
               <a:ext uri="{FF2B5EF4-FFF2-40B4-BE49-F238E27FC236}">
-                <a16:creationId xmlns:a16="http://schemas.microsoft.com/office/drawing/2014/main" id="{7702D62B-68C1-D3D5-4F66-CCF2C561E115}"/>
+                <a16:creationId xmlns:a16="http://schemas.microsoft.com/office/drawing/2014/main" id="{434F4A99-44FF-B305-0958-8DFB91A92D02}"/>
               </a:ext>
             </a:extLst>
           </p:cNvPr>
@@ -13042,26 +12834,7 @@
           <a:bodyPr/>
           <a:lstStyle/>
           <a:p>
-            <a:r>
-              <a:rPr lang="pt-BR" b="0" i="0" dirty="0">
-                <a:solidFill>
-                  <a:srgbClr val="000000"/>
-                </a:solidFill>
-                <a:effectLst/>
-                <a:latin typeface="Segoe UI" panose="020B0502040204020203" pitchFamily="34" charset="0"/>
-              </a:rPr>
-              <a:t>Criar uma classe filho</a:t>
-            </a:r>
-            <a:br>
-              <a:rPr lang="pt-BR" b="0" i="0" dirty="0">
-                <a:solidFill>
-                  <a:srgbClr val="000000"/>
-                </a:solidFill>
-                <a:effectLst/>
-                <a:latin typeface="Segoe UI" panose="020B0502040204020203" pitchFamily="34" charset="0"/>
-              </a:rPr>
-            </a:br>
-            <a:endParaRPr lang="pt-BR" dirty="0"/>
+            <a:endParaRPr lang="pt-BR"/>
           </a:p>
         </p:txBody>
       </p:sp>
@@ -13070,7 +12843,7 @@
           <p:cNvPr id="3" name="Espaço Reservado para Conteúdo 2">
             <a:extLst>
               <a:ext uri="{FF2B5EF4-FFF2-40B4-BE49-F238E27FC236}">
-                <a16:creationId xmlns:a16="http://schemas.microsoft.com/office/drawing/2014/main" id="{5ECEFFFC-71D0-AA9E-6DA8-8C09E1350CD0}"/>
+                <a16:creationId xmlns:a16="http://schemas.microsoft.com/office/drawing/2014/main" id="{91DFFEB8-A835-376F-31AE-0F01A8FE2C40}"/>
               </a:ext>
             </a:extLst>
           </p:cNvPr>
@@ -13086,44 +12859,43 @@
           <a:bodyPr/>
           <a:lstStyle/>
           <a:p>
-            <a:r>
-              <a:rPr lang="pt-BR" b="0" i="0" dirty="0">
-                <a:solidFill>
-                  <a:srgbClr val="000000"/>
-                </a:solidFill>
-                <a:effectLst/>
-                <a:latin typeface="Verdana" panose="020B0604030504040204" pitchFamily="34" charset="0"/>
-              </a:rPr>
-              <a:t>Para criar uma classe que herda a funcionalidade de outra classe, envie a classe pai como um parâmetro ao criar o filho .</a:t>
-            </a:r>
-            <a:r>
-              <a:rPr lang="pt-BR" b="0" i="0" dirty="0" err="1">
-                <a:solidFill>
-                  <a:srgbClr val="000000"/>
-                </a:solidFill>
-                <a:effectLst/>
-                <a:latin typeface="Verdana" panose="020B0604030504040204" pitchFamily="34" charset="0"/>
-              </a:rPr>
-              <a:t>class</a:t>
-            </a:r>
-            <a:r>
-              <a:rPr lang="pt-BR" b="0" i="0" dirty="0">
-                <a:solidFill>
-                  <a:srgbClr val="000000"/>
-                </a:solidFill>
-                <a:effectLst/>
-                <a:latin typeface="Verdana" panose="020B0604030504040204" pitchFamily="34" charset="0"/>
-              </a:rPr>
-              <a:t>:</a:t>
-            </a:r>
-            <a:endParaRPr lang="pt-BR" dirty="0"/>
-          </a:p>
-        </p:txBody>
-      </p:sp>
+            <a:endParaRPr lang="pt-BR"/>
+          </a:p>
+        </p:txBody>
+      </p:sp>
+      <p:pic>
+        <p:nvPicPr>
+          <p:cNvPr id="5" name="Imagem 4">
+            <a:extLst>
+              <a:ext uri="{FF2B5EF4-FFF2-40B4-BE49-F238E27FC236}">
+                <a16:creationId xmlns:a16="http://schemas.microsoft.com/office/drawing/2014/main" id="{F7FEB6BF-3076-F94D-05A4-8E5F7D1985F5}"/>
+              </a:ext>
+            </a:extLst>
+          </p:cNvPr>
+          <p:cNvPicPr>
+            <a:picLocks noChangeAspect="1"/>
+          </p:cNvPicPr>
+          <p:nvPr/>
+        </p:nvPicPr>
+        <p:blipFill rotWithShape="1">
+          <a:blip r:embed="rId2"/>
+          <a:srcRect l="21957" t="19115" r="43587" b="45312"/>
+          <a:stretch/>
+        </p:blipFill>
+        <p:spPr>
+          <a:xfrm>
+            <a:off x="583095" y="198783"/>
+            <a:ext cx="10986053" cy="6376763"/>
+          </a:xfrm>
+          <a:prstGeom prst="rect">
+            <a:avLst/>
+          </a:prstGeom>
+        </p:spPr>
+      </p:pic>
     </p:spTree>
     <p:extLst>
       <p:ext uri="{BB962C8B-B14F-4D97-AF65-F5344CB8AC3E}">
-        <p14:creationId xmlns:p14="http://schemas.microsoft.com/office/powerpoint/2010/main" val="4257567183"/>
+        <p14:creationId xmlns:p14="http://schemas.microsoft.com/office/powerpoint/2010/main" val="2850867679"/>
       </p:ext>
     </p:extLst>
   </p:cSld>
@@ -13155,7 +12927,7 @@
           <p:cNvPr id="2" name="Título 1">
             <a:extLst>
               <a:ext uri="{FF2B5EF4-FFF2-40B4-BE49-F238E27FC236}">
-                <a16:creationId xmlns:a16="http://schemas.microsoft.com/office/drawing/2014/main" id="{328386D5-AC20-A525-F35C-FDF47477B8AE}"/>
+                <a16:creationId xmlns:a16="http://schemas.microsoft.com/office/drawing/2014/main" id="{FE26FA09-E712-2A18-7ABD-E3ECD124ED70}"/>
               </a:ext>
             </a:extLst>
           </p:cNvPr>
@@ -13172,560 +12944,231 @@
           <a:lstStyle/>
           <a:p>
             <a:r>
-              <a:rPr lang="pt-BR" b="0" i="0" dirty="0">
-                <a:solidFill>
-                  <a:srgbClr val="000000"/>
-                </a:solidFill>
-                <a:effectLst/>
-                <a:latin typeface="Segoe UI" panose="020B0502040204020203" pitchFamily="34" charset="0"/>
-              </a:rPr>
-              <a:t>Criar uma classe filho</a:t>
-            </a:r>
+              <a:rPr lang="pt-BR" dirty="0"/>
+              <a:t>Exemplo:</a:t>
+            </a:r>
+          </a:p>
+        </p:txBody>
+      </p:sp>
+      <p:sp>
+        <p:nvSpPr>
+          <p:cNvPr id="3" name="Espaço Reservado para Conteúdo 2">
+            <a:extLst>
+              <a:ext uri="{FF2B5EF4-FFF2-40B4-BE49-F238E27FC236}">
+                <a16:creationId xmlns:a16="http://schemas.microsoft.com/office/drawing/2014/main" id="{B41611C3-30D1-013B-B91B-1854CEC402C9}"/>
+              </a:ext>
+            </a:extLst>
+          </p:cNvPr>
+          <p:cNvSpPr>
+            <a:spLocks noGrp="1"/>
+          </p:cNvSpPr>
+          <p:nvPr>
+            <p:ph idx="1"/>
+          </p:nvPr>
+        </p:nvSpPr>
+        <p:spPr/>
+        <p:txBody>
+          <a:bodyPr>
+            <a:normAutofit fontScale="85000" lnSpcReduction="20000"/>
+          </a:bodyPr>
+          <a:lstStyle/>
+          <a:p>
+            <a:pPr marL="0" indent="0">
+              <a:buNone/>
+            </a:pPr>
+            <a:r>
+              <a:rPr lang="pt-BR" dirty="0" err="1"/>
+              <a:t>class</a:t>
+            </a:r>
+            <a:r>
+              <a:rPr lang="pt-BR" dirty="0"/>
+              <a:t> Person:</a:t>
+            </a:r>
+          </a:p>
+          <a:p>
+            <a:pPr marL="0" indent="0">
+              <a:buNone/>
+            </a:pPr>
+            <a:r>
+              <a:rPr lang="pt-BR" dirty="0"/>
+              <a:t>  </a:t>
+            </a:r>
+            <a:r>
+              <a:rPr lang="pt-BR" dirty="0" err="1"/>
+              <a:t>def</a:t>
+            </a:r>
+            <a:r>
+              <a:rPr lang="pt-BR" dirty="0"/>
+              <a:t> __</a:t>
+            </a:r>
+            <a:r>
+              <a:rPr lang="pt-BR" dirty="0" err="1"/>
+              <a:t>init</a:t>
+            </a:r>
+            <a:r>
+              <a:rPr lang="pt-BR" dirty="0"/>
+              <a:t>__(self, </a:t>
+            </a:r>
+            <a:r>
+              <a:rPr lang="pt-BR" dirty="0" err="1"/>
+              <a:t>fname</a:t>
+            </a:r>
+            <a:r>
+              <a:rPr lang="pt-BR" dirty="0"/>
+              <a:t>, </a:t>
+            </a:r>
+            <a:r>
+              <a:rPr lang="pt-BR" dirty="0" err="1"/>
+              <a:t>lname</a:t>
+            </a:r>
+            <a:r>
+              <a:rPr lang="pt-BR" dirty="0"/>
+              <a:t>):</a:t>
+            </a:r>
+          </a:p>
+          <a:p>
+            <a:pPr marL="0" indent="0">
+              <a:buNone/>
+            </a:pPr>
+            <a:r>
+              <a:rPr lang="pt-BR" dirty="0"/>
+              <a:t>    </a:t>
+            </a:r>
+            <a:r>
+              <a:rPr lang="pt-BR" dirty="0" err="1"/>
+              <a:t>self.fname</a:t>
+            </a:r>
+            <a:r>
+              <a:rPr lang="pt-BR" dirty="0"/>
+              <a:t> = </a:t>
+            </a:r>
+            <a:r>
+              <a:rPr lang="pt-BR" dirty="0" err="1"/>
+              <a:t>fname</a:t>
+            </a:r>
+            <a:endParaRPr lang="pt-BR" dirty="0"/>
+          </a:p>
+          <a:p>
+            <a:pPr marL="0" indent="0">
+              <a:buNone/>
+            </a:pPr>
+            <a:r>
+              <a:rPr lang="pt-BR" dirty="0"/>
+              <a:t>    </a:t>
+            </a:r>
+            <a:r>
+              <a:rPr lang="pt-BR" dirty="0" err="1"/>
+              <a:t>self.lname</a:t>
+            </a:r>
+            <a:r>
+              <a:rPr lang="pt-BR" dirty="0"/>
+              <a:t> = </a:t>
+            </a:r>
+            <a:r>
+              <a:rPr lang="pt-BR" dirty="0" err="1"/>
+              <a:t>lname</a:t>
+            </a:r>
+            <a:endParaRPr lang="pt-BR" dirty="0"/>
+          </a:p>
+          <a:p>
+            <a:pPr marL="0" indent="0">
+              <a:buNone/>
+            </a:pPr>
             <a:br>
-              <a:rPr lang="pt-BR" b="0" i="0" dirty="0">
-                <a:solidFill>
-                  <a:srgbClr val="000000"/>
-                </a:solidFill>
-                <a:effectLst/>
-                <a:latin typeface="Segoe UI" panose="020B0502040204020203" pitchFamily="34" charset="0"/>
-              </a:rPr>
+              <a:rPr lang="pt-BR" dirty="0"/>
             </a:br>
-            <a:endParaRPr lang="pt-BR" dirty="0"/>
-          </a:p>
-        </p:txBody>
-      </p:sp>
-      <p:sp>
-        <p:nvSpPr>
-          <p:cNvPr id="3" name="Espaço Reservado para Conteúdo 2">
-            <a:extLst>
-              <a:ext uri="{FF2B5EF4-FFF2-40B4-BE49-F238E27FC236}">
-                <a16:creationId xmlns:a16="http://schemas.microsoft.com/office/drawing/2014/main" id="{8DB34A99-3008-2D0E-9CCD-C88DAC270991}"/>
-              </a:ext>
-            </a:extLst>
-          </p:cNvPr>
-          <p:cNvSpPr>
-            <a:spLocks noGrp="1"/>
-          </p:cNvSpPr>
-          <p:nvPr>
-            <p:ph idx="1"/>
-          </p:nvPr>
-        </p:nvSpPr>
-        <p:spPr/>
-        <p:txBody>
-          <a:bodyPr>
-            <a:normAutofit fontScale="92500"/>
-          </a:bodyPr>
-          <a:lstStyle/>
-          <a:p>
-            <a:pPr marL="0" indent="0">
-              <a:buNone/>
-            </a:pPr>
-            <a:r>
-              <a:rPr lang="en-US" b="0" i="0" dirty="0">
-                <a:solidFill>
-                  <a:srgbClr val="0000CD"/>
-                </a:solidFill>
-                <a:effectLst/>
-                <a:latin typeface="Consolas" panose="020B0609020204030204" pitchFamily="49" charset="0"/>
-              </a:rPr>
-              <a:t>class</a:t>
-            </a:r>
-            <a:r>
-              <a:rPr lang="en-US" b="0" i="0" dirty="0">
-                <a:solidFill>
-                  <a:srgbClr val="000000"/>
-                </a:solidFill>
-                <a:effectLst/>
-                <a:latin typeface="Consolas" panose="020B0609020204030204" pitchFamily="49" charset="0"/>
-              </a:rPr>
-              <a:t> Student(Person):</a:t>
-            </a:r>
+            <a:r>
+              <a:rPr lang="pt-BR" dirty="0"/>
+              <a:t>  </a:t>
+            </a:r>
+            <a:r>
+              <a:rPr lang="pt-BR" dirty="0" err="1"/>
+              <a:t>def</a:t>
+            </a:r>
+            <a:r>
+              <a:rPr lang="pt-BR" dirty="0"/>
+              <a:t> </a:t>
+            </a:r>
+            <a:r>
+              <a:rPr lang="pt-BR" dirty="0" err="1"/>
+              <a:t>printname</a:t>
+            </a:r>
+            <a:r>
+              <a:rPr lang="pt-BR" dirty="0"/>
+              <a:t>(self):</a:t>
+            </a:r>
+          </a:p>
+          <a:p>
+            <a:pPr marL="0" indent="0">
+              <a:buNone/>
+            </a:pPr>
+            <a:r>
+              <a:rPr lang="pt-BR" dirty="0"/>
+              <a:t>    </a:t>
+            </a:r>
+            <a:r>
+              <a:rPr lang="pt-BR" dirty="0" err="1"/>
+              <a:t>return</a:t>
+            </a:r>
+            <a:r>
+              <a:rPr lang="pt-BR" dirty="0"/>
+              <a:t> print(</a:t>
+            </a:r>
+            <a:r>
+              <a:rPr lang="pt-BR" dirty="0" err="1"/>
+              <a:t>self.fname</a:t>
+            </a:r>
+            <a:r>
+              <a:rPr lang="pt-BR" dirty="0"/>
+              <a:t>, </a:t>
+            </a:r>
+            <a:r>
+              <a:rPr lang="pt-BR" dirty="0" err="1"/>
+              <a:t>self.lname</a:t>
+            </a:r>
+            <a:r>
+              <a:rPr lang="pt-BR" dirty="0"/>
+              <a:t>)</a:t>
+            </a:r>
+          </a:p>
+          <a:p>
+            <a:pPr marL="0" indent="0">
+              <a:buNone/>
+            </a:pPr>
             <a:br>
-              <a:rPr lang="en-US" dirty="0"/>
+              <a:rPr lang="pt-BR" dirty="0"/>
             </a:br>
             <a:r>
-              <a:rPr lang="en-US" b="0" i="0" dirty="0">
-                <a:solidFill>
-                  <a:srgbClr val="000000"/>
-                </a:solidFill>
-                <a:effectLst/>
-                <a:latin typeface="Consolas" panose="020B0609020204030204" pitchFamily="49" charset="0"/>
-              </a:rPr>
-              <a:t>  </a:t>
-            </a:r>
-            <a:r>
-              <a:rPr lang="en-US" b="0" i="0" dirty="0">
-                <a:solidFill>
-                  <a:srgbClr val="0000CD"/>
-                </a:solidFill>
-                <a:effectLst/>
-                <a:latin typeface="Consolas" panose="020B0609020204030204" pitchFamily="49" charset="0"/>
-              </a:rPr>
-              <a:t>def</a:t>
-            </a:r>
-            <a:r>
-              <a:rPr lang="en-US" b="0" i="0" dirty="0">
-                <a:solidFill>
-                  <a:srgbClr val="000000"/>
-                </a:solidFill>
-                <a:effectLst/>
-                <a:latin typeface="Consolas" panose="020B0609020204030204" pitchFamily="49" charset="0"/>
-              </a:rPr>
-              <a:t> __</a:t>
-            </a:r>
-            <a:r>
-              <a:rPr lang="en-US" b="0" i="0" dirty="0" err="1">
-                <a:solidFill>
-                  <a:srgbClr val="000000"/>
-                </a:solidFill>
-                <a:effectLst/>
-                <a:latin typeface="Consolas" panose="020B0609020204030204" pitchFamily="49" charset="0"/>
-              </a:rPr>
-              <a:t>init</a:t>
-            </a:r>
-            <a:r>
-              <a:rPr lang="en-US" b="0" i="0" dirty="0">
-                <a:solidFill>
-                  <a:srgbClr val="000000"/>
-                </a:solidFill>
-                <a:effectLst/>
-                <a:latin typeface="Consolas" panose="020B0609020204030204" pitchFamily="49" charset="0"/>
-              </a:rPr>
-              <a:t>__(self, </a:t>
-            </a:r>
-            <a:r>
-              <a:rPr lang="en-US" b="0" i="0" dirty="0" err="1">
-                <a:solidFill>
-                  <a:srgbClr val="000000"/>
-                </a:solidFill>
-                <a:effectLst/>
-                <a:latin typeface="Consolas" panose="020B0609020204030204" pitchFamily="49" charset="0"/>
-              </a:rPr>
-              <a:t>fname</a:t>
-            </a:r>
-            <a:r>
-              <a:rPr lang="en-US" b="0" i="0" dirty="0">
-                <a:solidFill>
-                  <a:srgbClr val="000000"/>
-                </a:solidFill>
-                <a:effectLst/>
-                <a:latin typeface="Consolas" panose="020B0609020204030204" pitchFamily="49" charset="0"/>
-              </a:rPr>
-              <a:t>, </a:t>
-            </a:r>
-            <a:r>
-              <a:rPr lang="en-US" b="0" i="0" dirty="0" err="1">
-                <a:solidFill>
-                  <a:srgbClr val="000000"/>
-                </a:solidFill>
-                <a:effectLst/>
-                <a:latin typeface="Consolas" panose="020B0609020204030204" pitchFamily="49" charset="0"/>
-              </a:rPr>
-              <a:t>lname</a:t>
-            </a:r>
-            <a:r>
-              <a:rPr lang="en-US" b="0" i="0" dirty="0">
-                <a:solidFill>
-                  <a:srgbClr val="000000"/>
-                </a:solidFill>
-                <a:effectLst/>
-                <a:latin typeface="Consolas" panose="020B0609020204030204" pitchFamily="49" charset="0"/>
-              </a:rPr>
-              <a:t>):</a:t>
-            </a:r>
+              <a:rPr lang="pt-BR" dirty="0"/>
+              <a:t>#Use a classe Person para criar um objeto e depois imprimir.</a:t>
+            </a:r>
+          </a:p>
+          <a:p>
+            <a:pPr marL="0" indent="0">
+              <a:buNone/>
+            </a:pPr>
             <a:br>
-              <a:rPr lang="en-US" dirty="0"/>
+              <a:rPr lang="pt-BR" dirty="0"/>
             </a:br>
             <a:r>
-              <a:rPr lang="en-US" b="0" i="0" dirty="0">
-                <a:solidFill>
-                  <a:srgbClr val="000000"/>
-                </a:solidFill>
-                <a:effectLst/>
-                <a:latin typeface="Consolas" panose="020B0609020204030204" pitchFamily="49" charset="0"/>
-              </a:rPr>
-              <a:t>    Person.__</a:t>
-            </a:r>
-            <a:r>
-              <a:rPr lang="en-US" b="0" i="0" dirty="0" err="1">
-                <a:solidFill>
-                  <a:srgbClr val="000000"/>
-                </a:solidFill>
-                <a:effectLst/>
-                <a:latin typeface="Consolas" panose="020B0609020204030204" pitchFamily="49" charset="0"/>
-              </a:rPr>
-              <a:t>init</a:t>
-            </a:r>
-            <a:r>
-              <a:rPr lang="en-US" b="0" i="0" dirty="0">
-                <a:solidFill>
-                  <a:srgbClr val="000000"/>
-                </a:solidFill>
-                <a:effectLst/>
-                <a:latin typeface="Consolas" panose="020B0609020204030204" pitchFamily="49" charset="0"/>
-              </a:rPr>
-              <a:t>__(self, </a:t>
-            </a:r>
-            <a:r>
-              <a:rPr lang="en-US" b="0" i="0" dirty="0" err="1">
-                <a:solidFill>
-                  <a:srgbClr val="000000"/>
-                </a:solidFill>
-                <a:effectLst/>
-                <a:latin typeface="Consolas" panose="020B0609020204030204" pitchFamily="49" charset="0"/>
-              </a:rPr>
-              <a:t>fname</a:t>
-            </a:r>
-            <a:r>
-              <a:rPr lang="en-US" b="0" i="0" dirty="0">
-                <a:solidFill>
-                  <a:srgbClr val="000000"/>
-                </a:solidFill>
-                <a:effectLst/>
-                <a:latin typeface="Consolas" panose="020B0609020204030204" pitchFamily="49" charset="0"/>
-              </a:rPr>
-              <a:t>, </a:t>
-            </a:r>
-            <a:r>
-              <a:rPr lang="en-US" b="0" i="0" dirty="0" err="1">
-                <a:solidFill>
-                  <a:srgbClr val="000000"/>
-                </a:solidFill>
-                <a:effectLst/>
-                <a:latin typeface="Consolas" panose="020B0609020204030204" pitchFamily="49" charset="0"/>
-              </a:rPr>
-              <a:t>lname</a:t>
-            </a:r>
-            <a:r>
-              <a:rPr lang="en-US" b="0" i="0" dirty="0">
-                <a:solidFill>
-                  <a:srgbClr val="000000"/>
-                </a:solidFill>
-                <a:effectLst/>
-                <a:latin typeface="Consolas" panose="020B0609020204030204" pitchFamily="49" charset="0"/>
-              </a:rPr>
-              <a:t>)</a:t>
-            </a:r>
-          </a:p>
-          <a:p>
-            <a:pPr marL="0" indent="0">
-              <a:buNone/>
-            </a:pPr>
-            <a:r>
-              <a:rPr lang="en-US" dirty="0">
-                <a:solidFill>
-                  <a:srgbClr val="000000"/>
-                </a:solidFill>
-                <a:latin typeface="Consolas" panose="020B0609020204030204" pitchFamily="49" charset="0"/>
-              </a:rPr>
-              <a:t>    </a:t>
-            </a:r>
-          </a:p>
-          <a:p>
-            <a:pPr marL="0" indent="0">
-              <a:buNone/>
-            </a:pPr>
-            <a:r>
-              <a:rPr lang="en-US" b="0" i="0" dirty="0">
-                <a:solidFill>
-                  <a:srgbClr val="000000"/>
-                </a:solidFill>
-                <a:effectLst/>
-                <a:latin typeface="Consolas" panose="020B0609020204030204" pitchFamily="49" charset="0"/>
-              </a:rPr>
-              <a:t> </a:t>
-            </a:r>
-            <a:r>
-              <a:rPr lang="en-US" b="0" i="0" dirty="0">
-                <a:solidFill>
-                  <a:srgbClr val="0000CD"/>
-                </a:solidFill>
-                <a:effectLst/>
-                <a:latin typeface="Consolas" panose="020B0609020204030204" pitchFamily="49" charset="0"/>
-              </a:rPr>
-              <a:t>def</a:t>
-            </a:r>
-            <a:r>
-              <a:rPr lang="en-US" b="0" i="0" dirty="0">
-                <a:solidFill>
-                  <a:srgbClr val="000000"/>
-                </a:solidFill>
-                <a:effectLst/>
-                <a:latin typeface="Consolas" panose="020B0609020204030204" pitchFamily="49" charset="0"/>
-              </a:rPr>
-              <a:t> welcome(self):</a:t>
-            </a:r>
-            <a:br>
-              <a:rPr lang="en-US" dirty="0"/>
-            </a:br>
-            <a:r>
-              <a:rPr lang="en-US" b="0" i="0" dirty="0">
-                <a:solidFill>
-                  <a:srgbClr val="000000"/>
-                </a:solidFill>
-                <a:effectLst/>
-                <a:latin typeface="Consolas" panose="020B0609020204030204" pitchFamily="49" charset="0"/>
-              </a:rPr>
-              <a:t>    </a:t>
-            </a:r>
-            <a:r>
-              <a:rPr lang="en-US" b="0" i="0" dirty="0">
-                <a:solidFill>
-                  <a:srgbClr val="0000CD"/>
-                </a:solidFill>
-                <a:effectLst/>
-                <a:latin typeface="Consolas" panose="020B0609020204030204" pitchFamily="49" charset="0"/>
-              </a:rPr>
-              <a:t>print</a:t>
-            </a:r>
-            <a:r>
-              <a:rPr lang="en-US" b="0" i="0" dirty="0">
-                <a:solidFill>
-                  <a:srgbClr val="000000"/>
-                </a:solidFill>
-                <a:effectLst/>
-                <a:latin typeface="Consolas" panose="020B0609020204030204" pitchFamily="49" charset="0"/>
-              </a:rPr>
-              <a:t>(</a:t>
-            </a:r>
-            <a:r>
-              <a:rPr lang="en-US" b="0" i="0" dirty="0">
-                <a:solidFill>
-                  <a:srgbClr val="A52A2A"/>
-                </a:solidFill>
-                <a:effectLst/>
-                <a:latin typeface="Consolas" panose="020B0609020204030204" pitchFamily="49" charset="0"/>
-              </a:rPr>
-              <a:t>"Welcome"</a:t>
-            </a:r>
-            <a:r>
-              <a:rPr lang="en-US" b="0" i="0" dirty="0">
-                <a:solidFill>
-                  <a:srgbClr val="000000"/>
-                </a:solidFill>
-                <a:effectLst/>
-                <a:latin typeface="Consolas" panose="020B0609020204030204" pitchFamily="49" charset="0"/>
-              </a:rPr>
-              <a:t>, </a:t>
-            </a:r>
-            <a:r>
-              <a:rPr lang="en-US" b="0" i="0" dirty="0" err="1">
-                <a:solidFill>
-                  <a:srgbClr val="000000"/>
-                </a:solidFill>
-                <a:effectLst/>
-                <a:latin typeface="Consolas" panose="020B0609020204030204" pitchFamily="49" charset="0"/>
-              </a:rPr>
-              <a:t>self.firstname</a:t>
-            </a:r>
-            <a:r>
-              <a:rPr lang="en-US" b="0" i="0" dirty="0">
-                <a:solidFill>
-                  <a:srgbClr val="000000"/>
-                </a:solidFill>
-                <a:effectLst/>
-                <a:latin typeface="Consolas" panose="020B0609020204030204" pitchFamily="49" charset="0"/>
-              </a:rPr>
-              <a:t>, </a:t>
-            </a:r>
-            <a:r>
-              <a:rPr lang="en-US" b="0" i="0" dirty="0" err="1">
-                <a:solidFill>
-                  <a:srgbClr val="000000"/>
-                </a:solidFill>
-                <a:effectLst/>
-                <a:latin typeface="Consolas" panose="020B0609020204030204" pitchFamily="49" charset="0"/>
-              </a:rPr>
-              <a:t>self.lastname</a:t>
-            </a:r>
-            <a:r>
-              <a:rPr lang="en-US" b="0" i="0" dirty="0">
-                <a:solidFill>
-                  <a:srgbClr val="000000"/>
-                </a:solidFill>
-                <a:effectLst/>
-                <a:latin typeface="Consolas" panose="020B0609020204030204" pitchFamily="49" charset="0"/>
-              </a:rPr>
-              <a:t>, </a:t>
-            </a:r>
-            <a:r>
-              <a:rPr lang="en-US" b="0" i="0" dirty="0">
-                <a:solidFill>
-                  <a:srgbClr val="A52A2A"/>
-                </a:solidFill>
-                <a:effectLst/>
-                <a:latin typeface="Consolas" panose="020B0609020204030204" pitchFamily="49" charset="0"/>
-              </a:rPr>
-              <a:t>"to the class of"</a:t>
-            </a:r>
-            <a:r>
-              <a:rPr lang="en-US" b="0" i="0" dirty="0">
-                <a:solidFill>
-                  <a:srgbClr val="000000"/>
-                </a:solidFill>
-                <a:effectLst/>
-                <a:latin typeface="Consolas" panose="020B0609020204030204" pitchFamily="49" charset="0"/>
-              </a:rPr>
-              <a:t>, </a:t>
-            </a:r>
-            <a:r>
-              <a:rPr lang="en-US" b="0" i="0" dirty="0" err="1">
-                <a:solidFill>
-                  <a:srgbClr val="000000"/>
-                </a:solidFill>
-                <a:effectLst/>
-                <a:latin typeface="Consolas" panose="020B0609020204030204" pitchFamily="49" charset="0"/>
-              </a:rPr>
-              <a:t>self.graduationyear</a:t>
-            </a:r>
-            <a:r>
-              <a:rPr lang="en-US" b="0" i="0" dirty="0">
-                <a:solidFill>
-                  <a:srgbClr val="000000"/>
-                </a:solidFill>
-                <a:effectLst/>
-                <a:latin typeface="Consolas" panose="020B0609020204030204" pitchFamily="49" charset="0"/>
-              </a:rPr>
-              <a:t>)</a:t>
-            </a:r>
-            <a:endParaRPr lang="pt-BR" dirty="0">
-              <a:solidFill>
-                <a:srgbClr val="0000CD"/>
-              </a:solidFill>
-              <a:latin typeface="Consolas" panose="020B0609020204030204" pitchFamily="49" charset="0"/>
-            </a:endParaRPr>
-          </a:p>
-          <a:p>
-            <a:pPr marL="0" indent="0">
-              <a:buNone/>
-            </a:pPr>
-            <a:r>
-              <a:rPr lang="pt-BR" dirty="0">
-                <a:solidFill>
-                  <a:srgbClr val="0000CD"/>
-                </a:solidFill>
-                <a:latin typeface="Consolas" panose="020B0609020204030204" pitchFamily="49" charset="0"/>
-              </a:rPr>
-              <a:t>#Instanciando</a:t>
-            </a:r>
-          </a:p>
-          <a:p>
-            <a:pPr marL="0" indent="0">
-              <a:buNone/>
-            </a:pPr>
-            <a:r>
-              <a:rPr lang="pt-BR" b="0" i="0" dirty="0">
-                <a:solidFill>
-                  <a:srgbClr val="000000"/>
-                </a:solidFill>
-                <a:effectLst/>
-                <a:latin typeface="Consolas" panose="020B0609020204030204" pitchFamily="49" charset="0"/>
-              </a:rPr>
-              <a:t>x = </a:t>
-            </a:r>
-            <a:r>
-              <a:rPr lang="pt-BR" b="0" i="0" dirty="0" err="1">
-                <a:solidFill>
-                  <a:srgbClr val="000000"/>
-                </a:solidFill>
-                <a:effectLst/>
-                <a:latin typeface="Consolas" panose="020B0609020204030204" pitchFamily="49" charset="0"/>
-              </a:rPr>
-              <a:t>Student</a:t>
-            </a:r>
-            <a:r>
-              <a:rPr lang="pt-BR" b="0" i="0" dirty="0">
-                <a:solidFill>
-                  <a:srgbClr val="000000"/>
-                </a:solidFill>
-                <a:effectLst/>
-                <a:latin typeface="Consolas" panose="020B0609020204030204" pitchFamily="49" charset="0"/>
-              </a:rPr>
-              <a:t>(</a:t>
-            </a:r>
-            <a:r>
-              <a:rPr lang="pt-BR" b="0" i="0" dirty="0">
-                <a:solidFill>
-                  <a:srgbClr val="A52A2A"/>
-                </a:solidFill>
-                <a:effectLst/>
-                <a:latin typeface="Consolas" panose="020B0609020204030204" pitchFamily="49" charset="0"/>
-              </a:rPr>
-              <a:t>"Mike"</a:t>
-            </a:r>
-            <a:r>
-              <a:rPr lang="pt-BR" b="0" i="0" dirty="0">
-                <a:solidFill>
-                  <a:srgbClr val="000000"/>
-                </a:solidFill>
-                <a:effectLst/>
-                <a:latin typeface="Consolas" panose="020B0609020204030204" pitchFamily="49" charset="0"/>
-              </a:rPr>
-              <a:t>, </a:t>
-            </a:r>
-            <a:r>
-              <a:rPr lang="pt-BR" b="0" i="0" dirty="0">
-                <a:solidFill>
-                  <a:srgbClr val="A52A2A"/>
-                </a:solidFill>
-                <a:effectLst/>
-                <a:latin typeface="Consolas" panose="020B0609020204030204" pitchFamily="49" charset="0"/>
-              </a:rPr>
-              <a:t>"Olsen"</a:t>
-            </a:r>
-            <a:r>
-              <a:rPr lang="pt-BR" b="0" i="0" dirty="0">
-                <a:solidFill>
-                  <a:srgbClr val="000000"/>
-                </a:solidFill>
-                <a:effectLst/>
-                <a:latin typeface="Consolas" panose="020B0609020204030204" pitchFamily="49" charset="0"/>
-              </a:rPr>
-              <a:t>, </a:t>
-            </a:r>
-            <a:r>
-              <a:rPr lang="pt-BR" b="0" i="0" dirty="0">
-                <a:solidFill>
-                  <a:srgbClr val="FF0000"/>
-                </a:solidFill>
-                <a:effectLst/>
-                <a:latin typeface="Consolas" panose="020B0609020204030204" pitchFamily="49" charset="0"/>
-              </a:rPr>
-              <a:t>2019</a:t>
-            </a:r>
-            <a:r>
-              <a:rPr lang="pt-BR" b="0" i="0" dirty="0">
-                <a:solidFill>
-                  <a:srgbClr val="000000"/>
-                </a:solidFill>
-                <a:effectLst/>
-                <a:latin typeface="Consolas" panose="020B0609020204030204" pitchFamily="49" charset="0"/>
-              </a:rPr>
-              <a:t>)</a:t>
-            </a:r>
-            <a:br>
-              <a:rPr lang="pt-BR" dirty="0"/>
-            </a:br>
-            <a:r>
-              <a:rPr lang="pt-BR" b="0" i="0" dirty="0" err="1">
-                <a:solidFill>
-                  <a:srgbClr val="000000"/>
-                </a:solidFill>
-                <a:effectLst/>
-                <a:latin typeface="Consolas" panose="020B0609020204030204" pitchFamily="49" charset="0"/>
-              </a:rPr>
+              <a:rPr lang="pt-BR" dirty="0"/>
+              <a:t>x = Person("John", "Doe")</a:t>
+            </a:r>
+          </a:p>
+          <a:p>
+            <a:pPr marL="0" indent="0">
+              <a:buNone/>
+            </a:pPr>
+            <a:r>
+              <a:rPr lang="pt-BR" dirty="0" err="1"/>
               <a:t>x.printname</a:t>
             </a:r>
             <a:r>
-              <a:rPr lang="pt-BR" b="0" i="0" dirty="0">
-                <a:solidFill>
-                  <a:srgbClr val="000000"/>
-                </a:solidFill>
-                <a:effectLst/>
-                <a:latin typeface="Consolas" panose="020B0609020204030204" pitchFamily="49" charset="0"/>
-              </a:rPr>
+              <a:rPr lang="pt-BR" dirty="0"/>
               <a:t>()</a:t>
             </a:r>
+          </a:p>
+          <a:p>
             <a:endParaRPr lang="pt-BR" dirty="0"/>
           </a:p>
         </p:txBody>
@@ -13733,7 +13176,1573 @@
     </p:spTree>
     <p:extLst>
       <p:ext uri="{BB962C8B-B14F-4D97-AF65-F5344CB8AC3E}">
-        <p14:creationId xmlns:p14="http://schemas.microsoft.com/office/powerpoint/2010/main" val="941031049"/>
+        <p14:creationId xmlns:p14="http://schemas.microsoft.com/office/powerpoint/2010/main" val="3331691345"/>
+      </p:ext>
+    </p:extLst>
+  </p:cSld>
+  <p:clrMapOvr>
+    <a:masterClrMapping/>
+  </p:clrMapOvr>
+</p:sld>
+</file>
+
+<file path=ppt/slides/slide53.xml><?xml version="1.0" encoding="utf-8"?>
+<p:sld xmlns:a="http://schemas.openxmlformats.org/drawingml/2006/main" xmlns:r="http://schemas.openxmlformats.org/officeDocument/2006/relationships" xmlns:p="http://schemas.openxmlformats.org/presentationml/2006/main">
+  <p:cSld>
+    <p:spTree>
+      <p:nvGrpSpPr>
+        <p:cNvPr id="1" name=""/>
+        <p:cNvGrpSpPr/>
+        <p:nvPr/>
+      </p:nvGrpSpPr>
+      <p:grpSpPr>
+        <a:xfrm>
+          <a:off x="0" y="0"/>
+          <a:ext cx="0" cy="0"/>
+          <a:chOff x="0" y="0"/>
+          <a:chExt cx="0" cy="0"/>
+        </a:xfrm>
+      </p:grpSpPr>
+      <p:sp>
+        <p:nvSpPr>
+          <p:cNvPr id="2" name="Título 1">
+            <a:extLst>
+              <a:ext uri="{FF2B5EF4-FFF2-40B4-BE49-F238E27FC236}">
+                <a16:creationId xmlns:a16="http://schemas.microsoft.com/office/drawing/2014/main" id="{6FAA6C07-57C3-9B61-C7BE-994BA54A5FD4}"/>
+              </a:ext>
+            </a:extLst>
+          </p:cNvPr>
+          <p:cNvSpPr>
+            <a:spLocks noGrp="1"/>
+          </p:cNvSpPr>
+          <p:nvPr>
+            <p:ph type="title"/>
+          </p:nvPr>
+        </p:nvSpPr>
+        <p:spPr/>
+        <p:txBody>
+          <a:bodyPr/>
+          <a:lstStyle/>
+          <a:p>
+            <a:r>
+              <a:rPr lang="pt-BR" dirty="0"/>
+              <a:t>Exemplo:</a:t>
+            </a:r>
+          </a:p>
+        </p:txBody>
+      </p:sp>
+      <p:sp>
+        <p:nvSpPr>
+          <p:cNvPr id="3" name="Espaço Reservado para Conteúdo 2">
+            <a:extLst>
+              <a:ext uri="{FF2B5EF4-FFF2-40B4-BE49-F238E27FC236}">
+                <a16:creationId xmlns:a16="http://schemas.microsoft.com/office/drawing/2014/main" id="{CEDE6A05-D2C5-21E1-8103-05CA161EC640}"/>
+              </a:ext>
+            </a:extLst>
+          </p:cNvPr>
+          <p:cNvSpPr>
+            <a:spLocks noGrp="1"/>
+          </p:cNvSpPr>
+          <p:nvPr>
+            <p:ph idx="1"/>
+          </p:nvPr>
+        </p:nvSpPr>
+        <p:spPr/>
+        <p:txBody>
+          <a:bodyPr>
+            <a:normAutofit fontScale="77500" lnSpcReduction="20000"/>
+          </a:bodyPr>
+          <a:lstStyle/>
+          <a:p>
+            <a:pPr marL="0" indent="0">
+              <a:buNone/>
+            </a:pPr>
+            <a:r>
+              <a:rPr lang="pt-BR" dirty="0" err="1"/>
+              <a:t>class</a:t>
+            </a:r>
+            <a:r>
+              <a:rPr lang="pt-BR" dirty="0"/>
+              <a:t> Veiculo:</a:t>
+            </a:r>
+          </a:p>
+          <a:p>
+            <a:pPr marL="0" indent="0">
+              <a:buNone/>
+            </a:pPr>
+            <a:r>
+              <a:rPr lang="pt-BR" dirty="0"/>
+              <a:t>    rodas = 4</a:t>
+            </a:r>
+          </a:p>
+          <a:p>
+            <a:pPr marL="0" indent="0">
+              <a:buNone/>
+            </a:pPr>
+            <a:br>
+              <a:rPr lang="pt-BR" dirty="0"/>
+            </a:br>
+            <a:r>
+              <a:rPr lang="pt-BR" dirty="0"/>
+              <a:t>    </a:t>
+            </a:r>
+            <a:r>
+              <a:rPr lang="pt-BR" dirty="0" err="1"/>
+              <a:t>def</a:t>
+            </a:r>
+            <a:r>
+              <a:rPr lang="pt-BR" dirty="0"/>
+              <a:t> __</a:t>
+            </a:r>
+            <a:r>
+              <a:rPr lang="pt-BR" dirty="0" err="1"/>
+              <a:t>init</a:t>
+            </a:r>
+            <a:r>
+              <a:rPr lang="pt-BR" dirty="0"/>
+              <a:t>__(self, nome, portas, assentos):</a:t>
+            </a:r>
+          </a:p>
+          <a:p>
+            <a:pPr marL="0" indent="0">
+              <a:buNone/>
+            </a:pPr>
+            <a:r>
+              <a:rPr lang="pt-BR" dirty="0"/>
+              <a:t>        </a:t>
+            </a:r>
+            <a:r>
+              <a:rPr lang="pt-BR" dirty="0" err="1"/>
+              <a:t>self.nome</a:t>
+            </a:r>
+            <a:r>
+              <a:rPr lang="pt-BR" dirty="0"/>
+              <a:t> = nome</a:t>
+            </a:r>
+          </a:p>
+          <a:p>
+            <a:pPr marL="0" indent="0">
+              <a:buNone/>
+            </a:pPr>
+            <a:r>
+              <a:rPr lang="pt-BR" dirty="0"/>
+              <a:t>        </a:t>
+            </a:r>
+            <a:r>
+              <a:rPr lang="pt-BR" dirty="0" err="1"/>
+              <a:t>self.portas</a:t>
+            </a:r>
+            <a:r>
+              <a:rPr lang="pt-BR" dirty="0"/>
+              <a:t> = portas</a:t>
+            </a:r>
+          </a:p>
+          <a:p>
+            <a:pPr marL="0" indent="0">
+              <a:buNone/>
+            </a:pPr>
+            <a:r>
+              <a:rPr lang="pt-BR" dirty="0"/>
+              <a:t>        </a:t>
+            </a:r>
+            <a:r>
+              <a:rPr lang="pt-BR" dirty="0" err="1"/>
+              <a:t>self.assentos</a:t>
+            </a:r>
+            <a:r>
+              <a:rPr lang="pt-BR" dirty="0"/>
+              <a:t> = assentos</a:t>
+            </a:r>
+          </a:p>
+          <a:p>
+            <a:pPr marL="0" indent="0">
+              <a:buNone/>
+            </a:pPr>
+            <a:br>
+              <a:rPr lang="pt-BR" dirty="0"/>
+            </a:br>
+            <a:r>
+              <a:rPr lang="pt-BR" dirty="0"/>
+              <a:t>    </a:t>
+            </a:r>
+            <a:r>
+              <a:rPr lang="pt-BR" dirty="0" err="1"/>
+              <a:t>def</a:t>
+            </a:r>
+            <a:r>
+              <a:rPr lang="pt-BR" dirty="0"/>
+              <a:t> distancia(self, distancia):</a:t>
+            </a:r>
+          </a:p>
+          <a:p>
+            <a:pPr marL="0" indent="0">
+              <a:buNone/>
+            </a:pPr>
+            <a:r>
+              <a:rPr lang="pt-BR" dirty="0"/>
+              <a:t>        </a:t>
+            </a:r>
+            <a:r>
+              <a:rPr lang="pt-BR" dirty="0" err="1"/>
+              <a:t>return</a:t>
+            </a:r>
+            <a:r>
+              <a:rPr lang="pt-BR" dirty="0"/>
+              <a:t> f"{</a:t>
+            </a:r>
+            <a:r>
+              <a:rPr lang="pt-BR" dirty="0" err="1"/>
+              <a:t>self.nome</a:t>
+            </a:r>
+            <a:r>
+              <a:rPr lang="pt-BR" dirty="0"/>
+              <a:t>} rodou {distancia} km."</a:t>
+            </a:r>
+          </a:p>
+          <a:p>
+            <a:pPr marL="0" indent="0">
+              <a:buNone/>
+            </a:pPr>
+            <a:br>
+              <a:rPr lang="pt-BR" dirty="0"/>
+            </a:br>
+            <a:r>
+              <a:rPr lang="pt-BR" dirty="0" err="1"/>
+              <a:t>car</a:t>
+            </a:r>
+            <a:r>
+              <a:rPr lang="pt-BR" dirty="0"/>
+              <a:t> = Veiculo("</a:t>
+            </a:r>
+            <a:r>
+              <a:rPr lang="pt-BR" dirty="0" err="1"/>
+              <a:t>bmw</a:t>
+            </a:r>
+            <a:r>
+              <a:rPr lang="pt-BR" dirty="0"/>
+              <a:t>", 4, 5)</a:t>
+            </a:r>
+            <a:br>
+              <a:rPr lang="pt-BR" dirty="0"/>
+            </a:br>
+            <a:r>
+              <a:rPr lang="pt-BR" dirty="0"/>
+              <a:t>print(</a:t>
+            </a:r>
+            <a:r>
+              <a:rPr lang="pt-BR" dirty="0" err="1"/>
+              <a:t>car.distancia</a:t>
+            </a:r>
+            <a:r>
+              <a:rPr lang="pt-BR" dirty="0"/>
+              <a:t>(10))</a:t>
+            </a:r>
+          </a:p>
+          <a:p>
+            <a:endParaRPr lang="pt-BR" dirty="0"/>
+          </a:p>
+        </p:txBody>
+      </p:sp>
+    </p:spTree>
+    <p:extLst>
+      <p:ext uri="{BB962C8B-B14F-4D97-AF65-F5344CB8AC3E}">
+        <p14:creationId xmlns:p14="http://schemas.microsoft.com/office/powerpoint/2010/main" val="2157726699"/>
+      </p:ext>
+    </p:extLst>
+  </p:cSld>
+  <p:clrMapOvr>
+    <a:masterClrMapping/>
+  </p:clrMapOvr>
+</p:sld>
+</file>
+
+<file path=ppt/slides/slide54.xml><?xml version="1.0" encoding="utf-8"?>
+<p:sld xmlns:a="http://schemas.openxmlformats.org/drawingml/2006/main" xmlns:r="http://schemas.openxmlformats.org/officeDocument/2006/relationships" xmlns:p="http://schemas.openxmlformats.org/presentationml/2006/main">
+  <p:cSld>
+    <p:spTree>
+      <p:nvGrpSpPr>
+        <p:cNvPr id="1" name=""/>
+        <p:cNvGrpSpPr/>
+        <p:nvPr/>
+      </p:nvGrpSpPr>
+      <p:grpSpPr>
+        <a:xfrm>
+          <a:off x="0" y="0"/>
+          <a:ext cx="0" cy="0"/>
+          <a:chOff x="0" y="0"/>
+          <a:chExt cx="0" cy="0"/>
+        </a:xfrm>
+      </p:grpSpPr>
+      <p:sp>
+        <p:nvSpPr>
+          <p:cNvPr id="2" name="Título 1">
+            <a:extLst>
+              <a:ext uri="{FF2B5EF4-FFF2-40B4-BE49-F238E27FC236}">
+                <a16:creationId xmlns:a16="http://schemas.microsoft.com/office/drawing/2014/main" id="{413B8720-4C74-58CB-7BE3-3F036BE40478}"/>
+              </a:ext>
+            </a:extLst>
+          </p:cNvPr>
+          <p:cNvSpPr>
+            <a:spLocks noGrp="1"/>
+          </p:cNvSpPr>
+          <p:nvPr>
+            <p:ph type="title"/>
+          </p:nvPr>
+        </p:nvSpPr>
+        <p:spPr/>
+        <p:txBody>
+          <a:bodyPr/>
+          <a:lstStyle/>
+          <a:p>
+            <a:endParaRPr lang="pt-BR"/>
+          </a:p>
+        </p:txBody>
+      </p:sp>
+      <p:sp>
+        <p:nvSpPr>
+          <p:cNvPr id="3" name="Espaço Reservado para Conteúdo 2">
+            <a:extLst>
+              <a:ext uri="{FF2B5EF4-FFF2-40B4-BE49-F238E27FC236}">
+                <a16:creationId xmlns:a16="http://schemas.microsoft.com/office/drawing/2014/main" id="{BAFD7162-4738-D809-508D-AF5DD3BFB6B5}"/>
+              </a:ext>
+            </a:extLst>
+          </p:cNvPr>
+          <p:cNvSpPr>
+            <a:spLocks noGrp="1"/>
+          </p:cNvSpPr>
+          <p:nvPr>
+            <p:ph idx="1"/>
+          </p:nvPr>
+        </p:nvSpPr>
+        <p:spPr/>
+        <p:txBody>
+          <a:bodyPr/>
+          <a:lstStyle/>
+          <a:p>
+            <a:endParaRPr lang="pt-BR"/>
+          </a:p>
+        </p:txBody>
+      </p:sp>
+      <p:pic>
+        <p:nvPicPr>
+          <p:cNvPr id="5" name="Imagem 4">
+            <a:extLst>
+              <a:ext uri="{FF2B5EF4-FFF2-40B4-BE49-F238E27FC236}">
+                <a16:creationId xmlns:a16="http://schemas.microsoft.com/office/drawing/2014/main" id="{6E2DF080-A45A-7C9D-DCA4-B9F256823AAE}"/>
+              </a:ext>
+            </a:extLst>
+          </p:cNvPr>
+          <p:cNvPicPr>
+            <a:picLocks noChangeAspect="1"/>
+          </p:cNvPicPr>
+          <p:nvPr/>
+        </p:nvPicPr>
+        <p:blipFill rotWithShape="1">
+          <a:blip r:embed="rId2"/>
+          <a:srcRect l="21631" t="39222" r="47716" b="28878"/>
+          <a:stretch/>
+        </p:blipFill>
+        <p:spPr>
+          <a:xfrm>
+            <a:off x="530086" y="198782"/>
+            <a:ext cx="11184836" cy="6544320"/>
+          </a:xfrm>
+          <a:prstGeom prst="rect">
+            <a:avLst/>
+          </a:prstGeom>
+        </p:spPr>
+      </p:pic>
+    </p:spTree>
+    <p:extLst>
+      <p:ext uri="{BB962C8B-B14F-4D97-AF65-F5344CB8AC3E}">
+        <p14:creationId xmlns:p14="http://schemas.microsoft.com/office/powerpoint/2010/main" val="1634602521"/>
+      </p:ext>
+    </p:extLst>
+  </p:cSld>
+  <p:clrMapOvr>
+    <a:masterClrMapping/>
+  </p:clrMapOvr>
+</p:sld>
+</file>
+
+<file path=ppt/slides/slide55.xml><?xml version="1.0" encoding="utf-8"?>
+<p:sld xmlns:a="http://schemas.openxmlformats.org/drawingml/2006/main" xmlns:r="http://schemas.openxmlformats.org/officeDocument/2006/relationships" xmlns:p="http://schemas.openxmlformats.org/presentationml/2006/main">
+  <p:cSld>
+    <p:spTree>
+      <p:nvGrpSpPr>
+        <p:cNvPr id="1" name=""/>
+        <p:cNvGrpSpPr/>
+        <p:nvPr/>
+      </p:nvGrpSpPr>
+      <p:grpSpPr>
+        <a:xfrm>
+          <a:off x="0" y="0"/>
+          <a:ext cx="0" cy="0"/>
+          <a:chOff x="0" y="0"/>
+          <a:chExt cx="0" cy="0"/>
+        </a:xfrm>
+      </p:grpSpPr>
+      <p:sp>
+        <p:nvSpPr>
+          <p:cNvPr id="2" name="Título 1">
+            <a:extLst>
+              <a:ext uri="{FF2B5EF4-FFF2-40B4-BE49-F238E27FC236}">
+                <a16:creationId xmlns:a16="http://schemas.microsoft.com/office/drawing/2014/main" id="{79248A5B-8769-C55F-9DB5-832E6BA1CC86}"/>
+              </a:ext>
+            </a:extLst>
+          </p:cNvPr>
+          <p:cNvSpPr>
+            <a:spLocks noGrp="1"/>
+          </p:cNvSpPr>
+          <p:nvPr>
+            <p:ph type="title"/>
+          </p:nvPr>
+        </p:nvSpPr>
+        <p:spPr/>
+        <p:txBody>
+          <a:bodyPr/>
+          <a:lstStyle/>
+          <a:p>
+            <a:r>
+              <a:rPr lang="pt-BR" dirty="0"/>
+              <a:t>Exemplo:</a:t>
+            </a:r>
+          </a:p>
+        </p:txBody>
+      </p:sp>
+      <p:sp>
+        <p:nvSpPr>
+          <p:cNvPr id="3" name="Espaço Reservado para Conteúdo 2">
+            <a:extLst>
+              <a:ext uri="{FF2B5EF4-FFF2-40B4-BE49-F238E27FC236}">
+                <a16:creationId xmlns:a16="http://schemas.microsoft.com/office/drawing/2014/main" id="{6B582161-4459-FE34-9972-B5F1565DD7DB}"/>
+              </a:ext>
+            </a:extLst>
+          </p:cNvPr>
+          <p:cNvSpPr>
+            <a:spLocks noGrp="1"/>
+          </p:cNvSpPr>
+          <p:nvPr>
+            <p:ph idx="1"/>
+          </p:nvPr>
+        </p:nvSpPr>
+        <p:spPr/>
+        <p:txBody>
+          <a:bodyPr>
+            <a:normAutofit fontScale="70000" lnSpcReduction="20000"/>
+          </a:bodyPr>
+          <a:lstStyle/>
+          <a:p>
+            <a:pPr marL="0" indent="0">
+              <a:buNone/>
+            </a:pPr>
+            <a:r>
+              <a:rPr lang="pt-BR" sz="3500" b="1" dirty="0" err="1"/>
+              <a:t>class</a:t>
+            </a:r>
+            <a:r>
+              <a:rPr lang="pt-BR" sz="3500" b="1" dirty="0"/>
+              <a:t> </a:t>
+            </a:r>
+            <a:r>
+              <a:rPr lang="pt-BR" sz="3500" b="1" dirty="0" err="1"/>
+              <a:t>Pitagoras</a:t>
+            </a:r>
+            <a:r>
+              <a:rPr lang="pt-BR" sz="3500" b="1" dirty="0"/>
+              <a:t>:</a:t>
+            </a:r>
+          </a:p>
+          <a:p>
+            <a:pPr marL="0" indent="0">
+              <a:buNone/>
+            </a:pPr>
+            <a:r>
+              <a:rPr lang="pt-BR" sz="3500" b="1" dirty="0"/>
+              <a:t>    """ Teorema de </a:t>
+            </a:r>
+            <a:r>
+              <a:rPr lang="pt-BR" sz="3500" b="1" dirty="0" err="1"/>
+              <a:t>Pitagoras</a:t>
+            </a:r>
+            <a:r>
+              <a:rPr lang="pt-BR" sz="3500" b="1" dirty="0"/>
+              <a:t>. """</a:t>
+            </a:r>
+            <a:br>
+              <a:rPr lang="pt-BR" sz="3500" b="1" dirty="0"/>
+            </a:br>
+            <a:r>
+              <a:rPr lang="pt-BR" sz="3500" b="1" dirty="0"/>
+              <a:t>    </a:t>
+            </a:r>
+            <a:r>
+              <a:rPr lang="pt-BR" sz="3500" b="1" dirty="0" err="1"/>
+              <a:t>def</a:t>
+            </a:r>
+            <a:r>
+              <a:rPr lang="pt-BR" sz="3500" b="1" dirty="0"/>
+              <a:t> __</a:t>
+            </a:r>
+            <a:r>
+              <a:rPr lang="pt-BR" sz="3500" b="1" dirty="0" err="1"/>
+              <a:t>init</a:t>
+            </a:r>
+            <a:r>
+              <a:rPr lang="pt-BR" sz="3500" b="1" dirty="0"/>
+              <a:t>__(self, </a:t>
+            </a:r>
+            <a:r>
+              <a:rPr lang="pt-BR" sz="3500" b="1" dirty="0" err="1"/>
+              <a:t>x,y</a:t>
+            </a:r>
+            <a:r>
+              <a:rPr lang="pt-BR" sz="3500" b="1" dirty="0"/>
+              <a:t>):</a:t>
+            </a:r>
+            <a:br>
+              <a:rPr lang="pt-BR" sz="3500" b="1" dirty="0"/>
+            </a:br>
+            <a:r>
+              <a:rPr lang="pt-BR" sz="3500" b="1" dirty="0"/>
+              <a:t>        </a:t>
+            </a:r>
+            <a:r>
+              <a:rPr lang="pt-BR" sz="3500" b="1" dirty="0" err="1"/>
+              <a:t>self.x</a:t>
+            </a:r>
+            <a:r>
+              <a:rPr lang="pt-BR" sz="3500" b="1" dirty="0"/>
+              <a:t> = x</a:t>
+            </a:r>
+          </a:p>
+          <a:p>
+            <a:pPr marL="0" indent="0">
+              <a:buNone/>
+            </a:pPr>
+            <a:r>
+              <a:rPr lang="pt-BR" sz="3500" b="1" dirty="0"/>
+              <a:t>        </a:t>
+            </a:r>
+            <a:r>
+              <a:rPr lang="pt-BR" sz="3500" b="1" dirty="0" err="1"/>
+              <a:t>self.y</a:t>
+            </a:r>
+            <a:r>
+              <a:rPr lang="pt-BR" sz="3500" b="1" dirty="0"/>
+              <a:t> = y</a:t>
+            </a:r>
+            <a:br>
+              <a:rPr lang="pt-BR" sz="3500" b="1" dirty="0"/>
+            </a:br>
+            <a:r>
+              <a:rPr lang="pt-BR" sz="3500" b="1" dirty="0"/>
+              <a:t>    </a:t>
+            </a:r>
+            <a:r>
+              <a:rPr lang="pt-BR" sz="3500" b="1" dirty="0" err="1"/>
+              <a:t>def</a:t>
+            </a:r>
+            <a:r>
+              <a:rPr lang="pt-BR" sz="3500" b="1" dirty="0"/>
+              <a:t> </a:t>
+            </a:r>
+            <a:r>
+              <a:rPr lang="pt-BR" sz="3500" b="1" dirty="0" err="1"/>
+              <a:t>valorx</a:t>
+            </a:r>
+            <a:r>
+              <a:rPr lang="pt-BR" sz="3500" b="1" dirty="0"/>
+              <a:t>(self):</a:t>
+            </a:r>
+          </a:p>
+          <a:p>
+            <a:pPr marL="0" indent="0">
+              <a:buNone/>
+            </a:pPr>
+            <a:r>
+              <a:rPr lang="pt-BR" sz="3500" b="1" dirty="0"/>
+              <a:t>        </a:t>
+            </a:r>
+            <a:r>
+              <a:rPr lang="pt-BR" sz="3500" b="1" dirty="0" err="1"/>
+              <a:t>return</a:t>
+            </a:r>
+            <a:r>
+              <a:rPr lang="pt-BR" sz="3500" b="1" dirty="0"/>
+              <a:t> </a:t>
+            </a:r>
+            <a:r>
+              <a:rPr lang="pt-BR" sz="3500" b="1" dirty="0" err="1"/>
+              <a:t>self.x</a:t>
+            </a:r>
+            <a:br>
+              <a:rPr lang="pt-BR" sz="3500" b="1" dirty="0"/>
+            </a:br>
+            <a:r>
+              <a:rPr lang="pt-BR" sz="3500" b="1" dirty="0"/>
+              <a:t>    </a:t>
+            </a:r>
+            <a:r>
+              <a:rPr lang="pt-BR" sz="3500" b="1" dirty="0" err="1"/>
+              <a:t>def</a:t>
+            </a:r>
+            <a:r>
+              <a:rPr lang="pt-BR" sz="3500" b="1" dirty="0"/>
+              <a:t> </a:t>
+            </a:r>
+            <a:r>
+              <a:rPr lang="pt-BR" sz="3500" b="1" dirty="0" err="1"/>
+              <a:t>valory</a:t>
+            </a:r>
+            <a:r>
+              <a:rPr lang="pt-BR" sz="3500" b="1" dirty="0"/>
+              <a:t>(self):</a:t>
+            </a:r>
+          </a:p>
+          <a:p>
+            <a:pPr marL="0" indent="0">
+              <a:buNone/>
+            </a:pPr>
+            <a:r>
+              <a:rPr lang="pt-BR" sz="3500" b="1" dirty="0"/>
+              <a:t>        </a:t>
+            </a:r>
+            <a:r>
+              <a:rPr lang="pt-BR" sz="3500" b="1" dirty="0" err="1"/>
+              <a:t>return</a:t>
+            </a:r>
+            <a:r>
+              <a:rPr lang="pt-BR" sz="3500" b="1" dirty="0"/>
+              <a:t> </a:t>
+            </a:r>
+            <a:r>
+              <a:rPr lang="pt-BR" sz="3500" b="1" dirty="0" err="1"/>
+              <a:t>self.y</a:t>
+            </a:r>
+            <a:br>
+              <a:rPr lang="pt-BR" sz="3500" b="1" dirty="0"/>
+            </a:br>
+            <a:r>
+              <a:rPr lang="pt-BR" sz="3500" b="1" dirty="0"/>
+              <a:t>    </a:t>
+            </a:r>
+            <a:r>
+              <a:rPr lang="pt-BR" sz="3500" b="1" dirty="0" err="1"/>
+              <a:t>def</a:t>
+            </a:r>
+            <a:r>
+              <a:rPr lang="pt-BR" sz="3500" b="1" dirty="0"/>
+              <a:t> teorema(self):</a:t>
+            </a:r>
+          </a:p>
+          <a:p>
+            <a:pPr marL="0" indent="0">
+              <a:buNone/>
+            </a:pPr>
+            <a:r>
+              <a:rPr lang="pt-BR" sz="3500" b="1" dirty="0"/>
+              <a:t>        </a:t>
+            </a:r>
+            <a:r>
+              <a:rPr lang="pt-BR" sz="3500" b="1" dirty="0" err="1"/>
+              <a:t>return</a:t>
+            </a:r>
+            <a:r>
+              <a:rPr lang="pt-BR" sz="3500" b="1" dirty="0"/>
+              <a:t> print( ((</a:t>
+            </a:r>
+            <a:r>
+              <a:rPr lang="pt-BR" sz="3500" b="1" dirty="0" err="1"/>
+              <a:t>self.x</a:t>
+            </a:r>
+            <a:r>
+              <a:rPr lang="pt-BR" sz="3500" b="1" dirty="0"/>
+              <a:t> ** 2) + (</a:t>
+            </a:r>
+            <a:r>
+              <a:rPr lang="pt-BR" sz="3500" b="1" dirty="0" err="1"/>
+              <a:t>self.y</a:t>
+            </a:r>
+            <a:r>
+              <a:rPr lang="pt-BR" sz="3500" b="1" dirty="0"/>
+              <a:t> ** 2)) ** 0.5 )</a:t>
+            </a:r>
+            <a:br>
+              <a:rPr lang="pt-BR" sz="3500" b="1" dirty="0"/>
+            </a:br>
+            <a:r>
+              <a:rPr lang="pt-BR" sz="3500" b="1" dirty="0"/>
+              <a:t>p = </a:t>
+            </a:r>
+            <a:r>
+              <a:rPr lang="pt-BR" sz="3500" b="1" dirty="0" err="1"/>
+              <a:t>Pitagoras</a:t>
+            </a:r>
+            <a:r>
+              <a:rPr lang="pt-BR" sz="3500" b="1" dirty="0"/>
+              <a:t>(3,4)</a:t>
+            </a:r>
+          </a:p>
+          <a:p>
+            <a:pPr marL="0" indent="0">
+              <a:buNone/>
+            </a:pPr>
+            <a:r>
+              <a:rPr lang="pt-BR" sz="3500" b="1" dirty="0" err="1"/>
+              <a:t>p.teorema</a:t>
+            </a:r>
+            <a:r>
+              <a:rPr lang="pt-BR" sz="3500" b="1" dirty="0"/>
+              <a:t>()</a:t>
+            </a:r>
+          </a:p>
+          <a:p>
+            <a:endParaRPr lang="pt-BR" dirty="0"/>
+          </a:p>
+        </p:txBody>
+      </p:sp>
+    </p:spTree>
+    <p:extLst>
+      <p:ext uri="{BB962C8B-B14F-4D97-AF65-F5344CB8AC3E}">
+        <p14:creationId xmlns:p14="http://schemas.microsoft.com/office/powerpoint/2010/main" val="1342135444"/>
+      </p:ext>
+    </p:extLst>
+  </p:cSld>
+  <p:clrMapOvr>
+    <a:masterClrMapping/>
+  </p:clrMapOvr>
+</p:sld>
+</file>
+
+<file path=ppt/slides/slide56.xml><?xml version="1.0" encoding="utf-8"?>
+<p:sld xmlns:a="http://schemas.openxmlformats.org/drawingml/2006/main" xmlns:r="http://schemas.openxmlformats.org/officeDocument/2006/relationships" xmlns:p="http://schemas.openxmlformats.org/presentationml/2006/main">
+  <p:cSld>
+    <p:spTree>
+      <p:nvGrpSpPr>
+        <p:cNvPr id="1" name=""/>
+        <p:cNvGrpSpPr/>
+        <p:nvPr/>
+      </p:nvGrpSpPr>
+      <p:grpSpPr>
+        <a:xfrm>
+          <a:off x="0" y="0"/>
+          <a:ext cx="0" cy="0"/>
+          <a:chOff x="0" y="0"/>
+          <a:chExt cx="0" cy="0"/>
+        </a:xfrm>
+      </p:grpSpPr>
+      <p:sp>
+        <p:nvSpPr>
+          <p:cNvPr id="2" name="Título 1">
+            <a:extLst>
+              <a:ext uri="{FF2B5EF4-FFF2-40B4-BE49-F238E27FC236}">
+                <a16:creationId xmlns:a16="http://schemas.microsoft.com/office/drawing/2014/main" id="{FF0FD5E4-C4B1-B599-C8D9-7ADCA409F1BC}"/>
+              </a:ext>
+            </a:extLst>
+          </p:cNvPr>
+          <p:cNvSpPr>
+            <a:spLocks noGrp="1"/>
+          </p:cNvSpPr>
+          <p:nvPr>
+            <p:ph type="title"/>
+          </p:nvPr>
+        </p:nvSpPr>
+        <p:spPr/>
+        <p:txBody>
+          <a:bodyPr/>
+          <a:lstStyle/>
+          <a:p>
+            <a:endParaRPr lang="pt-BR"/>
+          </a:p>
+        </p:txBody>
+      </p:sp>
+      <p:sp>
+        <p:nvSpPr>
+          <p:cNvPr id="3" name="Espaço Reservado para Conteúdo 2">
+            <a:extLst>
+              <a:ext uri="{FF2B5EF4-FFF2-40B4-BE49-F238E27FC236}">
+                <a16:creationId xmlns:a16="http://schemas.microsoft.com/office/drawing/2014/main" id="{7123D469-6965-1556-42F6-CFF886B54052}"/>
+              </a:ext>
+            </a:extLst>
+          </p:cNvPr>
+          <p:cNvSpPr>
+            <a:spLocks noGrp="1"/>
+          </p:cNvSpPr>
+          <p:nvPr>
+            <p:ph idx="1"/>
+          </p:nvPr>
+        </p:nvSpPr>
+        <p:spPr/>
+        <p:txBody>
+          <a:bodyPr/>
+          <a:lstStyle/>
+          <a:p>
+            <a:endParaRPr lang="pt-BR"/>
+          </a:p>
+        </p:txBody>
+      </p:sp>
+      <p:pic>
+        <p:nvPicPr>
+          <p:cNvPr id="7" name="Imagem 6">
+            <a:extLst>
+              <a:ext uri="{FF2B5EF4-FFF2-40B4-BE49-F238E27FC236}">
+                <a16:creationId xmlns:a16="http://schemas.microsoft.com/office/drawing/2014/main" id="{DFE429B5-4FC2-350A-BF16-2AB69DE8167A}"/>
+              </a:ext>
+            </a:extLst>
+          </p:cNvPr>
+          <p:cNvPicPr>
+            <a:picLocks noChangeAspect="1"/>
+          </p:cNvPicPr>
+          <p:nvPr/>
+        </p:nvPicPr>
+        <p:blipFill rotWithShape="1">
+          <a:blip r:embed="rId2"/>
+          <a:srcRect l="21848" t="12735" r="42174" b="36032"/>
+          <a:stretch/>
+        </p:blipFill>
+        <p:spPr>
+          <a:xfrm>
+            <a:off x="251790" y="198782"/>
+            <a:ext cx="11357114" cy="6567434"/>
+          </a:xfrm>
+          <a:prstGeom prst="rect">
+            <a:avLst/>
+          </a:prstGeom>
+        </p:spPr>
+      </p:pic>
+    </p:spTree>
+    <p:extLst>
+      <p:ext uri="{BB962C8B-B14F-4D97-AF65-F5344CB8AC3E}">
+        <p14:creationId xmlns:p14="http://schemas.microsoft.com/office/powerpoint/2010/main" val="2283417195"/>
+      </p:ext>
+    </p:extLst>
+  </p:cSld>
+  <p:clrMapOvr>
+    <a:masterClrMapping/>
+  </p:clrMapOvr>
+</p:sld>
+</file>
+
+<file path=ppt/slides/slide57.xml><?xml version="1.0" encoding="utf-8"?>
+<p:sld xmlns:a="http://schemas.openxmlformats.org/drawingml/2006/main" xmlns:r="http://schemas.openxmlformats.org/officeDocument/2006/relationships" xmlns:p="http://schemas.openxmlformats.org/presentationml/2006/main">
+  <p:cSld>
+    <p:spTree>
+      <p:nvGrpSpPr>
+        <p:cNvPr id="1" name=""/>
+        <p:cNvGrpSpPr/>
+        <p:nvPr/>
+      </p:nvGrpSpPr>
+      <p:grpSpPr>
+        <a:xfrm>
+          <a:off x="0" y="0"/>
+          <a:ext cx="0" cy="0"/>
+          <a:chOff x="0" y="0"/>
+          <a:chExt cx="0" cy="0"/>
+        </a:xfrm>
+      </p:grpSpPr>
+      <p:sp>
+        <p:nvSpPr>
+          <p:cNvPr id="2" name="Título 1">
+            <a:extLst>
+              <a:ext uri="{FF2B5EF4-FFF2-40B4-BE49-F238E27FC236}">
+                <a16:creationId xmlns:a16="http://schemas.microsoft.com/office/drawing/2014/main" id="{AB4A6397-5B18-1ED0-3A5E-12C761EFCDBF}"/>
+              </a:ext>
+            </a:extLst>
+          </p:cNvPr>
+          <p:cNvSpPr>
+            <a:spLocks noGrp="1"/>
+          </p:cNvSpPr>
+          <p:nvPr>
+            <p:ph type="title"/>
+          </p:nvPr>
+        </p:nvSpPr>
+        <p:spPr/>
+        <p:txBody>
+          <a:bodyPr/>
+          <a:lstStyle/>
+          <a:p>
+            <a:r>
+              <a:rPr lang="pt-BR" dirty="0"/>
+              <a:t>Exercícios:</a:t>
+            </a:r>
+          </a:p>
+        </p:txBody>
+      </p:sp>
+      <p:sp>
+        <p:nvSpPr>
+          <p:cNvPr id="3" name="Espaço Reservado para Conteúdo 2">
+            <a:extLst>
+              <a:ext uri="{FF2B5EF4-FFF2-40B4-BE49-F238E27FC236}">
+                <a16:creationId xmlns:a16="http://schemas.microsoft.com/office/drawing/2014/main" id="{470416EF-711A-989E-271F-2101569501DD}"/>
+              </a:ext>
+            </a:extLst>
+          </p:cNvPr>
+          <p:cNvSpPr>
+            <a:spLocks noGrp="1"/>
+          </p:cNvSpPr>
+          <p:nvPr>
+            <p:ph idx="1"/>
+          </p:nvPr>
+        </p:nvSpPr>
+        <p:spPr/>
+        <p:txBody>
+          <a:bodyPr/>
+          <a:lstStyle/>
+          <a:p>
+            <a:r>
+              <a:rPr lang="pt-BR" dirty="0"/>
+              <a:t>Corrija os erros de códigos das classes.</a:t>
+            </a:r>
+          </a:p>
+        </p:txBody>
+      </p:sp>
+    </p:spTree>
+    <p:extLst>
+      <p:ext uri="{BB962C8B-B14F-4D97-AF65-F5344CB8AC3E}">
+        <p14:creationId xmlns:p14="http://schemas.microsoft.com/office/powerpoint/2010/main" val="723329248"/>
+      </p:ext>
+    </p:extLst>
+  </p:cSld>
+  <p:clrMapOvr>
+    <a:masterClrMapping/>
+  </p:clrMapOvr>
+</p:sld>
+</file>
+
+<file path=ppt/slides/slide58.xml><?xml version="1.0" encoding="utf-8"?>
+<p:sld xmlns:a="http://schemas.openxmlformats.org/drawingml/2006/main" xmlns:r="http://schemas.openxmlformats.org/officeDocument/2006/relationships" xmlns:p="http://schemas.openxmlformats.org/presentationml/2006/main">
+  <p:cSld>
+    <p:spTree>
+      <p:nvGrpSpPr>
+        <p:cNvPr id="1" name=""/>
+        <p:cNvGrpSpPr/>
+        <p:nvPr/>
+      </p:nvGrpSpPr>
+      <p:grpSpPr>
+        <a:xfrm>
+          <a:off x="0" y="0"/>
+          <a:ext cx="0" cy="0"/>
+          <a:chOff x="0" y="0"/>
+          <a:chExt cx="0" cy="0"/>
+        </a:xfrm>
+      </p:grpSpPr>
+      <p:sp>
+        <p:nvSpPr>
+          <p:cNvPr id="2" name="Título 1">
+            <a:extLst>
+              <a:ext uri="{FF2B5EF4-FFF2-40B4-BE49-F238E27FC236}">
+                <a16:creationId xmlns:a16="http://schemas.microsoft.com/office/drawing/2014/main" id="{3F25B186-8F73-3FF4-1D79-9397065FF6BB}"/>
+              </a:ext>
+            </a:extLst>
+          </p:cNvPr>
+          <p:cNvSpPr>
+            <a:spLocks noGrp="1"/>
+          </p:cNvSpPr>
+          <p:nvPr>
+            <p:ph type="title"/>
+          </p:nvPr>
+        </p:nvSpPr>
+        <p:spPr/>
+        <p:txBody>
+          <a:bodyPr/>
+          <a:lstStyle/>
+          <a:p>
+            <a:r>
+              <a:rPr lang="pt-BR" dirty="0"/>
+              <a:t>Exercício01</a:t>
+            </a:r>
+          </a:p>
+        </p:txBody>
+      </p:sp>
+      <p:sp>
+        <p:nvSpPr>
+          <p:cNvPr id="3" name="Espaço Reservado para Conteúdo 2">
+            <a:extLst>
+              <a:ext uri="{FF2B5EF4-FFF2-40B4-BE49-F238E27FC236}">
+                <a16:creationId xmlns:a16="http://schemas.microsoft.com/office/drawing/2014/main" id="{FA95C56D-D509-479F-0C6B-5610DB3D6E18}"/>
+              </a:ext>
+            </a:extLst>
+          </p:cNvPr>
+          <p:cNvSpPr>
+            <a:spLocks noGrp="1"/>
+          </p:cNvSpPr>
+          <p:nvPr>
+            <p:ph idx="1"/>
+          </p:nvPr>
+        </p:nvSpPr>
+        <p:spPr/>
+        <p:txBody>
+          <a:bodyPr>
+            <a:normAutofit lnSpcReduction="10000"/>
+          </a:bodyPr>
+          <a:lstStyle/>
+          <a:p>
+            <a:pPr marL="0" indent="0">
+              <a:buNone/>
+            </a:pPr>
+            <a:r>
+              <a:rPr lang="pt-BR" dirty="0" err="1"/>
+              <a:t>class</a:t>
+            </a:r>
+            <a:r>
+              <a:rPr lang="pt-BR" dirty="0"/>
+              <a:t> Pessoa:</a:t>
+            </a:r>
+          </a:p>
+          <a:p>
+            <a:pPr marL="0" indent="0">
+              <a:buNone/>
+            </a:pPr>
+            <a:r>
+              <a:rPr lang="pt-BR" dirty="0"/>
+              <a:t>  </a:t>
+            </a:r>
+            <a:r>
+              <a:rPr lang="pt-BR" dirty="0" err="1"/>
+              <a:t>def</a:t>
+            </a:r>
+            <a:r>
+              <a:rPr lang="pt-BR" dirty="0"/>
+              <a:t> __</a:t>
+            </a:r>
+            <a:r>
+              <a:rPr lang="pt-BR" dirty="0" err="1"/>
+              <a:t>init</a:t>
+            </a:r>
+            <a:r>
+              <a:rPr lang="pt-BR" dirty="0"/>
+              <a:t>__(self, </a:t>
+            </a:r>
+            <a:r>
+              <a:rPr lang="pt-BR" dirty="0" err="1"/>
+              <a:t>fname</a:t>
+            </a:r>
+            <a:r>
+              <a:rPr lang="pt-BR" dirty="0"/>
+              <a:t>, </a:t>
+            </a:r>
+            <a:r>
+              <a:rPr lang="pt-BR" dirty="0" err="1"/>
+              <a:t>lname</a:t>
+            </a:r>
+            <a:r>
+              <a:rPr lang="pt-BR" dirty="0"/>
+              <a:t>):</a:t>
+            </a:r>
+          </a:p>
+          <a:p>
+            <a:pPr marL="0" indent="0">
+              <a:buNone/>
+            </a:pPr>
+            <a:r>
+              <a:rPr lang="pt-BR" dirty="0"/>
+              <a:t>    </a:t>
+            </a:r>
+            <a:r>
+              <a:rPr lang="pt-BR" dirty="0" err="1"/>
+              <a:t>self.fname</a:t>
+            </a:r>
+            <a:r>
+              <a:rPr lang="pt-BR" dirty="0"/>
+              <a:t> = </a:t>
+            </a:r>
+            <a:r>
+              <a:rPr lang="pt-BR" dirty="0" err="1"/>
+              <a:t>fname</a:t>
+            </a:r>
+            <a:endParaRPr lang="pt-BR" dirty="0"/>
+          </a:p>
+          <a:p>
+            <a:pPr marL="0" indent="0">
+              <a:buNone/>
+            </a:pPr>
+            <a:r>
+              <a:rPr lang="pt-BR" dirty="0"/>
+              <a:t>    </a:t>
+            </a:r>
+            <a:r>
+              <a:rPr lang="pt-BR" dirty="0" err="1"/>
+              <a:t>self.lname</a:t>
+            </a:r>
+            <a:r>
+              <a:rPr lang="pt-BR" dirty="0"/>
+              <a:t> = </a:t>
+            </a:r>
+            <a:r>
+              <a:rPr lang="pt-BR" dirty="0" err="1"/>
+              <a:t>lname</a:t>
+            </a:r>
+            <a:endParaRPr lang="pt-BR" dirty="0"/>
+          </a:p>
+          <a:p>
+            <a:pPr marL="0" indent="0">
+              <a:buNone/>
+            </a:pPr>
+            <a:br>
+              <a:rPr lang="pt-BR" dirty="0"/>
+            </a:br>
+            <a:r>
+              <a:rPr lang="pt-BR" dirty="0"/>
+              <a:t>  </a:t>
+            </a:r>
+            <a:r>
+              <a:rPr lang="pt-BR" dirty="0" err="1"/>
+              <a:t>def</a:t>
+            </a:r>
+            <a:r>
+              <a:rPr lang="pt-BR" dirty="0"/>
+              <a:t> </a:t>
+            </a:r>
+            <a:r>
+              <a:rPr lang="pt-BR" dirty="0" err="1"/>
+              <a:t>printname</a:t>
+            </a:r>
+            <a:r>
+              <a:rPr lang="pt-BR" dirty="0"/>
+              <a:t>():</a:t>
+            </a:r>
+          </a:p>
+          <a:p>
+            <a:pPr marL="0" indent="0">
+              <a:buNone/>
+            </a:pPr>
+            <a:r>
+              <a:rPr lang="pt-BR" dirty="0"/>
+              <a:t>    print(</a:t>
+            </a:r>
+            <a:r>
+              <a:rPr lang="pt-BR" dirty="0" err="1"/>
+              <a:t>self.fname</a:t>
+            </a:r>
+            <a:r>
+              <a:rPr lang="pt-BR" dirty="0"/>
+              <a:t>, </a:t>
+            </a:r>
+            <a:r>
+              <a:rPr lang="pt-BR" dirty="0" err="1"/>
+              <a:t>self.lname</a:t>
+            </a:r>
+            <a:r>
+              <a:rPr lang="pt-BR" dirty="0"/>
+              <a:t>)</a:t>
+            </a:r>
+          </a:p>
+          <a:p>
+            <a:pPr marL="0" indent="0">
+              <a:buNone/>
+            </a:pPr>
+            <a:r>
+              <a:rPr lang="pt-BR" dirty="0"/>
+              <a:t>x = Person("Paulo", "Souza")</a:t>
+            </a:r>
+          </a:p>
+          <a:p>
+            <a:pPr marL="0" indent="0">
+              <a:buNone/>
+            </a:pPr>
+            <a:r>
+              <a:rPr lang="pt-BR" dirty="0" err="1"/>
+              <a:t>x.printname</a:t>
+            </a:r>
+            <a:r>
+              <a:rPr lang="pt-BR" dirty="0"/>
+              <a:t>()</a:t>
+            </a:r>
+          </a:p>
+          <a:p>
+            <a:endParaRPr lang="pt-BR" dirty="0"/>
+          </a:p>
+        </p:txBody>
+      </p:sp>
+    </p:spTree>
+    <p:extLst>
+      <p:ext uri="{BB962C8B-B14F-4D97-AF65-F5344CB8AC3E}">
+        <p14:creationId xmlns:p14="http://schemas.microsoft.com/office/powerpoint/2010/main" val="2877334849"/>
+      </p:ext>
+    </p:extLst>
+  </p:cSld>
+  <p:clrMapOvr>
+    <a:masterClrMapping/>
+  </p:clrMapOvr>
+</p:sld>
+</file>
+
+<file path=ppt/slides/slide59.xml><?xml version="1.0" encoding="utf-8"?>
+<p:sld xmlns:a="http://schemas.openxmlformats.org/drawingml/2006/main" xmlns:r="http://schemas.openxmlformats.org/officeDocument/2006/relationships" xmlns:p="http://schemas.openxmlformats.org/presentationml/2006/main">
+  <p:cSld>
+    <p:spTree>
+      <p:nvGrpSpPr>
+        <p:cNvPr id="1" name=""/>
+        <p:cNvGrpSpPr/>
+        <p:nvPr/>
+      </p:nvGrpSpPr>
+      <p:grpSpPr>
+        <a:xfrm>
+          <a:off x="0" y="0"/>
+          <a:ext cx="0" cy="0"/>
+          <a:chOff x="0" y="0"/>
+          <a:chExt cx="0" cy="0"/>
+        </a:xfrm>
+      </p:grpSpPr>
+      <p:sp>
+        <p:nvSpPr>
+          <p:cNvPr id="2" name="Título 1">
+            <a:extLst>
+              <a:ext uri="{FF2B5EF4-FFF2-40B4-BE49-F238E27FC236}">
+                <a16:creationId xmlns:a16="http://schemas.microsoft.com/office/drawing/2014/main" id="{081E3E63-516C-D865-4164-2C2AD3FDB575}"/>
+              </a:ext>
+            </a:extLst>
+          </p:cNvPr>
+          <p:cNvSpPr>
+            <a:spLocks noGrp="1"/>
+          </p:cNvSpPr>
+          <p:nvPr>
+            <p:ph type="title"/>
+          </p:nvPr>
+        </p:nvSpPr>
+        <p:spPr/>
+        <p:txBody>
+          <a:bodyPr/>
+          <a:lstStyle/>
+          <a:p>
+            <a:r>
+              <a:rPr lang="pt-BR" dirty="0"/>
+              <a:t>Exercício02:</a:t>
+            </a:r>
+          </a:p>
+        </p:txBody>
+      </p:sp>
+      <p:sp>
+        <p:nvSpPr>
+          <p:cNvPr id="3" name="Espaço Reservado para Conteúdo 2">
+            <a:extLst>
+              <a:ext uri="{FF2B5EF4-FFF2-40B4-BE49-F238E27FC236}">
+                <a16:creationId xmlns:a16="http://schemas.microsoft.com/office/drawing/2014/main" id="{EF684FB9-0493-B5CC-F844-E2CEE76BCF56}"/>
+              </a:ext>
+            </a:extLst>
+          </p:cNvPr>
+          <p:cNvSpPr>
+            <a:spLocks noGrp="1"/>
+          </p:cNvSpPr>
+          <p:nvPr>
+            <p:ph idx="1"/>
+          </p:nvPr>
+        </p:nvSpPr>
+        <p:spPr/>
+        <p:txBody>
+          <a:bodyPr>
+            <a:normAutofit fontScale="47500" lnSpcReduction="20000"/>
+          </a:bodyPr>
+          <a:lstStyle/>
+          <a:p>
+            <a:pPr marL="0" indent="0">
+              <a:buNone/>
+            </a:pPr>
+            <a:br>
+              <a:rPr lang="pt-BR" dirty="0"/>
+            </a:br>
+            <a:r>
+              <a:rPr lang="pt-BR" b="1" dirty="0" err="1"/>
+              <a:t>class</a:t>
+            </a:r>
+            <a:r>
+              <a:rPr lang="pt-BR" b="1" dirty="0"/>
+              <a:t> </a:t>
+            </a:r>
+            <a:r>
+              <a:rPr lang="pt-BR" b="1" dirty="0" err="1"/>
+              <a:t>Funcionario</a:t>
+            </a:r>
+            <a:r>
+              <a:rPr lang="pt-BR" b="1" dirty="0"/>
+              <a:t>:</a:t>
+            </a:r>
+          </a:p>
+          <a:p>
+            <a:pPr marL="0" indent="0">
+              <a:buNone/>
+            </a:pPr>
+            <a:r>
+              <a:rPr lang="pt-BR" b="1" dirty="0"/>
+              <a:t>    </a:t>
+            </a:r>
+            <a:r>
+              <a:rPr lang="pt-BR" b="1" dirty="0" err="1"/>
+              <a:t>cont</a:t>
+            </a:r>
+            <a:r>
+              <a:rPr lang="pt-BR" b="1" dirty="0"/>
+              <a:t> = 0</a:t>
+            </a:r>
+          </a:p>
+          <a:p>
+            <a:pPr marL="0" indent="0">
+              <a:buNone/>
+            </a:pPr>
+            <a:r>
+              <a:rPr lang="pt-BR" b="1" dirty="0"/>
+              <a:t>    </a:t>
+            </a:r>
+            <a:r>
+              <a:rPr lang="pt-BR" b="1" dirty="0" err="1"/>
+              <a:t>def</a:t>
+            </a:r>
+            <a:r>
+              <a:rPr lang="pt-BR" b="1" dirty="0"/>
+              <a:t> __</a:t>
+            </a:r>
+            <a:r>
+              <a:rPr lang="pt-BR" b="1" dirty="0" err="1"/>
+              <a:t>init</a:t>
+            </a:r>
+            <a:r>
+              <a:rPr lang="pt-BR" b="1" dirty="0"/>
+              <a:t>__(self, nome, </a:t>
+            </a:r>
+            <a:r>
+              <a:rPr lang="pt-BR" b="1" dirty="0" err="1"/>
+              <a:t>rg</a:t>
+            </a:r>
+            <a:r>
+              <a:rPr lang="pt-BR" b="1" dirty="0"/>
+              <a:t>):</a:t>
+            </a:r>
+          </a:p>
+          <a:p>
+            <a:pPr marL="0" indent="0">
+              <a:buNone/>
+            </a:pPr>
+            <a:r>
+              <a:rPr lang="pt-BR" b="1" dirty="0"/>
+              <a:t>        </a:t>
+            </a:r>
+            <a:r>
+              <a:rPr lang="pt-BR" b="1" dirty="0" err="1"/>
+              <a:t>self.nome</a:t>
+            </a:r>
+            <a:r>
+              <a:rPr lang="pt-BR" b="1" dirty="0"/>
+              <a:t> = nome</a:t>
+            </a:r>
+          </a:p>
+          <a:p>
+            <a:pPr marL="0" indent="0">
+              <a:buNone/>
+            </a:pPr>
+            <a:r>
+              <a:rPr lang="pt-BR" b="1" dirty="0"/>
+              <a:t>        </a:t>
+            </a:r>
+            <a:r>
+              <a:rPr lang="pt-BR" b="1" dirty="0" err="1"/>
+              <a:t>self.rg</a:t>
+            </a:r>
+            <a:r>
+              <a:rPr lang="pt-BR" b="1" dirty="0"/>
+              <a:t> = </a:t>
+            </a:r>
+            <a:r>
+              <a:rPr lang="pt-BR" b="1" dirty="0" err="1"/>
+              <a:t>rg</a:t>
+            </a:r>
+            <a:endParaRPr lang="pt-BR" b="1" dirty="0"/>
+          </a:p>
+          <a:p>
+            <a:pPr marL="0" indent="0">
+              <a:buNone/>
+            </a:pPr>
+            <a:r>
+              <a:rPr lang="pt-BR" b="1" dirty="0"/>
+              <a:t>        </a:t>
+            </a:r>
+            <a:r>
+              <a:rPr lang="pt-BR" b="1" dirty="0" err="1"/>
+              <a:t>funcionrrio.cont</a:t>
+            </a:r>
+            <a:r>
+              <a:rPr lang="pt-BR" b="1" dirty="0"/>
+              <a:t> = funcionario.cont+1</a:t>
+            </a:r>
+          </a:p>
+          <a:p>
+            <a:pPr marL="0" indent="0">
+              <a:buNone/>
+            </a:pPr>
+            <a:r>
+              <a:rPr lang="pt-BR" b="1" dirty="0"/>
+              <a:t>    </a:t>
+            </a:r>
+            <a:r>
+              <a:rPr lang="pt-BR" b="1" dirty="0" err="1"/>
+              <a:t>def</a:t>
+            </a:r>
+            <a:r>
+              <a:rPr lang="pt-BR" b="1" dirty="0"/>
+              <a:t> nome(self):</a:t>
+            </a:r>
+          </a:p>
+          <a:p>
+            <a:pPr marL="0" indent="0">
+              <a:buNone/>
+            </a:pPr>
+            <a:r>
+              <a:rPr lang="pt-BR" b="1" dirty="0"/>
+              <a:t>        </a:t>
+            </a:r>
+            <a:r>
+              <a:rPr lang="pt-BR" b="1" dirty="0" err="1"/>
+              <a:t>return</a:t>
+            </a:r>
+            <a:r>
+              <a:rPr lang="pt-BR" b="1" dirty="0"/>
+              <a:t> print(</a:t>
+            </a:r>
+            <a:r>
+              <a:rPr lang="pt-BR" b="1" dirty="0" err="1"/>
+              <a:t>self.nome</a:t>
+            </a:r>
+            <a:r>
+              <a:rPr lang="pt-BR" b="1" dirty="0"/>
+              <a:t>) </a:t>
+            </a:r>
+          </a:p>
+          <a:p>
+            <a:pPr marL="0" indent="0">
+              <a:buNone/>
+            </a:pPr>
+            <a:r>
+              <a:rPr lang="pt-BR" b="1" dirty="0"/>
+              <a:t>    </a:t>
+            </a:r>
+            <a:r>
+              <a:rPr lang="pt-BR" b="1" dirty="0" err="1"/>
+              <a:t>def</a:t>
+            </a:r>
+            <a:r>
+              <a:rPr lang="pt-BR" b="1" dirty="0"/>
+              <a:t> </a:t>
+            </a:r>
+            <a:r>
+              <a:rPr lang="pt-BR" b="1" dirty="0" err="1"/>
+              <a:t>rg</a:t>
+            </a:r>
+            <a:r>
+              <a:rPr lang="pt-BR" b="1" dirty="0"/>
+              <a:t>(self):        </a:t>
+            </a:r>
+          </a:p>
+          <a:p>
+            <a:pPr marL="0" indent="0">
+              <a:buNone/>
+            </a:pPr>
+            <a:r>
+              <a:rPr lang="pt-BR" b="1" dirty="0"/>
+              <a:t>        </a:t>
+            </a:r>
+            <a:r>
+              <a:rPr lang="pt-BR" b="1" dirty="0" err="1"/>
+              <a:t>return</a:t>
+            </a:r>
+            <a:r>
+              <a:rPr lang="pt-BR" b="1" dirty="0"/>
+              <a:t> print(</a:t>
+            </a:r>
+            <a:r>
+              <a:rPr lang="pt-BR" b="1" dirty="0" err="1"/>
+              <a:t>self.rg</a:t>
+            </a:r>
+            <a:r>
+              <a:rPr lang="pt-BR" b="1" dirty="0"/>
+              <a:t>)</a:t>
+            </a:r>
+          </a:p>
+          <a:p>
+            <a:pPr marL="0" indent="0">
+              <a:buNone/>
+            </a:pPr>
+            <a:r>
+              <a:rPr lang="pt-BR" b="1" dirty="0"/>
+              <a:t>emp1 =</a:t>
+            </a:r>
+            <a:r>
+              <a:rPr lang="pt-BR" b="1" dirty="0" err="1"/>
+              <a:t>Funcioanrio</a:t>
+            </a:r>
+            <a:r>
+              <a:rPr lang="pt-BR" b="1" dirty="0"/>
+              <a:t>("Ana", 123321)</a:t>
+            </a:r>
+          </a:p>
+          <a:p>
+            <a:pPr marL="0" indent="0">
+              <a:buNone/>
+            </a:pPr>
+            <a:r>
+              <a:rPr lang="pt-BR" b="1" dirty="0"/>
+              <a:t>print(emp1.nome,emp1.rg) </a:t>
+            </a:r>
+          </a:p>
+          <a:p>
+            <a:pPr marL="0" indent="0">
+              <a:buNone/>
+            </a:pPr>
+            <a:r>
+              <a:rPr lang="pt-BR" b="1" dirty="0"/>
+              <a:t>emp2 = </a:t>
+            </a:r>
+            <a:r>
+              <a:rPr lang="pt-BR" b="1" dirty="0" err="1"/>
+              <a:t>Funcionario</a:t>
+            </a:r>
+            <a:r>
+              <a:rPr lang="pt-BR" b="1" dirty="0"/>
+              <a:t>("Maria", 654456)</a:t>
+            </a:r>
+          </a:p>
+          <a:p>
+            <a:pPr marL="0" indent="0">
+              <a:buNone/>
+            </a:pPr>
+            <a:r>
+              <a:rPr lang="pt-BR" b="1" dirty="0"/>
+              <a:t>print(emp2.nome,emp2.rg) </a:t>
+            </a:r>
+          </a:p>
+          <a:p>
+            <a:pPr marL="0" indent="0">
+              <a:buNone/>
+            </a:pPr>
+            <a:r>
+              <a:rPr lang="pt-BR" b="1" dirty="0"/>
+              <a:t>print ("Total </a:t>
+            </a:r>
+            <a:r>
+              <a:rPr lang="pt-BR" b="1" dirty="0" err="1"/>
+              <a:t>Funcionarios</a:t>
+            </a:r>
+            <a:r>
+              <a:rPr lang="pt-BR" b="1" dirty="0"/>
+              <a:t> %d" % </a:t>
+            </a:r>
+            <a:r>
+              <a:rPr lang="pt-BR" b="1" dirty="0" err="1"/>
+              <a:t>Funcionario.cont</a:t>
+            </a:r>
+            <a:r>
+              <a:rPr lang="pt-BR" b="1" dirty="0"/>
+              <a:t>)</a:t>
+            </a:r>
+          </a:p>
+          <a:p>
+            <a:endParaRPr lang="pt-BR" dirty="0"/>
+          </a:p>
+        </p:txBody>
+      </p:sp>
+    </p:spTree>
+    <p:extLst>
+      <p:ext uri="{BB962C8B-B14F-4D97-AF65-F5344CB8AC3E}">
+        <p14:creationId xmlns:p14="http://schemas.microsoft.com/office/powerpoint/2010/main" val="3271606423"/>
       </p:ext>
     </p:extLst>
   </p:cSld>
@@ -13843,6 +14852,720 @@
     <p:extLst>
       <p:ext uri="{BB962C8B-B14F-4D97-AF65-F5344CB8AC3E}">
         <p14:creationId xmlns:p14="http://schemas.microsoft.com/office/powerpoint/2010/main" val="1926126782"/>
+      </p:ext>
+    </p:extLst>
+  </p:cSld>
+  <p:clrMapOvr>
+    <a:masterClrMapping/>
+  </p:clrMapOvr>
+</p:sld>
+</file>
+
+<file path=ppt/slides/slide60.xml><?xml version="1.0" encoding="utf-8"?>
+<p:sld xmlns:a="http://schemas.openxmlformats.org/drawingml/2006/main" xmlns:r="http://schemas.openxmlformats.org/officeDocument/2006/relationships" xmlns:p="http://schemas.openxmlformats.org/presentationml/2006/main">
+  <p:cSld>
+    <p:spTree>
+      <p:nvGrpSpPr>
+        <p:cNvPr id="1" name=""/>
+        <p:cNvGrpSpPr/>
+        <p:nvPr/>
+      </p:nvGrpSpPr>
+      <p:grpSpPr>
+        <a:xfrm>
+          <a:off x="0" y="0"/>
+          <a:ext cx="0" cy="0"/>
+          <a:chOff x="0" y="0"/>
+          <a:chExt cx="0" cy="0"/>
+        </a:xfrm>
+      </p:grpSpPr>
+      <p:sp>
+        <p:nvSpPr>
+          <p:cNvPr id="2" name="Título 1">
+            <a:extLst>
+              <a:ext uri="{FF2B5EF4-FFF2-40B4-BE49-F238E27FC236}">
+                <a16:creationId xmlns:a16="http://schemas.microsoft.com/office/drawing/2014/main" id="{87513431-0D3A-913C-A366-194330AB9B90}"/>
+              </a:ext>
+            </a:extLst>
+          </p:cNvPr>
+          <p:cNvSpPr>
+            <a:spLocks noGrp="1"/>
+          </p:cNvSpPr>
+          <p:nvPr>
+            <p:ph type="title"/>
+          </p:nvPr>
+        </p:nvSpPr>
+        <p:spPr/>
+        <p:txBody>
+          <a:bodyPr/>
+          <a:lstStyle/>
+          <a:p>
+            <a:r>
+              <a:rPr lang="pt-BR" dirty="0"/>
+              <a:t>Exercício03:</a:t>
+            </a:r>
+          </a:p>
+        </p:txBody>
+      </p:sp>
+      <p:sp>
+        <p:nvSpPr>
+          <p:cNvPr id="3" name="Espaço Reservado para Conteúdo 2">
+            <a:extLst>
+              <a:ext uri="{FF2B5EF4-FFF2-40B4-BE49-F238E27FC236}">
+                <a16:creationId xmlns:a16="http://schemas.microsoft.com/office/drawing/2014/main" id="{7D237600-250F-834E-63FD-C2ADB0E94059}"/>
+              </a:ext>
+            </a:extLst>
+          </p:cNvPr>
+          <p:cNvSpPr>
+            <a:spLocks noGrp="1"/>
+          </p:cNvSpPr>
+          <p:nvPr>
+            <p:ph idx="1"/>
+          </p:nvPr>
+        </p:nvSpPr>
+        <p:spPr/>
+        <p:txBody>
+          <a:bodyPr/>
+          <a:lstStyle/>
+          <a:p>
+            <a:pPr marL="0" indent="0">
+              <a:buNone/>
+            </a:pPr>
+            <a:br>
+              <a:rPr lang="pt-BR" dirty="0"/>
+            </a:br>
+            <a:r>
+              <a:rPr lang="pt-BR" dirty="0" err="1"/>
+              <a:t>class</a:t>
+            </a:r>
+            <a:r>
+              <a:rPr lang="pt-BR" dirty="0"/>
+              <a:t> Veiculo:</a:t>
+            </a:r>
+          </a:p>
+          <a:p>
+            <a:pPr marL="0" indent="0">
+              <a:buNone/>
+            </a:pPr>
+            <a:r>
+              <a:rPr lang="pt-BR" dirty="0"/>
+              <a:t>    rodas = 4</a:t>
+            </a:r>
+          </a:p>
+          <a:p>
+            <a:pPr marL="0" indent="0">
+              <a:buNone/>
+            </a:pPr>
+            <a:r>
+              <a:rPr lang="pt-BR" dirty="0"/>
+              <a:t>    </a:t>
+            </a:r>
+            <a:r>
+              <a:rPr lang="pt-BR" dirty="0" err="1"/>
+              <a:t>def</a:t>
+            </a:r>
+            <a:r>
+              <a:rPr lang="pt-BR" dirty="0"/>
+              <a:t> __</a:t>
+            </a:r>
+            <a:r>
+              <a:rPr lang="pt-BR" dirty="0" err="1"/>
+              <a:t>init</a:t>
+            </a:r>
+            <a:r>
+              <a:rPr lang="pt-BR" dirty="0"/>
+              <a:t>__(self, portas):</a:t>
+            </a:r>
+          </a:p>
+          <a:p>
+            <a:pPr marL="0" indent="0">
+              <a:buNone/>
+            </a:pPr>
+            <a:r>
+              <a:rPr lang="pt-BR" dirty="0"/>
+              <a:t>        print(</a:t>
+            </a:r>
+            <a:r>
+              <a:rPr lang="pt-BR" dirty="0" err="1"/>
+              <a:t>f"Veículo</a:t>
+            </a:r>
+            <a:r>
+              <a:rPr lang="pt-BR" dirty="0"/>
+              <a:t> com {rodas} rodas e com {portas} portas.")</a:t>
+            </a:r>
+          </a:p>
+          <a:p>
+            <a:pPr marL="0" indent="0">
+              <a:buNone/>
+            </a:pPr>
+            <a:r>
+              <a:rPr lang="pt-BR" dirty="0"/>
+              <a:t>carro = Veiculo(2)</a:t>
+            </a:r>
+          </a:p>
+          <a:p>
+            <a:endParaRPr lang="pt-BR" dirty="0"/>
+          </a:p>
+        </p:txBody>
+      </p:sp>
+    </p:spTree>
+    <p:extLst>
+      <p:ext uri="{BB962C8B-B14F-4D97-AF65-F5344CB8AC3E}">
+        <p14:creationId xmlns:p14="http://schemas.microsoft.com/office/powerpoint/2010/main" val="3342374697"/>
+      </p:ext>
+    </p:extLst>
+  </p:cSld>
+  <p:clrMapOvr>
+    <a:masterClrMapping/>
+  </p:clrMapOvr>
+</p:sld>
+</file>
+
+<file path=ppt/slides/slide61.xml><?xml version="1.0" encoding="utf-8"?>
+<p:sld xmlns:a="http://schemas.openxmlformats.org/drawingml/2006/main" xmlns:r="http://schemas.openxmlformats.org/officeDocument/2006/relationships" xmlns:p="http://schemas.openxmlformats.org/presentationml/2006/main">
+  <p:cSld>
+    <p:spTree>
+      <p:nvGrpSpPr>
+        <p:cNvPr id="1" name=""/>
+        <p:cNvGrpSpPr/>
+        <p:nvPr/>
+      </p:nvGrpSpPr>
+      <p:grpSpPr>
+        <a:xfrm>
+          <a:off x="0" y="0"/>
+          <a:ext cx="0" cy="0"/>
+          <a:chOff x="0" y="0"/>
+          <a:chExt cx="0" cy="0"/>
+        </a:xfrm>
+      </p:grpSpPr>
+      <p:sp>
+        <p:nvSpPr>
+          <p:cNvPr id="2" name="Título 1">
+            <a:extLst>
+              <a:ext uri="{FF2B5EF4-FFF2-40B4-BE49-F238E27FC236}">
+                <a16:creationId xmlns:a16="http://schemas.microsoft.com/office/drawing/2014/main" id="{B208D661-1C0C-A0E0-BE8F-5DCE8D86C7CB}"/>
+              </a:ext>
+            </a:extLst>
+          </p:cNvPr>
+          <p:cNvSpPr>
+            <a:spLocks noGrp="1"/>
+          </p:cNvSpPr>
+          <p:nvPr>
+            <p:ph type="title"/>
+          </p:nvPr>
+        </p:nvSpPr>
+        <p:spPr/>
+        <p:txBody>
+          <a:bodyPr/>
+          <a:lstStyle/>
+          <a:p>
+            <a:r>
+              <a:rPr lang="pt-BR" dirty="0"/>
+              <a:t>Exercício04:</a:t>
+            </a:r>
+          </a:p>
+        </p:txBody>
+      </p:sp>
+      <p:sp>
+        <p:nvSpPr>
+          <p:cNvPr id="3" name="Espaço Reservado para Conteúdo 2">
+            <a:extLst>
+              <a:ext uri="{FF2B5EF4-FFF2-40B4-BE49-F238E27FC236}">
+                <a16:creationId xmlns:a16="http://schemas.microsoft.com/office/drawing/2014/main" id="{84ED9022-108D-7DB1-AF2B-0D4AA6344ED0}"/>
+              </a:ext>
+            </a:extLst>
+          </p:cNvPr>
+          <p:cNvSpPr>
+            <a:spLocks noGrp="1"/>
+          </p:cNvSpPr>
+          <p:nvPr>
+            <p:ph idx="1"/>
+          </p:nvPr>
+        </p:nvSpPr>
+        <p:spPr/>
+        <p:txBody>
+          <a:bodyPr>
+            <a:normAutofit fontScale="92500" lnSpcReduction="10000"/>
+          </a:bodyPr>
+          <a:lstStyle/>
+          <a:p>
+            <a:pPr marL="0" indent="0">
+              <a:buNone/>
+            </a:pPr>
+            <a:br>
+              <a:rPr lang="pt-BR" dirty="0"/>
+            </a:br>
+            <a:r>
+              <a:rPr lang="pt-BR" dirty="0" err="1"/>
+              <a:t>class</a:t>
+            </a:r>
+            <a:r>
+              <a:rPr lang="pt-BR" dirty="0"/>
+              <a:t> Person:</a:t>
+            </a:r>
+          </a:p>
+          <a:p>
+            <a:pPr marL="0" indent="0">
+              <a:buNone/>
+            </a:pPr>
+            <a:r>
+              <a:rPr lang="pt-BR" dirty="0"/>
+              <a:t>  </a:t>
+            </a:r>
+            <a:r>
+              <a:rPr lang="pt-BR" dirty="0" err="1"/>
+              <a:t>def</a:t>
+            </a:r>
+            <a:r>
+              <a:rPr lang="pt-BR" dirty="0"/>
+              <a:t> __</a:t>
+            </a:r>
+            <a:r>
+              <a:rPr lang="pt-BR" dirty="0" err="1"/>
+              <a:t>init</a:t>
+            </a:r>
+            <a:r>
+              <a:rPr lang="pt-BR" dirty="0"/>
+              <a:t>__(self, _</a:t>
+            </a:r>
+            <a:r>
+              <a:rPr lang="pt-BR" dirty="0" err="1"/>
+              <a:t>name</a:t>
+            </a:r>
+            <a:r>
+              <a:rPr lang="pt-BR" dirty="0"/>
+              <a:t>, _age):</a:t>
+            </a:r>
+          </a:p>
+          <a:p>
+            <a:pPr marL="0" indent="0">
+              <a:buNone/>
+            </a:pPr>
+            <a:r>
+              <a:rPr lang="pt-BR" dirty="0"/>
+              <a:t>    self.name = _</a:t>
+            </a:r>
+            <a:r>
+              <a:rPr lang="pt-BR" dirty="0" err="1"/>
+              <a:t>name</a:t>
+            </a:r>
+            <a:endParaRPr lang="pt-BR" dirty="0"/>
+          </a:p>
+          <a:p>
+            <a:pPr marL="0" indent="0">
+              <a:buNone/>
+            </a:pPr>
+            <a:r>
+              <a:rPr lang="pt-BR" dirty="0"/>
+              <a:t>    </a:t>
+            </a:r>
+            <a:r>
+              <a:rPr lang="pt-BR" dirty="0" err="1"/>
+              <a:t>self.age</a:t>
+            </a:r>
+            <a:r>
+              <a:rPr lang="pt-BR" dirty="0"/>
+              <a:t> = _age</a:t>
+            </a:r>
+          </a:p>
+          <a:p>
+            <a:pPr marL="0" indent="0">
+              <a:buNone/>
+            </a:pPr>
+            <a:r>
+              <a:rPr lang="pt-BR" dirty="0"/>
+              <a:t>   </a:t>
+            </a:r>
+          </a:p>
+          <a:p>
+            <a:pPr marL="0" indent="0">
+              <a:buNone/>
+            </a:pPr>
+            <a:r>
+              <a:rPr lang="pt-BR" dirty="0"/>
+              <a:t>  </a:t>
+            </a:r>
+            <a:r>
+              <a:rPr lang="pt-BR" dirty="0" err="1"/>
+              <a:t>def</a:t>
+            </a:r>
+            <a:r>
+              <a:rPr lang="pt-BR" dirty="0"/>
+              <a:t> </a:t>
+            </a:r>
+            <a:r>
+              <a:rPr lang="pt-BR" dirty="0" err="1"/>
+              <a:t>sayHi</a:t>
+            </a:r>
+            <a:r>
+              <a:rPr lang="pt-BR" dirty="0"/>
+              <a:t>(self):</a:t>
+            </a:r>
+          </a:p>
+          <a:p>
+            <a:pPr marL="0" indent="0">
+              <a:buNone/>
+            </a:pPr>
+            <a:r>
+              <a:rPr lang="pt-BR" dirty="0"/>
+              <a:t>    </a:t>
+            </a:r>
+            <a:r>
+              <a:rPr lang="pt-BR" dirty="0" err="1"/>
+              <a:t>return</a:t>
+            </a:r>
+            <a:r>
+              <a:rPr lang="pt-BR" dirty="0"/>
+              <a:t> print(f' { self.name }  ,  {</a:t>
+            </a:r>
+            <a:r>
+              <a:rPr lang="pt-BR" dirty="0" err="1"/>
+              <a:t>self.age</a:t>
+            </a:r>
+            <a:r>
+              <a:rPr lang="pt-BR" dirty="0"/>
+              <a:t>}')</a:t>
+            </a:r>
+          </a:p>
+          <a:p>
+            <a:pPr marL="0" indent="0">
+              <a:buNone/>
+            </a:pPr>
+            <a:r>
+              <a:rPr lang="pt-BR" dirty="0"/>
+              <a:t>    </a:t>
+            </a:r>
+          </a:p>
+          <a:p>
+            <a:pPr marL="0" indent="0">
+              <a:buNone/>
+            </a:pPr>
+            <a:r>
+              <a:rPr lang="pt-BR" dirty="0"/>
+              <a:t>p1 = Person('Bob', 25)</a:t>
+            </a:r>
+          </a:p>
+          <a:p>
+            <a:endParaRPr lang="pt-BR" dirty="0"/>
+          </a:p>
+        </p:txBody>
+      </p:sp>
+    </p:spTree>
+    <p:extLst>
+      <p:ext uri="{BB962C8B-B14F-4D97-AF65-F5344CB8AC3E}">
+        <p14:creationId xmlns:p14="http://schemas.microsoft.com/office/powerpoint/2010/main" val="2212295780"/>
+      </p:ext>
+    </p:extLst>
+  </p:cSld>
+  <p:clrMapOvr>
+    <a:masterClrMapping/>
+  </p:clrMapOvr>
+</p:sld>
+</file>
+
+<file path=ppt/slides/slide62.xml><?xml version="1.0" encoding="utf-8"?>
+<p:sld xmlns:a="http://schemas.openxmlformats.org/drawingml/2006/main" xmlns:r="http://schemas.openxmlformats.org/officeDocument/2006/relationships" xmlns:p="http://schemas.openxmlformats.org/presentationml/2006/main">
+  <p:cSld>
+    <p:spTree>
+      <p:nvGrpSpPr>
+        <p:cNvPr id="1" name=""/>
+        <p:cNvGrpSpPr/>
+        <p:nvPr/>
+      </p:nvGrpSpPr>
+      <p:grpSpPr>
+        <a:xfrm>
+          <a:off x="0" y="0"/>
+          <a:ext cx="0" cy="0"/>
+          <a:chOff x="0" y="0"/>
+          <a:chExt cx="0" cy="0"/>
+        </a:xfrm>
+      </p:grpSpPr>
+      <p:sp>
+        <p:nvSpPr>
+          <p:cNvPr id="2" name="Título 1">
+            <a:extLst>
+              <a:ext uri="{FF2B5EF4-FFF2-40B4-BE49-F238E27FC236}">
+                <a16:creationId xmlns:a16="http://schemas.microsoft.com/office/drawing/2014/main" id="{37A89A67-381E-FFA6-7B20-35317D082EEE}"/>
+              </a:ext>
+            </a:extLst>
+          </p:cNvPr>
+          <p:cNvSpPr>
+            <a:spLocks noGrp="1"/>
+          </p:cNvSpPr>
+          <p:nvPr>
+            <p:ph type="title"/>
+          </p:nvPr>
+        </p:nvSpPr>
+        <p:spPr/>
+        <p:txBody>
+          <a:bodyPr/>
+          <a:lstStyle/>
+          <a:p>
+            <a:r>
+              <a:rPr lang="pt-BR" dirty="0"/>
+              <a:t>Exercício05:</a:t>
+            </a:r>
+          </a:p>
+        </p:txBody>
+      </p:sp>
+      <p:sp>
+        <p:nvSpPr>
+          <p:cNvPr id="3" name="Espaço Reservado para Conteúdo 2">
+            <a:extLst>
+              <a:ext uri="{FF2B5EF4-FFF2-40B4-BE49-F238E27FC236}">
+                <a16:creationId xmlns:a16="http://schemas.microsoft.com/office/drawing/2014/main" id="{1A4306DA-70EA-BE81-2F90-CF6F6030AD04}"/>
+              </a:ext>
+            </a:extLst>
+          </p:cNvPr>
+          <p:cNvSpPr>
+            <a:spLocks noGrp="1"/>
+          </p:cNvSpPr>
+          <p:nvPr>
+            <p:ph idx="1"/>
+          </p:nvPr>
+        </p:nvSpPr>
+        <p:spPr/>
+        <p:txBody>
+          <a:bodyPr>
+            <a:normAutofit fontScale="92500" lnSpcReduction="10000"/>
+          </a:bodyPr>
+          <a:lstStyle/>
+          <a:p>
+            <a:pPr marL="0" indent="0">
+              <a:buNone/>
+            </a:pPr>
+            <a:r>
+              <a:rPr lang="pt-BR" dirty="0" err="1"/>
+              <a:t>class</a:t>
+            </a:r>
+            <a:r>
+              <a:rPr lang="pt-BR" dirty="0"/>
+              <a:t> Carro:</a:t>
+            </a:r>
+          </a:p>
+          <a:p>
+            <a:pPr marL="0" indent="0">
+              <a:buNone/>
+            </a:pPr>
+            <a:r>
+              <a:rPr lang="pt-BR" dirty="0"/>
+              <a:t> portas = 3</a:t>
+            </a:r>
+          </a:p>
+          <a:p>
+            <a:pPr marL="0" indent="0">
+              <a:buNone/>
+            </a:pPr>
+            <a:r>
+              <a:rPr lang="pt-BR" dirty="0"/>
+              <a:t> </a:t>
+            </a:r>
+            <a:r>
+              <a:rPr lang="pt-BR" dirty="0" err="1"/>
+              <a:t>def</a:t>
+            </a:r>
+            <a:r>
+              <a:rPr lang="pt-BR" dirty="0"/>
+              <a:t> __</a:t>
+            </a:r>
+            <a:r>
+              <a:rPr lang="pt-BR" dirty="0" err="1"/>
+              <a:t>init</a:t>
+            </a:r>
+            <a:r>
+              <a:rPr lang="pt-BR" dirty="0"/>
+              <a:t>__(self):</a:t>
+            </a:r>
+          </a:p>
+          <a:p>
+            <a:pPr marL="0" indent="0">
+              <a:buNone/>
+            </a:pPr>
+            <a:r>
+              <a:rPr lang="pt-BR" dirty="0"/>
+              <a:t>  print("Carro criado")</a:t>
+            </a:r>
+          </a:p>
+          <a:p>
+            <a:pPr marL="0" indent="0">
+              <a:buNone/>
+            </a:pPr>
+            <a:br>
+              <a:rPr lang="pt-BR" dirty="0"/>
+            </a:br>
+            <a:r>
+              <a:rPr lang="pt-BR" dirty="0"/>
+              <a:t> </a:t>
+            </a:r>
+            <a:r>
+              <a:rPr lang="pt-BR" dirty="0" err="1"/>
+              <a:t>def</a:t>
+            </a:r>
+            <a:r>
+              <a:rPr lang="pt-BR" dirty="0"/>
+              <a:t> </a:t>
+            </a:r>
+            <a:r>
+              <a:rPr lang="pt-BR" dirty="0" err="1"/>
+              <a:t>exibePortas</a:t>
+            </a:r>
+            <a:r>
+              <a:rPr lang="pt-BR" dirty="0"/>
+              <a:t>(self):</a:t>
+            </a:r>
+          </a:p>
+          <a:p>
+            <a:pPr marL="0" indent="0">
+              <a:buNone/>
+            </a:pPr>
+            <a:r>
+              <a:rPr lang="pt-BR" dirty="0"/>
+              <a:t>  </a:t>
+            </a:r>
+            <a:r>
+              <a:rPr lang="pt-BR" dirty="0" err="1"/>
+              <a:t>return</a:t>
+            </a:r>
+            <a:r>
+              <a:rPr lang="pt-BR" dirty="0"/>
+              <a:t> </a:t>
+            </a:r>
+            <a:r>
+              <a:rPr lang="pt-BR" dirty="0" err="1"/>
+              <a:t>self.portas</a:t>
+            </a:r>
+            <a:endParaRPr lang="pt-BR" dirty="0"/>
+          </a:p>
+          <a:p>
+            <a:pPr marL="0" indent="0">
+              <a:buNone/>
+            </a:pPr>
+            <a:r>
+              <a:rPr lang="pt-BR" dirty="0"/>
+              <a:t> </a:t>
+            </a:r>
+          </a:p>
+          <a:p>
+            <a:pPr marL="0" indent="0">
+              <a:buNone/>
+            </a:pPr>
+            <a:r>
+              <a:rPr lang="pt-BR" dirty="0" err="1"/>
+              <a:t>veloster</a:t>
+            </a:r>
+            <a:r>
+              <a:rPr lang="pt-BR" dirty="0"/>
+              <a:t> = Carro</a:t>
+            </a:r>
+          </a:p>
+          <a:p>
+            <a:pPr marL="0" indent="0">
+              <a:buNone/>
+            </a:pPr>
+            <a:r>
+              <a:rPr lang="pt-BR" dirty="0"/>
+              <a:t>print("Numero de portas:",</a:t>
+            </a:r>
+            <a:r>
+              <a:rPr lang="pt-BR" dirty="0" err="1"/>
+              <a:t>veloster.exibePortas</a:t>
+            </a:r>
+            <a:r>
+              <a:rPr lang="pt-BR" dirty="0"/>
+              <a:t>())</a:t>
+            </a:r>
+          </a:p>
+          <a:p>
+            <a:endParaRPr lang="pt-BR" dirty="0"/>
+          </a:p>
+        </p:txBody>
+      </p:sp>
+    </p:spTree>
+    <p:extLst>
+      <p:ext uri="{BB962C8B-B14F-4D97-AF65-F5344CB8AC3E}">
+        <p14:creationId xmlns:p14="http://schemas.microsoft.com/office/powerpoint/2010/main" val="1717228723"/>
+      </p:ext>
+    </p:extLst>
+  </p:cSld>
+  <p:clrMapOvr>
+    <a:masterClrMapping/>
+  </p:clrMapOvr>
+</p:sld>
+</file>
+
+<file path=ppt/slides/slide63.xml><?xml version="1.0" encoding="utf-8"?>
+<p:sld xmlns:a="http://schemas.openxmlformats.org/drawingml/2006/main" xmlns:r="http://schemas.openxmlformats.org/officeDocument/2006/relationships" xmlns:p="http://schemas.openxmlformats.org/presentationml/2006/main">
+  <p:cSld>
+    <p:spTree>
+      <p:nvGrpSpPr>
+        <p:cNvPr id="1" name=""/>
+        <p:cNvGrpSpPr/>
+        <p:nvPr/>
+      </p:nvGrpSpPr>
+      <p:grpSpPr>
+        <a:xfrm>
+          <a:off x="0" y="0"/>
+          <a:ext cx="0" cy="0"/>
+          <a:chOff x="0" y="0"/>
+          <a:chExt cx="0" cy="0"/>
+        </a:xfrm>
+      </p:grpSpPr>
+      <p:sp>
+        <p:nvSpPr>
+          <p:cNvPr id="2" name="Título 1">
+            <a:extLst>
+              <a:ext uri="{FF2B5EF4-FFF2-40B4-BE49-F238E27FC236}">
+                <a16:creationId xmlns:a16="http://schemas.microsoft.com/office/drawing/2014/main" id="{FDB93B88-DE74-73AD-C99A-45A82BAB9553}"/>
+              </a:ext>
+            </a:extLst>
+          </p:cNvPr>
+          <p:cNvSpPr>
+            <a:spLocks noGrp="1"/>
+          </p:cNvSpPr>
+          <p:nvPr>
+            <p:ph type="title"/>
+          </p:nvPr>
+        </p:nvSpPr>
+        <p:spPr/>
+        <p:txBody>
+          <a:bodyPr/>
+          <a:lstStyle/>
+          <a:p>
+            <a:r>
+              <a:rPr lang="pt-BR"/>
+              <a:t>FIM:		</a:t>
+            </a:r>
+          </a:p>
+        </p:txBody>
+      </p:sp>
+      <p:sp>
+        <p:nvSpPr>
+          <p:cNvPr id="3" name="Espaço Reservado para Conteúdo 2">
+            <a:extLst>
+              <a:ext uri="{FF2B5EF4-FFF2-40B4-BE49-F238E27FC236}">
+                <a16:creationId xmlns:a16="http://schemas.microsoft.com/office/drawing/2014/main" id="{6CD9F92A-D7CE-E521-2E3C-4C4C60960D8D}"/>
+              </a:ext>
+            </a:extLst>
+          </p:cNvPr>
+          <p:cNvSpPr>
+            <a:spLocks noGrp="1"/>
+          </p:cNvSpPr>
+          <p:nvPr>
+            <p:ph idx="1"/>
+          </p:nvPr>
+        </p:nvSpPr>
+        <p:spPr/>
+        <p:txBody>
+          <a:bodyPr/>
+          <a:lstStyle/>
+          <a:p>
+            <a:endParaRPr lang="pt-BR"/>
+          </a:p>
+        </p:txBody>
+      </p:sp>
+    </p:spTree>
+    <p:extLst>
+      <p:ext uri="{BB962C8B-B14F-4D97-AF65-F5344CB8AC3E}">
+        <p14:creationId xmlns:p14="http://schemas.microsoft.com/office/powerpoint/2010/main" val="868687190"/>
       </p:ext>
     </p:extLst>
   </p:cSld>
